--- a/bancodedados.pptx
+++ b/bancodedados.pptx
@@ -2,7 +2,7 @@
 <file path=ppt/presentation.xml><?xml version="1.0" encoding="utf-8"?>
 <p:presentation xmlns:a="http://schemas.openxmlformats.org/drawingml/2006/main" xmlns:r="http://schemas.openxmlformats.org/officeDocument/2006/relationships" xmlns:p="http://schemas.openxmlformats.org/presentationml/2006/main" saveSubsetFonts="1">
   <p:sldMasterIdLst>
-    <p:sldMasterId id="2147483648" r:id="rId1"/>
+    <p:sldMasterId id="2147483726" r:id="rId1"/>
   </p:sldMasterIdLst>
   <p:sldIdLst>
     <p:sldId id="256" r:id="rId2"/>
@@ -11,6 +11,9 @@
     <p:sldId id="259" r:id="rId5"/>
     <p:sldId id="260" r:id="rId6"/>
     <p:sldId id="261" r:id="rId7"/>
+    <p:sldId id="262" r:id="rId8"/>
+    <p:sldId id="263" r:id="rId9"/>
+    <p:sldId id="264" r:id="rId10"/>
   </p:sldIdLst>
   <p:sldSz cx="12192000" cy="6858000"/>
   <p:notesSz cx="6858000" cy="9144000"/>
@@ -109,11 +112,16 @@
       </a:defRPr>
     </a:lvl9pPr>
   </p:defaultTextStyle>
+  <p:extLst>
+    <p:ext uri="{EFAFB233-063F-42B5-8137-9DF3F51BA10A}">
+      <p15:sldGuideLst xmlns:p15="http://schemas.microsoft.com/office/powerpoint/2012/main"/>
+    </p:ext>
+  </p:extLst>
 </p:presentation>
 </file>
 
 <file path=ppt/slideLayouts/slideLayout1.xml><?xml version="1.0" encoding="utf-8"?>
-<p:sldLayout xmlns:a="http://schemas.openxmlformats.org/drawingml/2006/main" xmlns:r="http://schemas.openxmlformats.org/officeDocument/2006/relationships" xmlns:p="http://schemas.openxmlformats.org/presentationml/2006/main" type="title" preserve="1">
+<p:sldLayout xmlns:a="http://schemas.openxmlformats.org/drawingml/2006/main" xmlns:r="http://schemas.openxmlformats.org/officeDocument/2006/relationships" xmlns:p="http://schemas.openxmlformats.org/presentationml/2006/main" showMasterSp="0" type="title" preserve="1">
   <p:cSld name="Slide de título">
     <p:spTree>
       <p:nvGrpSpPr>
@@ -131,7 +139,7 @@
       </p:grpSpPr>
       <p:sp>
         <p:nvSpPr>
-          <p:cNvPr id="2" name="Título 1"/>
+          <p:cNvPr id="2" name="Title 1"/>
           <p:cNvSpPr>
             <a:spLocks noGrp="1"/>
           </p:cNvSpPr>
@@ -141,15 +149,19 @@
         </p:nvSpPr>
         <p:spPr>
           <a:xfrm>
-            <a:off x="1524000" y="1122363"/>
-            <a:ext cx="9144000" cy="2387600"/>
-          </a:xfrm>
-        </p:spPr>
-        <p:txBody>
-          <a:bodyPr anchor="b"/>
+            <a:off x="684212" y="685799"/>
+            <a:ext cx="8001000" cy="2971801"/>
+          </a:xfrm>
+        </p:spPr>
+        <p:txBody>
+          <a:bodyPr anchor="b">
+            <a:normAutofit/>
+          </a:bodyPr>
           <a:lstStyle>
-            <a:lvl1pPr algn="ctr">
-              <a:defRPr sz="6000"/>
+            <a:lvl1pPr algn="l">
+              <a:defRPr sz="4800">
+                <a:effectLst/>
+              </a:defRPr>
             </a:lvl1pPr>
           </a:lstStyle>
           <a:p>
@@ -157,13 +169,13 @@
               <a:rPr lang="pt-BR" smtClean="0"/>
               <a:t>Clique para editar o título mestre</a:t>
             </a:r>
-            <a:endParaRPr lang="pt-BR"/>
-          </a:p>
-        </p:txBody>
-      </p:sp>
-      <p:sp>
-        <p:nvSpPr>
-          <p:cNvPr id="3" name="Subtítulo 2"/>
+            <a:endParaRPr lang="en-US" dirty="0"/>
+          </a:p>
+        </p:txBody>
+      </p:sp>
+      <p:sp>
+        <p:nvSpPr>
+          <p:cNvPr id="3" name="Subtitle 2"/>
           <p:cNvSpPr>
             <a:spLocks noGrp="1"/>
           </p:cNvSpPr>
@@ -173,48 +185,104 @@
         </p:nvSpPr>
         <p:spPr>
           <a:xfrm>
-            <a:off x="1524000" y="3602038"/>
-            <a:ext cx="9144000" cy="1655762"/>
-          </a:xfrm>
-        </p:spPr>
-        <p:txBody>
-          <a:bodyPr/>
+            <a:off x="684212" y="3843867"/>
+            <a:ext cx="6400800" cy="1947333"/>
+          </a:xfrm>
+        </p:spPr>
+        <p:txBody>
+          <a:bodyPr anchor="t">
+            <a:normAutofit/>
+          </a:bodyPr>
           <a:lstStyle>
-            <a:lvl1pPr marL="0" indent="0" algn="ctr">
-              <a:buNone/>
-              <a:defRPr sz="2400"/>
+            <a:lvl1pPr marL="0" indent="0" algn="l">
+              <a:buNone/>
+              <a:defRPr sz="2100">
+                <a:solidFill>
+                  <a:schemeClr val="bg2">
+                    <a:lumMod val="75000"/>
+                  </a:schemeClr>
+                </a:solidFill>
+              </a:defRPr>
             </a:lvl1pPr>
             <a:lvl2pPr marL="457200" indent="0" algn="ctr">
               <a:buNone/>
-              <a:defRPr sz="2000"/>
+              <a:defRPr>
+                <a:solidFill>
+                  <a:schemeClr val="tx1">
+                    <a:tint val="75000"/>
+                  </a:schemeClr>
+                </a:solidFill>
+              </a:defRPr>
             </a:lvl2pPr>
             <a:lvl3pPr marL="914400" indent="0" algn="ctr">
               <a:buNone/>
-              <a:defRPr sz="1800"/>
+              <a:defRPr>
+                <a:solidFill>
+                  <a:schemeClr val="tx1">
+                    <a:tint val="75000"/>
+                  </a:schemeClr>
+                </a:solidFill>
+              </a:defRPr>
             </a:lvl3pPr>
             <a:lvl4pPr marL="1371600" indent="0" algn="ctr">
               <a:buNone/>
-              <a:defRPr sz="1600"/>
+              <a:defRPr>
+                <a:solidFill>
+                  <a:schemeClr val="tx1">
+                    <a:tint val="75000"/>
+                  </a:schemeClr>
+                </a:solidFill>
+              </a:defRPr>
             </a:lvl4pPr>
             <a:lvl5pPr marL="1828800" indent="0" algn="ctr">
               <a:buNone/>
-              <a:defRPr sz="1600"/>
+              <a:defRPr>
+                <a:solidFill>
+                  <a:schemeClr val="tx1">
+                    <a:tint val="75000"/>
+                  </a:schemeClr>
+                </a:solidFill>
+              </a:defRPr>
             </a:lvl5pPr>
             <a:lvl6pPr marL="2286000" indent="0" algn="ctr">
               <a:buNone/>
-              <a:defRPr sz="1600"/>
+              <a:defRPr>
+                <a:solidFill>
+                  <a:schemeClr val="tx1">
+                    <a:tint val="75000"/>
+                  </a:schemeClr>
+                </a:solidFill>
+              </a:defRPr>
             </a:lvl6pPr>
             <a:lvl7pPr marL="2743200" indent="0" algn="ctr">
               <a:buNone/>
-              <a:defRPr sz="1600"/>
+              <a:defRPr>
+                <a:solidFill>
+                  <a:schemeClr val="tx1">
+                    <a:tint val="75000"/>
+                  </a:schemeClr>
+                </a:solidFill>
+              </a:defRPr>
             </a:lvl7pPr>
             <a:lvl8pPr marL="3200400" indent="0" algn="ctr">
               <a:buNone/>
-              <a:defRPr sz="1600"/>
+              <a:defRPr>
+                <a:solidFill>
+                  <a:schemeClr val="tx1">
+                    <a:tint val="75000"/>
+                  </a:schemeClr>
+                </a:solidFill>
+              </a:defRPr>
             </a:lvl8pPr>
             <a:lvl9pPr marL="3657600" indent="0" algn="ctr">
               <a:buNone/>
-              <a:defRPr sz="1600"/>
+              <a:defRPr>
+                <a:solidFill>
+                  <a:schemeClr val="tx1">
+                    <a:tint val="75000"/>
+                  </a:schemeClr>
+                </a:solidFill>
+              </a:defRPr>
             </a:lvl9pPr>
           </a:lstStyle>
           <a:p>
@@ -222,13 +290,13 @@
               <a:rPr lang="pt-BR" smtClean="0"/>
               <a:t>Clique para editar o estilo do subtítulo mestre</a:t>
             </a:r>
-            <a:endParaRPr lang="pt-BR"/>
-          </a:p>
-        </p:txBody>
-      </p:sp>
-      <p:sp>
-        <p:nvSpPr>
-          <p:cNvPr id="4" name="Espaço Reservado para Data 3"/>
+            <a:endParaRPr lang="en-US" dirty="0"/>
+          </a:p>
+        </p:txBody>
+      </p:sp>
+      <p:sp>
+        <p:nvSpPr>
+          <p:cNvPr id="4" name="Date Placeholder 3"/>
           <p:cNvSpPr>
             <a:spLocks noGrp="1"/>
           </p:cNvSpPr>
@@ -251,7 +319,7 @@
       </p:sp>
       <p:sp>
         <p:nvSpPr>
-          <p:cNvPr id="5" name="Espaço Reservado para Rodapé 4"/>
+          <p:cNvPr id="5" name="Footer Placeholder 4"/>
           <p:cNvSpPr>
             <a:spLocks noGrp="1"/>
           </p:cNvSpPr>
@@ -270,7 +338,7 @@
       </p:sp>
       <p:sp>
         <p:nvSpPr>
-          <p:cNvPr id="6" name="Espaço Reservado para Número de Slide 5"/>
+          <p:cNvPr id="6" name="Slide Number Placeholder 5"/>
           <p:cNvSpPr>
             <a:spLocks noGrp="1"/>
           </p:cNvSpPr>
@@ -291,10 +359,185 @@
           </a:p>
         </p:txBody>
       </p:sp>
+      <p:cxnSp>
+        <p:nvCxnSpPr>
+          <p:cNvPr id="16" name="Straight Connector 15"/>
+          <p:cNvCxnSpPr/>
+          <p:nvPr/>
+        </p:nvCxnSpPr>
+        <p:spPr>
+          <a:xfrm flipH="1">
+            <a:off x="8228012" y="8467"/>
+            <a:ext cx="3810000" cy="3810000"/>
+          </a:xfrm>
+          <a:prstGeom prst="line">
+            <a:avLst/>
+          </a:prstGeom>
+          <a:ln w="12700">
+            <a:solidFill>
+              <a:schemeClr val="tx1"/>
+            </a:solidFill>
+          </a:ln>
+        </p:spPr>
+        <p:style>
+          <a:lnRef idx="2">
+            <a:schemeClr val="accent1"/>
+          </a:lnRef>
+          <a:fillRef idx="0">
+            <a:schemeClr val="accent1"/>
+          </a:fillRef>
+          <a:effectRef idx="1">
+            <a:schemeClr val="accent1"/>
+          </a:effectRef>
+          <a:fontRef idx="minor">
+            <a:schemeClr val="tx1"/>
+          </a:fontRef>
+        </p:style>
+      </p:cxnSp>
+      <p:cxnSp>
+        <p:nvCxnSpPr>
+          <p:cNvPr id="17" name="Straight Connector 16"/>
+          <p:cNvCxnSpPr/>
+          <p:nvPr/>
+        </p:nvCxnSpPr>
+        <p:spPr>
+          <a:xfrm flipH="1">
+            <a:off x="6108170" y="91545"/>
+            <a:ext cx="6080655" cy="6080655"/>
+          </a:xfrm>
+          <a:prstGeom prst="line">
+            <a:avLst/>
+          </a:prstGeom>
+          <a:ln w="12700">
+            <a:solidFill>
+              <a:schemeClr val="tx1"/>
+            </a:solidFill>
+          </a:ln>
+        </p:spPr>
+        <p:style>
+          <a:lnRef idx="2">
+            <a:schemeClr val="accent1"/>
+          </a:lnRef>
+          <a:fillRef idx="0">
+            <a:schemeClr val="accent1"/>
+          </a:fillRef>
+          <a:effectRef idx="1">
+            <a:schemeClr val="accent1"/>
+          </a:effectRef>
+          <a:fontRef idx="minor">
+            <a:schemeClr val="tx1"/>
+          </a:fontRef>
+        </p:style>
+      </p:cxnSp>
+      <p:cxnSp>
+        <p:nvCxnSpPr>
+          <p:cNvPr id="19" name="Straight Connector 18"/>
+          <p:cNvCxnSpPr/>
+          <p:nvPr/>
+        </p:nvCxnSpPr>
+        <p:spPr>
+          <a:xfrm flipH="1">
+            <a:off x="7235825" y="228600"/>
+            <a:ext cx="4953000" cy="4953000"/>
+          </a:xfrm>
+          <a:prstGeom prst="line">
+            <a:avLst/>
+          </a:prstGeom>
+          <a:ln w="12700">
+            <a:solidFill>
+              <a:schemeClr val="tx1"/>
+            </a:solidFill>
+          </a:ln>
+        </p:spPr>
+        <p:style>
+          <a:lnRef idx="2">
+            <a:schemeClr val="accent1"/>
+          </a:lnRef>
+          <a:fillRef idx="0">
+            <a:schemeClr val="accent1"/>
+          </a:fillRef>
+          <a:effectRef idx="1">
+            <a:schemeClr val="accent1"/>
+          </a:effectRef>
+          <a:fontRef idx="minor">
+            <a:schemeClr val="tx1"/>
+          </a:fontRef>
+        </p:style>
+      </p:cxnSp>
+      <p:cxnSp>
+        <p:nvCxnSpPr>
+          <p:cNvPr id="21" name="Straight Connector 20"/>
+          <p:cNvCxnSpPr/>
+          <p:nvPr/>
+        </p:nvCxnSpPr>
+        <p:spPr>
+          <a:xfrm flipH="1">
+            <a:off x="7335837" y="32278"/>
+            <a:ext cx="4852989" cy="4852989"/>
+          </a:xfrm>
+          <a:prstGeom prst="line">
+            <a:avLst/>
+          </a:prstGeom>
+          <a:ln w="31750">
+            <a:solidFill>
+              <a:schemeClr val="tx1"/>
+            </a:solidFill>
+          </a:ln>
+        </p:spPr>
+        <p:style>
+          <a:lnRef idx="2">
+            <a:schemeClr val="accent1"/>
+          </a:lnRef>
+          <a:fillRef idx="0">
+            <a:schemeClr val="accent1"/>
+          </a:fillRef>
+          <a:effectRef idx="1">
+            <a:schemeClr val="accent1"/>
+          </a:effectRef>
+          <a:fontRef idx="minor">
+            <a:schemeClr val="tx1"/>
+          </a:fontRef>
+        </p:style>
+      </p:cxnSp>
+      <p:cxnSp>
+        <p:nvCxnSpPr>
+          <p:cNvPr id="23" name="Straight Connector 22"/>
+          <p:cNvCxnSpPr/>
+          <p:nvPr/>
+        </p:nvCxnSpPr>
+        <p:spPr>
+          <a:xfrm flipH="1">
+            <a:off x="7845426" y="609601"/>
+            <a:ext cx="4343399" cy="4343399"/>
+          </a:xfrm>
+          <a:prstGeom prst="line">
+            <a:avLst/>
+          </a:prstGeom>
+          <a:ln w="31750">
+            <a:solidFill>
+              <a:schemeClr val="tx1"/>
+            </a:solidFill>
+          </a:ln>
+        </p:spPr>
+        <p:style>
+          <a:lnRef idx="2">
+            <a:schemeClr val="accent1"/>
+          </a:lnRef>
+          <a:fillRef idx="0">
+            <a:schemeClr val="accent1"/>
+          </a:fillRef>
+          <a:effectRef idx="1">
+            <a:schemeClr val="accent1"/>
+          </a:effectRef>
+          <a:fontRef idx="minor">
+            <a:schemeClr val="tx1"/>
+          </a:fontRef>
+        </p:style>
+      </p:cxnSp>
     </p:spTree>
     <p:extLst>
       <p:ext uri="{BB962C8B-B14F-4D97-AF65-F5344CB8AC3E}">
-        <p14:creationId xmlns:p14="http://schemas.microsoft.com/office/powerpoint/2010/main" val="3368723679"/>
+        <p14:creationId xmlns:p14="http://schemas.microsoft.com/office/powerpoint/2010/main" val="1080343144"/>
       </p:ext>
     </p:extLst>
   </p:cSld>
@@ -305,6 +548,1812 @@
 </file>
 
 <file path=ppt/slideLayouts/slideLayout10.xml><?xml version="1.0" encoding="utf-8"?>
+<p:sldLayout xmlns:a="http://schemas.openxmlformats.org/drawingml/2006/main" xmlns:r="http://schemas.openxmlformats.org/officeDocument/2006/relationships" xmlns:p="http://schemas.openxmlformats.org/presentationml/2006/main" preserve="1">
+  <p:cSld name="Foto Panorâmica com Legenda">
+    <p:spTree>
+      <p:nvGrpSpPr>
+        <p:cNvPr id="1" name=""/>
+        <p:cNvGrpSpPr/>
+        <p:nvPr/>
+      </p:nvGrpSpPr>
+      <p:grpSpPr>
+        <a:xfrm>
+          <a:off x="0" y="0"/>
+          <a:ext cx="0" cy="0"/>
+          <a:chOff x="0" y="0"/>
+          <a:chExt cx="0" cy="0"/>
+        </a:xfrm>
+      </p:grpSpPr>
+      <p:sp>
+        <p:nvSpPr>
+          <p:cNvPr id="2" name="Title 1"/>
+          <p:cNvSpPr>
+            <a:spLocks noGrp="1"/>
+          </p:cNvSpPr>
+          <p:nvPr>
+            <p:ph type="title"/>
+          </p:nvPr>
+        </p:nvSpPr>
+        <p:spPr/>
+        <p:txBody>
+          <a:bodyPr/>
+          <a:lstStyle/>
+          <a:p>
+            <a:r>
+              <a:rPr lang="pt-BR" smtClean="0"/>
+              <a:t>Clique para editar o título mestre</a:t>
+            </a:r>
+            <a:endParaRPr lang="en-US" dirty="0"/>
+          </a:p>
+        </p:txBody>
+      </p:sp>
+      <p:sp>
+        <p:nvSpPr>
+          <p:cNvPr id="17" name="Picture Placeholder 2"/>
+          <p:cNvSpPr>
+            <a:spLocks noGrp="1" noChangeAspect="1"/>
+          </p:cNvSpPr>
+          <p:nvPr>
+            <p:ph type="pic" idx="13"/>
+          </p:nvPr>
+        </p:nvSpPr>
+        <p:spPr>
+          <a:xfrm>
+            <a:off x="685800" y="533400"/>
+            <a:ext cx="10818812" cy="3124200"/>
+          </a:xfrm>
+          <a:prstGeom prst="snip2DiagRect">
+            <a:avLst>
+              <a:gd name="adj1" fmla="val 10815"/>
+              <a:gd name="adj2" fmla="val 0"/>
+            </a:avLst>
+          </a:prstGeom>
+          <a:ln w="15875">
+            <a:solidFill>
+              <a:schemeClr val="tx1">
+                <a:alpha val="40000"/>
+              </a:schemeClr>
+            </a:solidFill>
+          </a:ln>
+          <a:effectLst>
+            <a:innerShdw blurRad="57150" dist="38100" dir="14460000">
+              <a:srgbClr val="000000">
+                <a:alpha val="70000"/>
+              </a:srgbClr>
+            </a:innerShdw>
+          </a:effectLst>
+        </p:spPr>
+        <p:txBody>
+          <a:bodyPr anchor="t">
+            <a:normAutofit/>
+          </a:bodyPr>
+          <a:lstStyle>
+            <a:lvl1pPr marL="0" indent="0" algn="ctr">
+              <a:buNone/>
+              <a:defRPr sz="1600"/>
+            </a:lvl1pPr>
+            <a:lvl2pPr marL="457200" indent="0">
+              <a:buNone/>
+              <a:defRPr sz="1600"/>
+            </a:lvl2pPr>
+            <a:lvl3pPr marL="914400" indent="0">
+              <a:buNone/>
+              <a:defRPr sz="1600"/>
+            </a:lvl3pPr>
+            <a:lvl4pPr marL="1371600" indent="0">
+              <a:buNone/>
+              <a:defRPr sz="1600"/>
+            </a:lvl4pPr>
+            <a:lvl5pPr marL="1828800" indent="0">
+              <a:buNone/>
+              <a:defRPr sz="1600"/>
+            </a:lvl5pPr>
+            <a:lvl6pPr marL="2286000" indent="0">
+              <a:buNone/>
+              <a:defRPr sz="1600"/>
+            </a:lvl6pPr>
+            <a:lvl7pPr marL="2743200" indent="0">
+              <a:buNone/>
+              <a:defRPr sz="1600"/>
+            </a:lvl7pPr>
+            <a:lvl8pPr marL="3200400" indent="0">
+              <a:buNone/>
+              <a:defRPr sz="1600"/>
+            </a:lvl8pPr>
+            <a:lvl9pPr marL="3657600" indent="0">
+              <a:buNone/>
+              <a:defRPr sz="1600"/>
+            </a:lvl9pPr>
+          </a:lstStyle>
+          <a:p>
+            <a:r>
+              <a:rPr lang="pt-BR" smtClean="0"/>
+              <a:t>Clique no ícone para adicionar uma imagem</a:t>
+            </a:r>
+            <a:endParaRPr lang="en-US" dirty="0"/>
+          </a:p>
+        </p:txBody>
+      </p:sp>
+      <p:sp>
+        <p:nvSpPr>
+          <p:cNvPr id="16" name="Text Placeholder 9"/>
+          <p:cNvSpPr>
+            <a:spLocks noGrp="1"/>
+          </p:cNvSpPr>
+          <p:nvPr>
+            <p:ph type="body" sz="quarter" idx="14"/>
+          </p:nvPr>
+        </p:nvSpPr>
+        <p:spPr>
+          <a:xfrm>
+            <a:off x="914402" y="3843867"/>
+            <a:ext cx="8304210" cy="457200"/>
+          </a:xfrm>
+        </p:spPr>
+        <p:txBody>
+          <a:bodyPr anchor="t">
+            <a:normAutofit/>
+          </a:bodyPr>
+          <a:lstStyle>
+            <a:lvl1pPr marL="0" indent="0">
+              <a:buFontTx/>
+              <a:buNone/>
+              <a:defRPr sz="1600"/>
+            </a:lvl1pPr>
+            <a:lvl2pPr marL="457200" indent="0">
+              <a:buFontTx/>
+              <a:buNone/>
+              <a:defRPr/>
+            </a:lvl2pPr>
+            <a:lvl3pPr marL="914400" indent="0">
+              <a:buFontTx/>
+              <a:buNone/>
+              <a:defRPr/>
+            </a:lvl3pPr>
+            <a:lvl4pPr marL="1371600" indent="0">
+              <a:buFontTx/>
+              <a:buNone/>
+              <a:defRPr/>
+            </a:lvl4pPr>
+            <a:lvl5pPr marL="1828800" indent="0">
+              <a:buFontTx/>
+              <a:buNone/>
+              <a:defRPr/>
+            </a:lvl5pPr>
+          </a:lstStyle>
+          <a:p>
+            <a:pPr lvl="0"/>
+            <a:r>
+              <a:rPr lang="pt-BR" smtClean="0"/>
+              <a:t>Clique para editar o texto mestre</a:t>
+            </a:r>
+          </a:p>
+        </p:txBody>
+      </p:sp>
+      <p:sp>
+        <p:nvSpPr>
+          <p:cNvPr id="3" name="Date Placeholder 2"/>
+          <p:cNvSpPr>
+            <a:spLocks noGrp="1"/>
+          </p:cNvSpPr>
+          <p:nvPr>
+            <p:ph type="dt" sz="half" idx="10"/>
+          </p:nvPr>
+        </p:nvSpPr>
+        <p:spPr/>
+        <p:txBody>
+          <a:bodyPr/>
+          <a:lstStyle/>
+          <a:p>
+            <a:fld id="{3807E0A5-588E-4EC8-AADB-18DC3EB87DF1}" type="datetimeFigureOut">
+              <a:rPr lang="pt-BR" smtClean="0"/>
+              <a:t>27/10/2020</a:t>
+            </a:fld>
+            <a:endParaRPr lang="pt-BR"/>
+          </a:p>
+        </p:txBody>
+      </p:sp>
+      <p:sp>
+        <p:nvSpPr>
+          <p:cNvPr id="4" name="Footer Placeholder 3"/>
+          <p:cNvSpPr>
+            <a:spLocks noGrp="1"/>
+          </p:cNvSpPr>
+          <p:nvPr>
+            <p:ph type="ftr" sz="quarter" idx="11"/>
+          </p:nvPr>
+        </p:nvSpPr>
+        <p:spPr/>
+        <p:txBody>
+          <a:bodyPr/>
+          <a:lstStyle/>
+          <a:p>
+            <a:endParaRPr lang="pt-BR"/>
+          </a:p>
+        </p:txBody>
+      </p:sp>
+      <p:sp>
+        <p:nvSpPr>
+          <p:cNvPr id="5" name="Slide Number Placeholder 4"/>
+          <p:cNvSpPr>
+            <a:spLocks noGrp="1"/>
+          </p:cNvSpPr>
+          <p:nvPr>
+            <p:ph type="sldNum" sz="quarter" idx="12"/>
+          </p:nvPr>
+        </p:nvSpPr>
+        <p:spPr/>
+        <p:txBody>
+          <a:bodyPr/>
+          <a:lstStyle/>
+          <a:p>
+            <a:fld id="{40135B23-962A-44B8-AE28-1AFEE7D98592}" type="slidenum">
+              <a:rPr lang="pt-BR" smtClean="0"/>
+              <a:t>‹nº›</a:t>
+            </a:fld>
+            <a:endParaRPr lang="pt-BR"/>
+          </a:p>
+        </p:txBody>
+      </p:sp>
+    </p:spTree>
+    <p:extLst>
+      <p:ext uri="{BB962C8B-B14F-4D97-AF65-F5344CB8AC3E}">
+        <p14:creationId xmlns:p14="http://schemas.microsoft.com/office/powerpoint/2010/main" val="1179298086"/>
+      </p:ext>
+    </p:extLst>
+  </p:cSld>
+  <p:clrMapOvr>
+    <a:masterClrMapping/>
+  </p:clrMapOvr>
+</p:sldLayout>
+</file>
+
+<file path=ppt/slideLayouts/slideLayout11.xml><?xml version="1.0" encoding="utf-8"?>
+<p:sldLayout xmlns:a="http://schemas.openxmlformats.org/drawingml/2006/main" xmlns:r="http://schemas.openxmlformats.org/officeDocument/2006/relationships" xmlns:p="http://schemas.openxmlformats.org/presentationml/2006/main" preserve="1">
+  <p:cSld name="Título e Legenda">
+    <p:spTree>
+      <p:nvGrpSpPr>
+        <p:cNvPr id="1" name=""/>
+        <p:cNvGrpSpPr/>
+        <p:nvPr/>
+      </p:nvGrpSpPr>
+      <p:grpSpPr>
+        <a:xfrm>
+          <a:off x="0" y="0"/>
+          <a:ext cx="0" cy="0"/>
+          <a:chOff x="0" y="0"/>
+          <a:chExt cx="0" cy="0"/>
+        </a:xfrm>
+      </p:grpSpPr>
+      <p:sp>
+        <p:nvSpPr>
+          <p:cNvPr id="2" name="Title 1"/>
+          <p:cNvSpPr>
+            <a:spLocks noGrp="1"/>
+          </p:cNvSpPr>
+          <p:nvPr>
+            <p:ph type="title"/>
+          </p:nvPr>
+        </p:nvSpPr>
+        <p:spPr>
+          <a:xfrm>
+            <a:off x="684213" y="685800"/>
+            <a:ext cx="10058400" cy="2743200"/>
+          </a:xfrm>
+        </p:spPr>
+        <p:txBody>
+          <a:bodyPr anchor="ctr">
+            <a:normAutofit/>
+          </a:bodyPr>
+          <a:lstStyle>
+            <a:lvl1pPr algn="l">
+              <a:defRPr sz="3200" b="0" cap="all"/>
+            </a:lvl1pPr>
+          </a:lstStyle>
+          <a:p>
+            <a:r>
+              <a:rPr lang="pt-BR" smtClean="0"/>
+              <a:t>Clique para editar o título mestre</a:t>
+            </a:r>
+            <a:endParaRPr lang="en-US" dirty="0"/>
+          </a:p>
+        </p:txBody>
+      </p:sp>
+      <p:sp>
+        <p:nvSpPr>
+          <p:cNvPr id="3" name="Text Placeholder 2"/>
+          <p:cNvSpPr>
+            <a:spLocks noGrp="1"/>
+          </p:cNvSpPr>
+          <p:nvPr>
+            <p:ph type="body" idx="1"/>
+          </p:nvPr>
+        </p:nvSpPr>
+        <p:spPr>
+          <a:xfrm>
+            <a:off x="684212" y="4114800"/>
+            <a:ext cx="8535988" cy="1879600"/>
+          </a:xfrm>
+        </p:spPr>
+        <p:txBody>
+          <a:bodyPr anchor="ctr">
+            <a:normAutofit/>
+          </a:bodyPr>
+          <a:lstStyle>
+            <a:lvl1pPr marL="0" indent="0" algn="l">
+              <a:buNone/>
+              <a:defRPr sz="2000">
+                <a:solidFill>
+                  <a:schemeClr val="bg2">
+                    <a:lumMod val="75000"/>
+                  </a:schemeClr>
+                </a:solidFill>
+              </a:defRPr>
+            </a:lvl1pPr>
+            <a:lvl2pPr marL="457200" indent="0">
+              <a:buNone/>
+              <a:defRPr sz="1800">
+                <a:solidFill>
+                  <a:schemeClr val="tx1">
+                    <a:tint val="75000"/>
+                  </a:schemeClr>
+                </a:solidFill>
+              </a:defRPr>
+            </a:lvl2pPr>
+            <a:lvl3pPr marL="914400" indent="0">
+              <a:buNone/>
+              <a:defRPr sz="1600">
+                <a:solidFill>
+                  <a:schemeClr val="tx1">
+                    <a:tint val="75000"/>
+                  </a:schemeClr>
+                </a:solidFill>
+              </a:defRPr>
+            </a:lvl3pPr>
+            <a:lvl4pPr marL="1371600" indent="0">
+              <a:buNone/>
+              <a:defRPr sz="1400">
+                <a:solidFill>
+                  <a:schemeClr val="tx1">
+                    <a:tint val="75000"/>
+                  </a:schemeClr>
+                </a:solidFill>
+              </a:defRPr>
+            </a:lvl4pPr>
+            <a:lvl5pPr marL="1828800" indent="0">
+              <a:buNone/>
+              <a:defRPr sz="1400">
+                <a:solidFill>
+                  <a:schemeClr val="tx1">
+                    <a:tint val="75000"/>
+                  </a:schemeClr>
+                </a:solidFill>
+              </a:defRPr>
+            </a:lvl5pPr>
+            <a:lvl6pPr marL="2286000" indent="0">
+              <a:buNone/>
+              <a:defRPr sz="1400">
+                <a:solidFill>
+                  <a:schemeClr val="tx1">
+                    <a:tint val="75000"/>
+                  </a:schemeClr>
+                </a:solidFill>
+              </a:defRPr>
+            </a:lvl6pPr>
+            <a:lvl7pPr marL="2743200" indent="0">
+              <a:buNone/>
+              <a:defRPr sz="1400">
+                <a:solidFill>
+                  <a:schemeClr val="tx1">
+                    <a:tint val="75000"/>
+                  </a:schemeClr>
+                </a:solidFill>
+              </a:defRPr>
+            </a:lvl7pPr>
+            <a:lvl8pPr marL="3200400" indent="0">
+              <a:buNone/>
+              <a:defRPr sz="1400">
+                <a:solidFill>
+                  <a:schemeClr val="tx1">
+                    <a:tint val="75000"/>
+                  </a:schemeClr>
+                </a:solidFill>
+              </a:defRPr>
+            </a:lvl8pPr>
+            <a:lvl9pPr marL="3657600" indent="0">
+              <a:buNone/>
+              <a:defRPr sz="1400">
+                <a:solidFill>
+                  <a:schemeClr val="tx1">
+                    <a:tint val="75000"/>
+                  </a:schemeClr>
+                </a:solidFill>
+              </a:defRPr>
+            </a:lvl9pPr>
+          </a:lstStyle>
+          <a:p>
+            <a:pPr lvl="0"/>
+            <a:r>
+              <a:rPr lang="pt-BR" smtClean="0"/>
+              <a:t>Clique para editar o texto mestre</a:t>
+            </a:r>
+          </a:p>
+        </p:txBody>
+      </p:sp>
+      <p:sp>
+        <p:nvSpPr>
+          <p:cNvPr id="4" name="Date Placeholder 3"/>
+          <p:cNvSpPr>
+            <a:spLocks noGrp="1"/>
+          </p:cNvSpPr>
+          <p:nvPr>
+            <p:ph type="dt" sz="half" idx="10"/>
+          </p:nvPr>
+        </p:nvSpPr>
+        <p:spPr/>
+        <p:txBody>
+          <a:bodyPr/>
+          <a:lstStyle/>
+          <a:p>
+            <a:fld id="{3807E0A5-588E-4EC8-AADB-18DC3EB87DF1}" type="datetimeFigureOut">
+              <a:rPr lang="pt-BR" smtClean="0"/>
+              <a:t>27/10/2020</a:t>
+            </a:fld>
+            <a:endParaRPr lang="pt-BR"/>
+          </a:p>
+        </p:txBody>
+      </p:sp>
+      <p:sp>
+        <p:nvSpPr>
+          <p:cNvPr id="5" name="Footer Placeholder 4"/>
+          <p:cNvSpPr>
+            <a:spLocks noGrp="1"/>
+          </p:cNvSpPr>
+          <p:nvPr>
+            <p:ph type="ftr" sz="quarter" idx="11"/>
+          </p:nvPr>
+        </p:nvSpPr>
+        <p:spPr/>
+        <p:txBody>
+          <a:bodyPr/>
+          <a:lstStyle/>
+          <a:p>
+            <a:endParaRPr lang="pt-BR"/>
+          </a:p>
+        </p:txBody>
+      </p:sp>
+      <p:sp>
+        <p:nvSpPr>
+          <p:cNvPr id="6" name="Slide Number Placeholder 5"/>
+          <p:cNvSpPr>
+            <a:spLocks noGrp="1"/>
+          </p:cNvSpPr>
+          <p:nvPr>
+            <p:ph type="sldNum" sz="quarter" idx="12"/>
+          </p:nvPr>
+        </p:nvSpPr>
+        <p:spPr/>
+        <p:txBody>
+          <a:bodyPr/>
+          <a:lstStyle/>
+          <a:p>
+            <a:fld id="{40135B23-962A-44B8-AE28-1AFEE7D98592}" type="slidenum">
+              <a:rPr lang="pt-BR" smtClean="0"/>
+              <a:t>‹nº›</a:t>
+            </a:fld>
+            <a:endParaRPr lang="pt-BR"/>
+          </a:p>
+        </p:txBody>
+      </p:sp>
+    </p:spTree>
+    <p:extLst>
+      <p:ext uri="{BB962C8B-B14F-4D97-AF65-F5344CB8AC3E}">
+        <p14:creationId xmlns:p14="http://schemas.microsoft.com/office/powerpoint/2010/main" val="388451391"/>
+      </p:ext>
+    </p:extLst>
+  </p:cSld>
+  <p:clrMapOvr>
+    <a:masterClrMapping/>
+  </p:clrMapOvr>
+</p:sldLayout>
+</file>
+
+<file path=ppt/slideLayouts/slideLayout12.xml><?xml version="1.0" encoding="utf-8"?>
+<p:sldLayout xmlns:a="http://schemas.openxmlformats.org/drawingml/2006/main" xmlns:r="http://schemas.openxmlformats.org/officeDocument/2006/relationships" xmlns:p="http://schemas.openxmlformats.org/presentationml/2006/main" preserve="1">
+  <p:cSld name="Citação com Legenda">
+    <p:spTree>
+      <p:nvGrpSpPr>
+        <p:cNvPr id="1" name=""/>
+        <p:cNvGrpSpPr/>
+        <p:nvPr/>
+      </p:nvGrpSpPr>
+      <p:grpSpPr>
+        <a:xfrm>
+          <a:off x="0" y="0"/>
+          <a:ext cx="0" cy="0"/>
+          <a:chOff x="0" y="0"/>
+          <a:chExt cx="0" cy="0"/>
+        </a:xfrm>
+      </p:grpSpPr>
+      <p:sp>
+        <p:nvSpPr>
+          <p:cNvPr id="2" name="Title 1"/>
+          <p:cNvSpPr>
+            <a:spLocks noGrp="1"/>
+          </p:cNvSpPr>
+          <p:nvPr>
+            <p:ph type="title"/>
+          </p:nvPr>
+        </p:nvSpPr>
+        <p:spPr>
+          <a:xfrm>
+            <a:off x="1141411" y="685800"/>
+            <a:ext cx="9144001" cy="2743200"/>
+          </a:xfrm>
+        </p:spPr>
+        <p:txBody>
+          <a:bodyPr anchor="ctr">
+            <a:normAutofit/>
+          </a:bodyPr>
+          <a:lstStyle>
+            <a:lvl1pPr algn="l">
+              <a:defRPr sz="3200" b="0" cap="all">
+                <a:solidFill>
+                  <a:schemeClr val="tx1"/>
+                </a:solidFill>
+              </a:defRPr>
+            </a:lvl1pPr>
+          </a:lstStyle>
+          <a:p>
+            <a:r>
+              <a:rPr lang="pt-BR" smtClean="0"/>
+              <a:t>Clique para editar o título mestre</a:t>
+            </a:r>
+            <a:endParaRPr lang="en-US" dirty="0"/>
+          </a:p>
+        </p:txBody>
+      </p:sp>
+      <p:sp>
+        <p:nvSpPr>
+          <p:cNvPr id="10" name="Text Placeholder 9"/>
+          <p:cNvSpPr>
+            <a:spLocks noGrp="1"/>
+          </p:cNvSpPr>
+          <p:nvPr>
+            <p:ph type="body" sz="quarter" idx="13"/>
+          </p:nvPr>
+        </p:nvSpPr>
+        <p:spPr>
+          <a:xfrm>
+            <a:off x="1446212" y="3429000"/>
+            <a:ext cx="8534400" cy="381000"/>
+          </a:xfrm>
+        </p:spPr>
+        <p:txBody>
+          <a:bodyPr anchor="ctr"/>
+          <a:lstStyle>
+            <a:lvl1pPr marL="0" indent="0">
+              <a:buFontTx/>
+              <a:buNone/>
+              <a:defRPr/>
+            </a:lvl1pPr>
+            <a:lvl2pPr marL="457200" indent="0">
+              <a:buFontTx/>
+              <a:buNone/>
+              <a:defRPr/>
+            </a:lvl2pPr>
+            <a:lvl3pPr marL="914400" indent="0">
+              <a:buFontTx/>
+              <a:buNone/>
+              <a:defRPr/>
+            </a:lvl3pPr>
+            <a:lvl4pPr marL="1371600" indent="0">
+              <a:buFontTx/>
+              <a:buNone/>
+              <a:defRPr/>
+            </a:lvl4pPr>
+            <a:lvl5pPr marL="1828800" indent="0">
+              <a:buFontTx/>
+              <a:buNone/>
+              <a:defRPr/>
+            </a:lvl5pPr>
+          </a:lstStyle>
+          <a:p>
+            <a:pPr lvl="0"/>
+            <a:r>
+              <a:rPr lang="pt-BR" smtClean="0"/>
+              <a:t>Clique para editar o texto mestre</a:t>
+            </a:r>
+          </a:p>
+        </p:txBody>
+      </p:sp>
+      <p:sp>
+        <p:nvSpPr>
+          <p:cNvPr id="3" name="Text Placeholder 2"/>
+          <p:cNvSpPr>
+            <a:spLocks noGrp="1"/>
+          </p:cNvSpPr>
+          <p:nvPr>
+            <p:ph type="body" idx="1"/>
+          </p:nvPr>
+        </p:nvSpPr>
+        <p:spPr>
+          <a:xfrm>
+            <a:off x="684213" y="4301067"/>
+            <a:ext cx="8534400" cy="1684865"/>
+          </a:xfrm>
+        </p:spPr>
+        <p:txBody>
+          <a:bodyPr anchor="ctr">
+            <a:normAutofit/>
+          </a:bodyPr>
+          <a:lstStyle>
+            <a:lvl1pPr marL="0" indent="0" algn="l">
+              <a:buNone/>
+              <a:defRPr sz="2000">
+                <a:solidFill>
+                  <a:schemeClr val="bg2">
+                    <a:lumMod val="75000"/>
+                  </a:schemeClr>
+                </a:solidFill>
+              </a:defRPr>
+            </a:lvl1pPr>
+            <a:lvl2pPr marL="457200" indent="0">
+              <a:buNone/>
+              <a:defRPr sz="1800">
+                <a:solidFill>
+                  <a:schemeClr val="tx1">
+                    <a:tint val="75000"/>
+                  </a:schemeClr>
+                </a:solidFill>
+              </a:defRPr>
+            </a:lvl2pPr>
+            <a:lvl3pPr marL="914400" indent="0">
+              <a:buNone/>
+              <a:defRPr sz="1600">
+                <a:solidFill>
+                  <a:schemeClr val="tx1">
+                    <a:tint val="75000"/>
+                  </a:schemeClr>
+                </a:solidFill>
+              </a:defRPr>
+            </a:lvl3pPr>
+            <a:lvl4pPr marL="1371600" indent="0">
+              <a:buNone/>
+              <a:defRPr sz="1400">
+                <a:solidFill>
+                  <a:schemeClr val="tx1">
+                    <a:tint val="75000"/>
+                  </a:schemeClr>
+                </a:solidFill>
+              </a:defRPr>
+            </a:lvl4pPr>
+            <a:lvl5pPr marL="1828800" indent="0">
+              <a:buNone/>
+              <a:defRPr sz="1400">
+                <a:solidFill>
+                  <a:schemeClr val="tx1">
+                    <a:tint val="75000"/>
+                  </a:schemeClr>
+                </a:solidFill>
+              </a:defRPr>
+            </a:lvl5pPr>
+            <a:lvl6pPr marL="2286000" indent="0">
+              <a:buNone/>
+              <a:defRPr sz="1400">
+                <a:solidFill>
+                  <a:schemeClr val="tx1">
+                    <a:tint val="75000"/>
+                  </a:schemeClr>
+                </a:solidFill>
+              </a:defRPr>
+            </a:lvl6pPr>
+            <a:lvl7pPr marL="2743200" indent="0">
+              <a:buNone/>
+              <a:defRPr sz="1400">
+                <a:solidFill>
+                  <a:schemeClr val="tx1">
+                    <a:tint val="75000"/>
+                  </a:schemeClr>
+                </a:solidFill>
+              </a:defRPr>
+            </a:lvl7pPr>
+            <a:lvl8pPr marL="3200400" indent="0">
+              <a:buNone/>
+              <a:defRPr sz="1400">
+                <a:solidFill>
+                  <a:schemeClr val="tx1">
+                    <a:tint val="75000"/>
+                  </a:schemeClr>
+                </a:solidFill>
+              </a:defRPr>
+            </a:lvl8pPr>
+            <a:lvl9pPr marL="3657600" indent="0">
+              <a:buNone/>
+              <a:defRPr sz="1400">
+                <a:solidFill>
+                  <a:schemeClr val="tx1">
+                    <a:tint val="75000"/>
+                  </a:schemeClr>
+                </a:solidFill>
+              </a:defRPr>
+            </a:lvl9pPr>
+          </a:lstStyle>
+          <a:p>
+            <a:pPr lvl="0"/>
+            <a:r>
+              <a:rPr lang="pt-BR" smtClean="0"/>
+              <a:t>Clique para editar o texto mestre</a:t>
+            </a:r>
+          </a:p>
+        </p:txBody>
+      </p:sp>
+      <p:sp>
+        <p:nvSpPr>
+          <p:cNvPr id="4" name="Date Placeholder 3"/>
+          <p:cNvSpPr>
+            <a:spLocks noGrp="1"/>
+          </p:cNvSpPr>
+          <p:nvPr>
+            <p:ph type="dt" sz="half" idx="10"/>
+          </p:nvPr>
+        </p:nvSpPr>
+        <p:spPr/>
+        <p:txBody>
+          <a:bodyPr/>
+          <a:lstStyle/>
+          <a:p>
+            <a:fld id="{3807E0A5-588E-4EC8-AADB-18DC3EB87DF1}" type="datetimeFigureOut">
+              <a:rPr lang="pt-BR" smtClean="0"/>
+              <a:t>27/10/2020</a:t>
+            </a:fld>
+            <a:endParaRPr lang="pt-BR"/>
+          </a:p>
+        </p:txBody>
+      </p:sp>
+      <p:sp>
+        <p:nvSpPr>
+          <p:cNvPr id="5" name="Footer Placeholder 4"/>
+          <p:cNvSpPr>
+            <a:spLocks noGrp="1"/>
+          </p:cNvSpPr>
+          <p:nvPr>
+            <p:ph type="ftr" sz="quarter" idx="11"/>
+          </p:nvPr>
+        </p:nvSpPr>
+        <p:spPr/>
+        <p:txBody>
+          <a:bodyPr/>
+          <a:lstStyle/>
+          <a:p>
+            <a:endParaRPr lang="pt-BR"/>
+          </a:p>
+        </p:txBody>
+      </p:sp>
+      <p:sp>
+        <p:nvSpPr>
+          <p:cNvPr id="6" name="Slide Number Placeholder 5"/>
+          <p:cNvSpPr>
+            <a:spLocks noGrp="1"/>
+          </p:cNvSpPr>
+          <p:nvPr>
+            <p:ph type="sldNum" sz="quarter" idx="12"/>
+          </p:nvPr>
+        </p:nvSpPr>
+        <p:spPr/>
+        <p:txBody>
+          <a:bodyPr/>
+          <a:lstStyle/>
+          <a:p>
+            <a:fld id="{40135B23-962A-44B8-AE28-1AFEE7D98592}" type="slidenum">
+              <a:rPr lang="pt-BR" smtClean="0"/>
+              <a:t>‹nº›</a:t>
+            </a:fld>
+            <a:endParaRPr lang="pt-BR"/>
+          </a:p>
+        </p:txBody>
+      </p:sp>
+      <p:sp>
+        <p:nvSpPr>
+          <p:cNvPr id="14" name="TextBox 13"/>
+          <p:cNvSpPr txBox="1"/>
+          <p:nvPr/>
+        </p:nvSpPr>
+        <p:spPr>
+          <a:xfrm>
+            <a:off x="531812" y="812222"/>
+            <a:ext cx="609600" cy="584776"/>
+          </a:xfrm>
+          <a:prstGeom prst="rect">
+            <a:avLst/>
+          </a:prstGeom>
+        </p:spPr>
+        <p:txBody>
+          <a:bodyPr vert="horz" lIns="91440" tIns="45720" rIns="91440" bIns="45720" rtlCol="0" anchor="ctr">
+            <a:noAutofit/>
+          </a:bodyPr>
+          <a:lstStyle/>
+          <a:p>
+            <a:pPr lvl="0"/>
+            <a:r>
+              <a:rPr lang="en-US" sz="8000" dirty="0">
+                <a:solidFill>
+                  <a:schemeClr val="tx1"/>
+                </a:solidFill>
+                <a:effectLst/>
+              </a:rPr>
+              <a:t>“</a:t>
+            </a:r>
+          </a:p>
+        </p:txBody>
+      </p:sp>
+      <p:sp>
+        <p:nvSpPr>
+          <p:cNvPr id="15" name="TextBox 14"/>
+          <p:cNvSpPr txBox="1"/>
+          <p:nvPr/>
+        </p:nvSpPr>
+        <p:spPr>
+          <a:xfrm>
+            <a:off x="10285412" y="2768601"/>
+            <a:ext cx="609600" cy="584776"/>
+          </a:xfrm>
+          <a:prstGeom prst="rect">
+            <a:avLst/>
+          </a:prstGeom>
+        </p:spPr>
+        <p:txBody>
+          <a:bodyPr vert="horz" lIns="91440" tIns="45720" rIns="91440" bIns="45720" rtlCol="0" anchor="ctr">
+            <a:noAutofit/>
+          </a:bodyPr>
+          <a:lstStyle/>
+          <a:p>
+            <a:pPr lvl="0" algn="r"/>
+            <a:r>
+              <a:rPr lang="en-US" sz="8000" dirty="0">
+                <a:solidFill>
+                  <a:schemeClr val="tx1"/>
+                </a:solidFill>
+                <a:effectLst/>
+              </a:rPr>
+              <a:t>”</a:t>
+            </a:r>
+          </a:p>
+        </p:txBody>
+      </p:sp>
+    </p:spTree>
+    <p:extLst>
+      <p:ext uri="{BB962C8B-B14F-4D97-AF65-F5344CB8AC3E}">
+        <p14:creationId xmlns:p14="http://schemas.microsoft.com/office/powerpoint/2010/main" val="547202476"/>
+      </p:ext>
+    </p:extLst>
+  </p:cSld>
+  <p:clrMapOvr>
+    <a:masterClrMapping/>
+  </p:clrMapOvr>
+</p:sldLayout>
+</file>
+
+<file path=ppt/slideLayouts/slideLayout13.xml><?xml version="1.0" encoding="utf-8"?>
+<p:sldLayout xmlns:a="http://schemas.openxmlformats.org/drawingml/2006/main" xmlns:r="http://schemas.openxmlformats.org/officeDocument/2006/relationships" xmlns:p="http://schemas.openxmlformats.org/presentationml/2006/main" preserve="1">
+  <p:cSld name="Cartão de Nome">
+    <p:spTree>
+      <p:nvGrpSpPr>
+        <p:cNvPr id="1" name=""/>
+        <p:cNvGrpSpPr/>
+        <p:nvPr/>
+      </p:nvGrpSpPr>
+      <p:grpSpPr>
+        <a:xfrm>
+          <a:off x="0" y="0"/>
+          <a:ext cx="0" cy="0"/>
+          <a:chOff x="0" y="0"/>
+          <a:chExt cx="0" cy="0"/>
+        </a:xfrm>
+      </p:grpSpPr>
+      <p:sp>
+        <p:nvSpPr>
+          <p:cNvPr id="2" name="Title 1"/>
+          <p:cNvSpPr>
+            <a:spLocks noGrp="1"/>
+          </p:cNvSpPr>
+          <p:nvPr>
+            <p:ph type="title"/>
+          </p:nvPr>
+        </p:nvSpPr>
+        <p:spPr>
+          <a:xfrm>
+            <a:off x="684212" y="3429000"/>
+            <a:ext cx="8534400" cy="1697400"/>
+          </a:xfrm>
+        </p:spPr>
+        <p:txBody>
+          <a:bodyPr anchor="b">
+            <a:normAutofit/>
+          </a:bodyPr>
+          <a:lstStyle>
+            <a:lvl1pPr algn="l">
+              <a:defRPr sz="3200" b="0" cap="all"/>
+            </a:lvl1pPr>
+          </a:lstStyle>
+          <a:p>
+            <a:r>
+              <a:rPr lang="pt-BR" smtClean="0"/>
+              <a:t>Clique para editar o título mestre</a:t>
+            </a:r>
+            <a:endParaRPr lang="en-US" dirty="0"/>
+          </a:p>
+        </p:txBody>
+      </p:sp>
+      <p:sp>
+        <p:nvSpPr>
+          <p:cNvPr id="3" name="Text Placeholder 2"/>
+          <p:cNvSpPr>
+            <a:spLocks noGrp="1"/>
+          </p:cNvSpPr>
+          <p:nvPr>
+            <p:ph type="body" idx="1"/>
+          </p:nvPr>
+        </p:nvSpPr>
+        <p:spPr>
+          <a:xfrm>
+            <a:off x="684211" y="5132981"/>
+            <a:ext cx="8535990" cy="860400"/>
+          </a:xfrm>
+        </p:spPr>
+        <p:txBody>
+          <a:bodyPr anchor="t">
+            <a:normAutofit/>
+          </a:bodyPr>
+          <a:lstStyle>
+            <a:lvl1pPr marL="0" indent="0" algn="l">
+              <a:buNone/>
+              <a:defRPr sz="2000">
+                <a:solidFill>
+                  <a:schemeClr val="bg2">
+                    <a:lumMod val="75000"/>
+                  </a:schemeClr>
+                </a:solidFill>
+              </a:defRPr>
+            </a:lvl1pPr>
+            <a:lvl2pPr marL="457200" indent="0">
+              <a:buNone/>
+              <a:defRPr sz="1800">
+                <a:solidFill>
+                  <a:schemeClr val="tx1">
+                    <a:tint val="75000"/>
+                  </a:schemeClr>
+                </a:solidFill>
+              </a:defRPr>
+            </a:lvl2pPr>
+            <a:lvl3pPr marL="914400" indent="0">
+              <a:buNone/>
+              <a:defRPr sz="1600">
+                <a:solidFill>
+                  <a:schemeClr val="tx1">
+                    <a:tint val="75000"/>
+                  </a:schemeClr>
+                </a:solidFill>
+              </a:defRPr>
+            </a:lvl3pPr>
+            <a:lvl4pPr marL="1371600" indent="0">
+              <a:buNone/>
+              <a:defRPr sz="1400">
+                <a:solidFill>
+                  <a:schemeClr val="tx1">
+                    <a:tint val="75000"/>
+                  </a:schemeClr>
+                </a:solidFill>
+              </a:defRPr>
+            </a:lvl4pPr>
+            <a:lvl5pPr marL="1828800" indent="0">
+              <a:buNone/>
+              <a:defRPr sz="1400">
+                <a:solidFill>
+                  <a:schemeClr val="tx1">
+                    <a:tint val="75000"/>
+                  </a:schemeClr>
+                </a:solidFill>
+              </a:defRPr>
+            </a:lvl5pPr>
+            <a:lvl6pPr marL="2286000" indent="0">
+              <a:buNone/>
+              <a:defRPr sz="1400">
+                <a:solidFill>
+                  <a:schemeClr val="tx1">
+                    <a:tint val="75000"/>
+                  </a:schemeClr>
+                </a:solidFill>
+              </a:defRPr>
+            </a:lvl6pPr>
+            <a:lvl7pPr marL="2743200" indent="0">
+              <a:buNone/>
+              <a:defRPr sz="1400">
+                <a:solidFill>
+                  <a:schemeClr val="tx1">
+                    <a:tint val="75000"/>
+                  </a:schemeClr>
+                </a:solidFill>
+              </a:defRPr>
+            </a:lvl7pPr>
+            <a:lvl8pPr marL="3200400" indent="0">
+              <a:buNone/>
+              <a:defRPr sz="1400">
+                <a:solidFill>
+                  <a:schemeClr val="tx1">
+                    <a:tint val="75000"/>
+                  </a:schemeClr>
+                </a:solidFill>
+              </a:defRPr>
+            </a:lvl8pPr>
+            <a:lvl9pPr marL="3657600" indent="0">
+              <a:buNone/>
+              <a:defRPr sz="1400">
+                <a:solidFill>
+                  <a:schemeClr val="tx1">
+                    <a:tint val="75000"/>
+                  </a:schemeClr>
+                </a:solidFill>
+              </a:defRPr>
+            </a:lvl9pPr>
+          </a:lstStyle>
+          <a:p>
+            <a:pPr lvl="0"/>
+            <a:r>
+              <a:rPr lang="pt-BR" smtClean="0"/>
+              <a:t>Clique para editar o texto mestre</a:t>
+            </a:r>
+          </a:p>
+        </p:txBody>
+      </p:sp>
+      <p:sp>
+        <p:nvSpPr>
+          <p:cNvPr id="4" name="Date Placeholder 3"/>
+          <p:cNvSpPr>
+            <a:spLocks noGrp="1"/>
+          </p:cNvSpPr>
+          <p:nvPr>
+            <p:ph type="dt" sz="half" idx="10"/>
+          </p:nvPr>
+        </p:nvSpPr>
+        <p:spPr/>
+        <p:txBody>
+          <a:bodyPr/>
+          <a:lstStyle/>
+          <a:p>
+            <a:fld id="{3807E0A5-588E-4EC8-AADB-18DC3EB87DF1}" type="datetimeFigureOut">
+              <a:rPr lang="pt-BR" smtClean="0"/>
+              <a:t>27/10/2020</a:t>
+            </a:fld>
+            <a:endParaRPr lang="pt-BR"/>
+          </a:p>
+        </p:txBody>
+      </p:sp>
+      <p:sp>
+        <p:nvSpPr>
+          <p:cNvPr id="5" name="Footer Placeholder 4"/>
+          <p:cNvSpPr>
+            <a:spLocks noGrp="1"/>
+          </p:cNvSpPr>
+          <p:nvPr>
+            <p:ph type="ftr" sz="quarter" idx="11"/>
+          </p:nvPr>
+        </p:nvSpPr>
+        <p:spPr/>
+        <p:txBody>
+          <a:bodyPr/>
+          <a:lstStyle/>
+          <a:p>
+            <a:endParaRPr lang="pt-BR"/>
+          </a:p>
+        </p:txBody>
+      </p:sp>
+      <p:sp>
+        <p:nvSpPr>
+          <p:cNvPr id="6" name="Slide Number Placeholder 5"/>
+          <p:cNvSpPr>
+            <a:spLocks noGrp="1"/>
+          </p:cNvSpPr>
+          <p:nvPr>
+            <p:ph type="sldNum" sz="quarter" idx="12"/>
+          </p:nvPr>
+        </p:nvSpPr>
+        <p:spPr/>
+        <p:txBody>
+          <a:bodyPr/>
+          <a:lstStyle/>
+          <a:p>
+            <a:fld id="{40135B23-962A-44B8-AE28-1AFEE7D98592}" type="slidenum">
+              <a:rPr lang="pt-BR" smtClean="0"/>
+              <a:t>‹nº›</a:t>
+            </a:fld>
+            <a:endParaRPr lang="pt-BR"/>
+          </a:p>
+        </p:txBody>
+      </p:sp>
+    </p:spTree>
+    <p:extLst>
+      <p:ext uri="{BB962C8B-B14F-4D97-AF65-F5344CB8AC3E}">
+        <p14:creationId xmlns:p14="http://schemas.microsoft.com/office/powerpoint/2010/main" val="3448762339"/>
+      </p:ext>
+    </p:extLst>
+  </p:cSld>
+  <p:clrMapOvr>
+    <a:masterClrMapping/>
+  </p:clrMapOvr>
+</p:sldLayout>
+</file>
+
+<file path=ppt/slideLayouts/slideLayout14.xml><?xml version="1.0" encoding="utf-8"?>
+<p:sldLayout xmlns:a="http://schemas.openxmlformats.org/drawingml/2006/main" xmlns:r="http://schemas.openxmlformats.org/officeDocument/2006/relationships" xmlns:p="http://schemas.openxmlformats.org/presentationml/2006/main" preserve="1">
+  <p:cSld name="Citar o Cartão de Nome">
+    <p:spTree>
+      <p:nvGrpSpPr>
+        <p:cNvPr id="1" name=""/>
+        <p:cNvGrpSpPr/>
+        <p:nvPr/>
+      </p:nvGrpSpPr>
+      <p:grpSpPr>
+        <a:xfrm>
+          <a:off x="0" y="0"/>
+          <a:ext cx="0" cy="0"/>
+          <a:chOff x="0" y="0"/>
+          <a:chExt cx="0" cy="0"/>
+        </a:xfrm>
+      </p:grpSpPr>
+      <p:sp>
+        <p:nvSpPr>
+          <p:cNvPr id="2" name="Title 1"/>
+          <p:cNvSpPr>
+            <a:spLocks noGrp="1"/>
+          </p:cNvSpPr>
+          <p:nvPr>
+            <p:ph type="title"/>
+          </p:nvPr>
+        </p:nvSpPr>
+        <p:spPr>
+          <a:xfrm>
+            <a:off x="1141413" y="685800"/>
+            <a:ext cx="9144000" cy="2743200"/>
+          </a:xfrm>
+        </p:spPr>
+        <p:txBody>
+          <a:bodyPr anchor="ctr">
+            <a:normAutofit/>
+          </a:bodyPr>
+          <a:lstStyle>
+            <a:lvl1pPr algn="l">
+              <a:defRPr sz="3200" b="0" cap="all">
+                <a:solidFill>
+                  <a:schemeClr val="tx1"/>
+                </a:solidFill>
+              </a:defRPr>
+            </a:lvl1pPr>
+          </a:lstStyle>
+          <a:p>
+            <a:r>
+              <a:rPr lang="pt-BR" smtClean="0"/>
+              <a:t>Clique para editar o título mestre</a:t>
+            </a:r>
+            <a:endParaRPr lang="en-US" dirty="0"/>
+          </a:p>
+        </p:txBody>
+      </p:sp>
+      <p:sp>
+        <p:nvSpPr>
+          <p:cNvPr id="10" name="Text Placeholder 9"/>
+          <p:cNvSpPr>
+            <a:spLocks noGrp="1"/>
+          </p:cNvSpPr>
+          <p:nvPr>
+            <p:ph type="body" sz="quarter" idx="13"/>
+          </p:nvPr>
+        </p:nvSpPr>
+        <p:spPr>
+          <a:xfrm>
+            <a:off x="684212" y="3928534"/>
+            <a:ext cx="8534401" cy="1049866"/>
+          </a:xfrm>
+        </p:spPr>
+        <p:txBody>
+          <a:bodyPr vert="horz" lIns="91440" tIns="45720" rIns="91440" bIns="45720" rtlCol="0" anchor="b">
+            <a:normAutofit/>
+          </a:bodyPr>
+          <a:lstStyle>
+            <a:lvl1pPr>
+              <a:buNone/>
+              <a:defRPr lang="en-US" sz="2400" b="0" cap="all" dirty="0">
+                <a:ln w="3175" cmpd="sng">
+                  <a:noFill/>
+                </a:ln>
+                <a:solidFill>
+                  <a:schemeClr val="tx1"/>
+                </a:solidFill>
+                <a:effectLst/>
+              </a:defRPr>
+            </a:lvl1pPr>
+          </a:lstStyle>
+          <a:p>
+            <a:pPr marL="0" lvl="0">
+              <a:spcBef>
+                <a:spcPct val="0"/>
+              </a:spcBef>
+              <a:buNone/>
+            </a:pPr>
+            <a:r>
+              <a:rPr lang="pt-BR" smtClean="0"/>
+              <a:t>Clique para editar o texto mestre</a:t>
+            </a:r>
+          </a:p>
+        </p:txBody>
+      </p:sp>
+      <p:sp>
+        <p:nvSpPr>
+          <p:cNvPr id="3" name="Text Placeholder 2"/>
+          <p:cNvSpPr>
+            <a:spLocks noGrp="1"/>
+          </p:cNvSpPr>
+          <p:nvPr>
+            <p:ph type="body" idx="1"/>
+          </p:nvPr>
+        </p:nvSpPr>
+        <p:spPr>
+          <a:xfrm>
+            <a:off x="684211" y="4978400"/>
+            <a:ext cx="8534401" cy="1016000"/>
+          </a:xfrm>
+        </p:spPr>
+        <p:txBody>
+          <a:bodyPr anchor="t">
+            <a:normAutofit/>
+          </a:bodyPr>
+          <a:lstStyle>
+            <a:lvl1pPr marL="0" indent="0" algn="l">
+              <a:buNone/>
+              <a:defRPr sz="1800">
+                <a:solidFill>
+                  <a:schemeClr val="bg2">
+                    <a:lumMod val="75000"/>
+                  </a:schemeClr>
+                </a:solidFill>
+              </a:defRPr>
+            </a:lvl1pPr>
+            <a:lvl2pPr marL="457200" indent="0">
+              <a:buNone/>
+              <a:defRPr sz="1800">
+                <a:solidFill>
+                  <a:schemeClr val="tx1">
+                    <a:tint val="75000"/>
+                  </a:schemeClr>
+                </a:solidFill>
+              </a:defRPr>
+            </a:lvl2pPr>
+            <a:lvl3pPr marL="914400" indent="0">
+              <a:buNone/>
+              <a:defRPr sz="1600">
+                <a:solidFill>
+                  <a:schemeClr val="tx1">
+                    <a:tint val="75000"/>
+                  </a:schemeClr>
+                </a:solidFill>
+              </a:defRPr>
+            </a:lvl3pPr>
+            <a:lvl4pPr marL="1371600" indent="0">
+              <a:buNone/>
+              <a:defRPr sz="1400">
+                <a:solidFill>
+                  <a:schemeClr val="tx1">
+                    <a:tint val="75000"/>
+                  </a:schemeClr>
+                </a:solidFill>
+              </a:defRPr>
+            </a:lvl4pPr>
+            <a:lvl5pPr marL="1828800" indent="0">
+              <a:buNone/>
+              <a:defRPr sz="1400">
+                <a:solidFill>
+                  <a:schemeClr val="tx1">
+                    <a:tint val="75000"/>
+                  </a:schemeClr>
+                </a:solidFill>
+              </a:defRPr>
+            </a:lvl5pPr>
+            <a:lvl6pPr marL="2286000" indent="0">
+              <a:buNone/>
+              <a:defRPr sz="1400">
+                <a:solidFill>
+                  <a:schemeClr val="tx1">
+                    <a:tint val="75000"/>
+                  </a:schemeClr>
+                </a:solidFill>
+              </a:defRPr>
+            </a:lvl6pPr>
+            <a:lvl7pPr marL="2743200" indent="0">
+              <a:buNone/>
+              <a:defRPr sz="1400">
+                <a:solidFill>
+                  <a:schemeClr val="tx1">
+                    <a:tint val="75000"/>
+                  </a:schemeClr>
+                </a:solidFill>
+              </a:defRPr>
+            </a:lvl7pPr>
+            <a:lvl8pPr marL="3200400" indent="0">
+              <a:buNone/>
+              <a:defRPr sz="1400">
+                <a:solidFill>
+                  <a:schemeClr val="tx1">
+                    <a:tint val="75000"/>
+                  </a:schemeClr>
+                </a:solidFill>
+              </a:defRPr>
+            </a:lvl8pPr>
+            <a:lvl9pPr marL="3657600" indent="0">
+              <a:buNone/>
+              <a:defRPr sz="1400">
+                <a:solidFill>
+                  <a:schemeClr val="tx1">
+                    <a:tint val="75000"/>
+                  </a:schemeClr>
+                </a:solidFill>
+              </a:defRPr>
+            </a:lvl9pPr>
+          </a:lstStyle>
+          <a:p>
+            <a:pPr lvl="0"/>
+            <a:r>
+              <a:rPr lang="pt-BR" smtClean="0"/>
+              <a:t>Clique para editar o texto mestre</a:t>
+            </a:r>
+          </a:p>
+        </p:txBody>
+      </p:sp>
+      <p:sp>
+        <p:nvSpPr>
+          <p:cNvPr id="4" name="Date Placeholder 3"/>
+          <p:cNvSpPr>
+            <a:spLocks noGrp="1"/>
+          </p:cNvSpPr>
+          <p:nvPr>
+            <p:ph type="dt" sz="half" idx="10"/>
+          </p:nvPr>
+        </p:nvSpPr>
+        <p:spPr/>
+        <p:txBody>
+          <a:bodyPr/>
+          <a:lstStyle/>
+          <a:p>
+            <a:fld id="{3807E0A5-588E-4EC8-AADB-18DC3EB87DF1}" type="datetimeFigureOut">
+              <a:rPr lang="pt-BR" smtClean="0"/>
+              <a:t>27/10/2020</a:t>
+            </a:fld>
+            <a:endParaRPr lang="pt-BR"/>
+          </a:p>
+        </p:txBody>
+      </p:sp>
+      <p:sp>
+        <p:nvSpPr>
+          <p:cNvPr id="5" name="Footer Placeholder 4"/>
+          <p:cNvSpPr>
+            <a:spLocks noGrp="1"/>
+          </p:cNvSpPr>
+          <p:nvPr>
+            <p:ph type="ftr" sz="quarter" idx="11"/>
+          </p:nvPr>
+        </p:nvSpPr>
+        <p:spPr/>
+        <p:txBody>
+          <a:bodyPr/>
+          <a:lstStyle/>
+          <a:p>
+            <a:endParaRPr lang="pt-BR"/>
+          </a:p>
+        </p:txBody>
+      </p:sp>
+      <p:sp>
+        <p:nvSpPr>
+          <p:cNvPr id="6" name="Slide Number Placeholder 5"/>
+          <p:cNvSpPr>
+            <a:spLocks noGrp="1"/>
+          </p:cNvSpPr>
+          <p:nvPr>
+            <p:ph type="sldNum" sz="quarter" idx="12"/>
+          </p:nvPr>
+        </p:nvSpPr>
+        <p:spPr/>
+        <p:txBody>
+          <a:bodyPr/>
+          <a:lstStyle/>
+          <a:p>
+            <a:fld id="{40135B23-962A-44B8-AE28-1AFEE7D98592}" type="slidenum">
+              <a:rPr lang="pt-BR" smtClean="0"/>
+              <a:t>‹nº›</a:t>
+            </a:fld>
+            <a:endParaRPr lang="pt-BR"/>
+          </a:p>
+        </p:txBody>
+      </p:sp>
+      <p:sp>
+        <p:nvSpPr>
+          <p:cNvPr id="11" name="TextBox 10"/>
+          <p:cNvSpPr txBox="1"/>
+          <p:nvPr/>
+        </p:nvSpPr>
+        <p:spPr>
+          <a:xfrm>
+            <a:off x="531812" y="812222"/>
+            <a:ext cx="609600" cy="584776"/>
+          </a:xfrm>
+          <a:prstGeom prst="rect">
+            <a:avLst/>
+          </a:prstGeom>
+        </p:spPr>
+        <p:txBody>
+          <a:bodyPr vert="horz" lIns="91440" tIns="45720" rIns="91440" bIns="45720" rtlCol="0" anchor="ctr">
+            <a:noAutofit/>
+          </a:bodyPr>
+          <a:lstStyle/>
+          <a:p>
+            <a:pPr lvl="0"/>
+            <a:r>
+              <a:rPr lang="en-US" sz="8000" dirty="0">
+                <a:solidFill>
+                  <a:schemeClr val="tx1"/>
+                </a:solidFill>
+                <a:effectLst/>
+              </a:rPr>
+              <a:t>“</a:t>
+            </a:r>
+          </a:p>
+        </p:txBody>
+      </p:sp>
+      <p:sp>
+        <p:nvSpPr>
+          <p:cNvPr id="12" name="TextBox 11"/>
+          <p:cNvSpPr txBox="1"/>
+          <p:nvPr/>
+        </p:nvSpPr>
+        <p:spPr>
+          <a:xfrm>
+            <a:off x="10285412" y="2768601"/>
+            <a:ext cx="609600" cy="584776"/>
+          </a:xfrm>
+          <a:prstGeom prst="rect">
+            <a:avLst/>
+          </a:prstGeom>
+        </p:spPr>
+        <p:txBody>
+          <a:bodyPr vert="horz" lIns="91440" tIns="45720" rIns="91440" bIns="45720" rtlCol="0" anchor="ctr">
+            <a:noAutofit/>
+          </a:bodyPr>
+          <a:lstStyle/>
+          <a:p>
+            <a:pPr lvl="0" algn="r"/>
+            <a:r>
+              <a:rPr lang="en-US" sz="8000" dirty="0">
+                <a:solidFill>
+                  <a:schemeClr val="tx1"/>
+                </a:solidFill>
+                <a:effectLst/>
+              </a:rPr>
+              <a:t>”</a:t>
+            </a:r>
+          </a:p>
+        </p:txBody>
+      </p:sp>
+    </p:spTree>
+    <p:extLst>
+      <p:ext uri="{BB962C8B-B14F-4D97-AF65-F5344CB8AC3E}">
+        <p14:creationId xmlns:p14="http://schemas.microsoft.com/office/powerpoint/2010/main" val="2806986092"/>
+      </p:ext>
+    </p:extLst>
+  </p:cSld>
+  <p:clrMapOvr>
+    <a:masterClrMapping/>
+  </p:clrMapOvr>
+</p:sldLayout>
+</file>
+
+<file path=ppt/slideLayouts/slideLayout15.xml><?xml version="1.0" encoding="utf-8"?>
+<p:sldLayout xmlns:a="http://schemas.openxmlformats.org/drawingml/2006/main" xmlns:r="http://schemas.openxmlformats.org/officeDocument/2006/relationships" xmlns:p="http://schemas.openxmlformats.org/presentationml/2006/main" preserve="1">
+  <p:cSld name="Verdadeiro ou Falso">
+    <p:spTree>
+      <p:nvGrpSpPr>
+        <p:cNvPr id="1" name=""/>
+        <p:cNvGrpSpPr/>
+        <p:nvPr/>
+      </p:nvGrpSpPr>
+      <p:grpSpPr>
+        <a:xfrm>
+          <a:off x="0" y="0"/>
+          <a:ext cx="0" cy="0"/>
+          <a:chOff x="0" y="0"/>
+          <a:chExt cx="0" cy="0"/>
+        </a:xfrm>
+      </p:grpSpPr>
+      <p:sp>
+        <p:nvSpPr>
+          <p:cNvPr id="2" name="Title 1"/>
+          <p:cNvSpPr>
+            <a:spLocks noGrp="1"/>
+          </p:cNvSpPr>
+          <p:nvPr>
+            <p:ph type="title"/>
+          </p:nvPr>
+        </p:nvSpPr>
+        <p:spPr>
+          <a:xfrm>
+            <a:off x="684213" y="685800"/>
+            <a:ext cx="10058400" cy="2743200"/>
+          </a:xfrm>
+        </p:spPr>
+        <p:txBody>
+          <a:bodyPr vert="horz" lIns="91440" tIns="45720" rIns="91440" bIns="45720" rtlCol="0" anchor="ctr">
+            <a:normAutofit/>
+          </a:bodyPr>
+          <a:lstStyle>
+            <a:lvl1pPr>
+              <a:defRPr lang="en-US" b="0" dirty="0"/>
+            </a:lvl1pPr>
+          </a:lstStyle>
+          <a:p>
+            <a:pPr marL="0" lvl="0"/>
+            <a:r>
+              <a:rPr lang="pt-BR" smtClean="0"/>
+              <a:t>Clique para editar o título mestre</a:t>
+            </a:r>
+            <a:endParaRPr lang="en-US" dirty="0"/>
+          </a:p>
+        </p:txBody>
+      </p:sp>
+      <p:sp>
+        <p:nvSpPr>
+          <p:cNvPr id="10" name="Text Placeholder 9"/>
+          <p:cNvSpPr>
+            <a:spLocks noGrp="1"/>
+          </p:cNvSpPr>
+          <p:nvPr>
+            <p:ph type="body" sz="quarter" idx="13"/>
+          </p:nvPr>
+        </p:nvSpPr>
+        <p:spPr>
+          <a:xfrm>
+            <a:off x="684212" y="3928534"/>
+            <a:ext cx="8534400" cy="838200"/>
+          </a:xfrm>
+        </p:spPr>
+        <p:txBody>
+          <a:bodyPr vert="horz" lIns="91440" tIns="45720" rIns="91440" bIns="45720" rtlCol="0" anchor="b">
+            <a:normAutofit/>
+          </a:bodyPr>
+          <a:lstStyle>
+            <a:lvl1pPr>
+              <a:buNone/>
+              <a:defRPr lang="en-US" sz="2400" b="0" cap="all" dirty="0">
+                <a:ln w="3175" cmpd="sng">
+                  <a:noFill/>
+                </a:ln>
+                <a:solidFill>
+                  <a:schemeClr val="tx1"/>
+                </a:solidFill>
+                <a:effectLst/>
+              </a:defRPr>
+            </a:lvl1pPr>
+          </a:lstStyle>
+          <a:p>
+            <a:pPr marL="0" lvl="0">
+              <a:spcBef>
+                <a:spcPct val="0"/>
+              </a:spcBef>
+              <a:buNone/>
+            </a:pPr>
+            <a:r>
+              <a:rPr lang="pt-BR" smtClean="0"/>
+              <a:t>Clique para editar o texto mestre</a:t>
+            </a:r>
+          </a:p>
+        </p:txBody>
+      </p:sp>
+      <p:sp>
+        <p:nvSpPr>
+          <p:cNvPr id="3" name="Text Placeholder 2"/>
+          <p:cNvSpPr>
+            <a:spLocks noGrp="1"/>
+          </p:cNvSpPr>
+          <p:nvPr>
+            <p:ph type="body" idx="1"/>
+          </p:nvPr>
+        </p:nvSpPr>
+        <p:spPr>
+          <a:xfrm>
+            <a:off x="684211" y="4766732"/>
+            <a:ext cx="8534401" cy="1227667"/>
+          </a:xfrm>
+        </p:spPr>
+        <p:txBody>
+          <a:bodyPr anchor="t">
+            <a:normAutofit/>
+          </a:bodyPr>
+          <a:lstStyle>
+            <a:lvl1pPr marL="0" indent="0" algn="l">
+              <a:buNone/>
+              <a:defRPr sz="1800">
+                <a:solidFill>
+                  <a:schemeClr val="bg2">
+                    <a:lumMod val="75000"/>
+                  </a:schemeClr>
+                </a:solidFill>
+              </a:defRPr>
+            </a:lvl1pPr>
+            <a:lvl2pPr marL="457200" indent="0">
+              <a:buNone/>
+              <a:defRPr sz="1800">
+                <a:solidFill>
+                  <a:schemeClr val="tx1">
+                    <a:tint val="75000"/>
+                  </a:schemeClr>
+                </a:solidFill>
+              </a:defRPr>
+            </a:lvl2pPr>
+            <a:lvl3pPr marL="914400" indent="0">
+              <a:buNone/>
+              <a:defRPr sz="1600">
+                <a:solidFill>
+                  <a:schemeClr val="tx1">
+                    <a:tint val="75000"/>
+                  </a:schemeClr>
+                </a:solidFill>
+              </a:defRPr>
+            </a:lvl3pPr>
+            <a:lvl4pPr marL="1371600" indent="0">
+              <a:buNone/>
+              <a:defRPr sz="1400">
+                <a:solidFill>
+                  <a:schemeClr val="tx1">
+                    <a:tint val="75000"/>
+                  </a:schemeClr>
+                </a:solidFill>
+              </a:defRPr>
+            </a:lvl4pPr>
+            <a:lvl5pPr marL="1828800" indent="0">
+              <a:buNone/>
+              <a:defRPr sz="1400">
+                <a:solidFill>
+                  <a:schemeClr val="tx1">
+                    <a:tint val="75000"/>
+                  </a:schemeClr>
+                </a:solidFill>
+              </a:defRPr>
+            </a:lvl5pPr>
+            <a:lvl6pPr marL="2286000" indent="0">
+              <a:buNone/>
+              <a:defRPr sz="1400">
+                <a:solidFill>
+                  <a:schemeClr val="tx1">
+                    <a:tint val="75000"/>
+                  </a:schemeClr>
+                </a:solidFill>
+              </a:defRPr>
+            </a:lvl6pPr>
+            <a:lvl7pPr marL="2743200" indent="0">
+              <a:buNone/>
+              <a:defRPr sz="1400">
+                <a:solidFill>
+                  <a:schemeClr val="tx1">
+                    <a:tint val="75000"/>
+                  </a:schemeClr>
+                </a:solidFill>
+              </a:defRPr>
+            </a:lvl7pPr>
+            <a:lvl8pPr marL="3200400" indent="0">
+              <a:buNone/>
+              <a:defRPr sz="1400">
+                <a:solidFill>
+                  <a:schemeClr val="tx1">
+                    <a:tint val="75000"/>
+                  </a:schemeClr>
+                </a:solidFill>
+              </a:defRPr>
+            </a:lvl8pPr>
+            <a:lvl9pPr marL="3657600" indent="0">
+              <a:buNone/>
+              <a:defRPr sz="1400">
+                <a:solidFill>
+                  <a:schemeClr val="tx1">
+                    <a:tint val="75000"/>
+                  </a:schemeClr>
+                </a:solidFill>
+              </a:defRPr>
+            </a:lvl9pPr>
+          </a:lstStyle>
+          <a:p>
+            <a:pPr lvl="0"/>
+            <a:r>
+              <a:rPr lang="pt-BR" smtClean="0"/>
+              <a:t>Clique para editar o texto mestre</a:t>
+            </a:r>
+          </a:p>
+        </p:txBody>
+      </p:sp>
+      <p:sp>
+        <p:nvSpPr>
+          <p:cNvPr id="4" name="Date Placeholder 3"/>
+          <p:cNvSpPr>
+            <a:spLocks noGrp="1"/>
+          </p:cNvSpPr>
+          <p:nvPr>
+            <p:ph type="dt" sz="half" idx="10"/>
+          </p:nvPr>
+        </p:nvSpPr>
+        <p:spPr/>
+        <p:txBody>
+          <a:bodyPr/>
+          <a:lstStyle/>
+          <a:p>
+            <a:fld id="{3807E0A5-588E-4EC8-AADB-18DC3EB87DF1}" type="datetimeFigureOut">
+              <a:rPr lang="pt-BR" smtClean="0"/>
+              <a:t>27/10/2020</a:t>
+            </a:fld>
+            <a:endParaRPr lang="pt-BR"/>
+          </a:p>
+        </p:txBody>
+      </p:sp>
+      <p:sp>
+        <p:nvSpPr>
+          <p:cNvPr id="5" name="Footer Placeholder 4"/>
+          <p:cNvSpPr>
+            <a:spLocks noGrp="1"/>
+          </p:cNvSpPr>
+          <p:nvPr>
+            <p:ph type="ftr" sz="quarter" idx="11"/>
+          </p:nvPr>
+        </p:nvSpPr>
+        <p:spPr/>
+        <p:txBody>
+          <a:bodyPr/>
+          <a:lstStyle/>
+          <a:p>
+            <a:endParaRPr lang="pt-BR"/>
+          </a:p>
+        </p:txBody>
+      </p:sp>
+      <p:sp>
+        <p:nvSpPr>
+          <p:cNvPr id="6" name="Slide Number Placeholder 5"/>
+          <p:cNvSpPr>
+            <a:spLocks noGrp="1"/>
+          </p:cNvSpPr>
+          <p:nvPr>
+            <p:ph type="sldNum" sz="quarter" idx="12"/>
+          </p:nvPr>
+        </p:nvSpPr>
+        <p:spPr/>
+        <p:txBody>
+          <a:bodyPr/>
+          <a:lstStyle/>
+          <a:p>
+            <a:fld id="{40135B23-962A-44B8-AE28-1AFEE7D98592}" type="slidenum">
+              <a:rPr lang="pt-BR" smtClean="0"/>
+              <a:t>‹nº›</a:t>
+            </a:fld>
+            <a:endParaRPr lang="pt-BR"/>
+          </a:p>
+        </p:txBody>
+      </p:sp>
+    </p:spTree>
+    <p:extLst>
+      <p:ext uri="{BB962C8B-B14F-4D97-AF65-F5344CB8AC3E}">
+        <p14:creationId xmlns:p14="http://schemas.microsoft.com/office/powerpoint/2010/main" val="2556224885"/>
+      </p:ext>
+    </p:extLst>
+  </p:cSld>
+  <p:clrMapOvr>
+    <a:masterClrMapping/>
+  </p:clrMapOvr>
+</p:sldLayout>
+</file>
+
+<file path=ppt/slideLayouts/slideLayout16.xml><?xml version="1.0" encoding="utf-8"?>
 <p:sldLayout xmlns:a="http://schemas.openxmlformats.org/drawingml/2006/main" xmlns:r="http://schemas.openxmlformats.org/officeDocument/2006/relationships" xmlns:p="http://schemas.openxmlformats.org/presentationml/2006/main" type="vertTx" preserve="1">
   <p:cSld name="Título e texto vertical">
     <p:spTree>
@@ -323,7 +2372,7 @@
       </p:grpSpPr>
       <p:sp>
         <p:nvSpPr>
-          <p:cNvPr id="2" name="Título 1"/>
+          <p:cNvPr id="2" name="Title 1"/>
           <p:cNvSpPr>
             <a:spLocks noGrp="1"/>
           </p:cNvSpPr>
@@ -334,19 +2383,23 @@
         <p:spPr/>
         <p:txBody>
           <a:bodyPr/>
-          <a:lstStyle/>
+          <a:lstStyle>
+            <a:lvl1pPr algn="l">
+              <a:defRPr/>
+            </a:lvl1pPr>
+          </a:lstStyle>
           <a:p>
             <a:r>
               <a:rPr lang="pt-BR" smtClean="0"/>
               <a:t>Clique para editar o título mestre</a:t>
             </a:r>
-            <a:endParaRPr lang="pt-BR"/>
-          </a:p>
-        </p:txBody>
-      </p:sp>
-      <p:sp>
-        <p:nvSpPr>
-          <p:cNvPr id="3" name="Espaço Reservado para Texto Vertical 2"/>
+            <a:endParaRPr lang="en-US" dirty="0"/>
+          </a:p>
+        </p:txBody>
+      </p:sp>
+      <p:sp>
+        <p:nvSpPr>
+          <p:cNvPr id="3" name="Vertical Text Placeholder 2"/>
           <p:cNvSpPr>
             <a:spLocks noGrp="1"/>
           </p:cNvSpPr>
@@ -356,7 +2409,7 @@
         </p:nvSpPr>
         <p:spPr/>
         <p:txBody>
-          <a:bodyPr vert="eaVert"/>
+          <a:bodyPr vert="eaVert" anchor="t"/>
           <a:lstStyle/>
           <a:p>
             <a:pPr lvl="0"/>
@@ -392,13 +2445,13 @@
               <a:rPr lang="pt-BR" smtClean="0"/>
               <a:t>Quinto nível</a:t>
             </a:r>
-            <a:endParaRPr lang="pt-BR"/>
-          </a:p>
-        </p:txBody>
-      </p:sp>
-      <p:sp>
-        <p:nvSpPr>
-          <p:cNvPr id="4" name="Espaço Reservado para Data 3"/>
+            <a:endParaRPr lang="en-US" dirty="0"/>
+          </a:p>
+        </p:txBody>
+      </p:sp>
+      <p:sp>
+        <p:nvSpPr>
+          <p:cNvPr id="4" name="Date Placeholder 3"/>
           <p:cNvSpPr>
             <a:spLocks noGrp="1"/>
           </p:cNvSpPr>
@@ -421,7 +2474,7 @@
       </p:sp>
       <p:sp>
         <p:nvSpPr>
-          <p:cNvPr id="5" name="Espaço Reservado para Rodapé 4"/>
+          <p:cNvPr id="5" name="Footer Placeholder 4"/>
           <p:cNvSpPr>
             <a:spLocks noGrp="1"/>
           </p:cNvSpPr>
@@ -440,7 +2493,7 @@
       </p:sp>
       <p:sp>
         <p:nvSpPr>
-          <p:cNvPr id="6" name="Espaço Reservado para Número de Slide 5"/>
+          <p:cNvPr id="6" name="Slide Number Placeholder 5"/>
           <p:cNvSpPr>
             <a:spLocks noGrp="1"/>
           </p:cNvSpPr>
@@ -464,7 +2517,7 @@
     </p:spTree>
     <p:extLst>
       <p:ext uri="{BB962C8B-B14F-4D97-AF65-F5344CB8AC3E}">
-        <p14:creationId xmlns:p14="http://schemas.microsoft.com/office/powerpoint/2010/main" val="378097615"/>
+        <p14:creationId xmlns:p14="http://schemas.microsoft.com/office/powerpoint/2010/main" val="2915242941"/>
       </p:ext>
     </p:extLst>
   </p:cSld>
@@ -474,7 +2527,7 @@
 </p:sldLayout>
 </file>
 
-<file path=ppt/slideLayouts/slideLayout11.xml><?xml version="1.0" encoding="utf-8"?>
+<file path=ppt/slideLayouts/slideLayout17.xml><?xml version="1.0" encoding="utf-8"?>
 <p:sldLayout xmlns:a="http://schemas.openxmlformats.org/drawingml/2006/main" xmlns:r="http://schemas.openxmlformats.org/officeDocument/2006/relationships" xmlns:p="http://schemas.openxmlformats.org/presentationml/2006/main" type="vertTitleAndTx" preserve="1">
   <p:cSld name="Título e texto verticais">
     <p:spTree>
@@ -493,7 +2546,7 @@
       </p:grpSpPr>
       <p:sp>
         <p:nvSpPr>
-          <p:cNvPr id="2" name="Título Vertical 1"/>
+          <p:cNvPr id="2" name="Vertical Title 1"/>
           <p:cNvSpPr>
             <a:spLocks noGrp="1"/>
           </p:cNvSpPr>
@@ -503,8 +2556,8 @@
         </p:nvSpPr>
         <p:spPr>
           <a:xfrm>
-            <a:off x="8724900" y="365125"/>
-            <a:ext cx="2628900" cy="5811838"/>
+            <a:off x="8685212" y="685800"/>
+            <a:ext cx="2057400" cy="4572000"/>
           </a:xfrm>
         </p:spPr>
         <p:txBody>
@@ -515,13 +2568,13 @@
               <a:rPr lang="pt-BR" smtClean="0"/>
               <a:t>Clique para editar o título mestre</a:t>
             </a:r>
-            <a:endParaRPr lang="pt-BR"/>
-          </a:p>
-        </p:txBody>
-      </p:sp>
-      <p:sp>
-        <p:nvSpPr>
-          <p:cNvPr id="3" name="Espaço Reservado para Texto Vertical 2"/>
+            <a:endParaRPr lang="en-US" dirty="0"/>
+          </a:p>
+        </p:txBody>
+      </p:sp>
+      <p:sp>
+        <p:nvSpPr>
+          <p:cNvPr id="3" name="Vertical Text Placeholder 2"/>
           <p:cNvSpPr>
             <a:spLocks noGrp="1"/>
           </p:cNvSpPr>
@@ -531,12 +2584,12 @@
         </p:nvSpPr>
         <p:spPr>
           <a:xfrm>
-            <a:off x="838200" y="365125"/>
-            <a:ext cx="7734300" cy="5811838"/>
-          </a:xfrm>
-        </p:spPr>
-        <p:txBody>
-          <a:bodyPr vert="eaVert"/>
+            <a:off x="685800" y="685800"/>
+            <a:ext cx="7823200" cy="5308600"/>
+          </a:xfrm>
+        </p:spPr>
+        <p:txBody>
+          <a:bodyPr vert="eaVert" anchor="t"/>
           <a:lstStyle/>
           <a:p>
             <a:pPr lvl="0"/>
@@ -572,13 +2625,13 @@
               <a:rPr lang="pt-BR" smtClean="0"/>
               <a:t>Quinto nível</a:t>
             </a:r>
-            <a:endParaRPr lang="pt-BR"/>
-          </a:p>
-        </p:txBody>
-      </p:sp>
-      <p:sp>
-        <p:nvSpPr>
-          <p:cNvPr id="4" name="Espaço Reservado para Data 3"/>
+            <a:endParaRPr lang="en-US" dirty="0"/>
+          </a:p>
+        </p:txBody>
+      </p:sp>
+      <p:sp>
+        <p:nvSpPr>
+          <p:cNvPr id="4" name="Date Placeholder 3"/>
           <p:cNvSpPr>
             <a:spLocks noGrp="1"/>
           </p:cNvSpPr>
@@ -601,7 +2654,7 @@
       </p:sp>
       <p:sp>
         <p:nvSpPr>
-          <p:cNvPr id="5" name="Espaço Reservado para Rodapé 4"/>
+          <p:cNvPr id="5" name="Footer Placeholder 4"/>
           <p:cNvSpPr>
             <a:spLocks noGrp="1"/>
           </p:cNvSpPr>
@@ -620,7 +2673,7 @@
       </p:sp>
       <p:sp>
         <p:nvSpPr>
-          <p:cNvPr id="6" name="Espaço Reservado para Número de Slide 5"/>
+          <p:cNvPr id="6" name="Slide Number Placeholder 5"/>
           <p:cNvSpPr>
             <a:spLocks noGrp="1"/>
           </p:cNvSpPr>
@@ -644,7 +2697,7 @@
     </p:spTree>
     <p:extLst>
       <p:ext uri="{BB962C8B-B14F-4D97-AF65-F5344CB8AC3E}">
-        <p14:creationId xmlns:p14="http://schemas.microsoft.com/office/powerpoint/2010/main" val="1155154745"/>
+        <p14:creationId xmlns:p14="http://schemas.microsoft.com/office/powerpoint/2010/main" val="3950470225"/>
       </p:ext>
     </p:extLst>
   </p:cSld>
@@ -673,7 +2726,7 @@
       </p:grpSpPr>
       <p:sp>
         <p:nvSpPr>
-          <p:cNvPr id="2" name="Título 1"/>
+          <p:cNvPr id="2" name="Title 1"/>
           <p:cNvSpPr>
             <a:spLocks noGrp="1"/>
           </p:cNvSpPr>
@@ -690,13 +2743,13 @@
               <a:rPr lang="pt-BR" smtClean="0"/>
               <a:t>Clique para editar o título mestre</a:t>
             </a:r>
-            <a:endParaRPr lang="pt-BR"/>
-          </a:p>
-        </p:txBody>
-      </p:sp>
-      <p:sp>
-        <p:nvSpPr>
-          <p:cNvPr id="3" name="Espaço Reservado para Conteúdo 2"/>
+            <a:endParaRPr lang="en-US" dirty="0"/>
+          </a:p>
+        </p:txBody>
+      </p:sp>
+      <p:sp>
+        <p:nvSpPr>
+          <p:cNvPr id="3" name="Content Placeholder 2"/>
           <p:cNvSpPr>
             <a:spLocks noGrp="1"/>
           </p:cNvSpPr>
@@ -706,7 +2759,7 @@
         </p:nvSpPr>
         <p:spPr/>
         <p:txBody>
-          <a:bodyPr/>
+          <a:bodyPr anchor="ctr"/>
           <a:lstStyle/>
           <a:p>
             <a:pPr lvl="0"/>
@@ -742,13 +2795,13 @@
               <a:rPr lang="pt-BR" smtClean="0"/>
               <a:t>Quinto nível</a:t>
             </a:r>
-            <a:endParaRPr lang="pt-BR"/>
-          </a:p>
-        </p:txBody>
-      </p:sp>
-      <p:sp>
-        <p:nvSpPr>
-          <p:cNvPr id="4" name="Espaço Reservado para Data 3"/>
+            <a:endParaRPr lang="en-US" dirty="0"/>
+          </a:p>
+        </p:txBody>
+      </p:sp>
+      <p:sp>
+        <p:nvSpPr>
+          <p:cNvPr id="4" name="Date Placeholder 3"/>
           <p:cNvSpPr>
             <a:spLocks noGrp="1"/>
           </p:cNvSpPr>
@@ -771,7 +2824,7 @@
       </p:sp>
       <p:sp>
         <p:nvSpPr>
-          <p:cNvPr id="5" name="Espaço Reservado para Rodapé 4"/>
+          <p:cNvPr id="5" name="Footer Placeholder 4"/>
           <p:cNvSpPr>
             <a:spLocks noGrp="1"/>
           </p:cNvSpPr>
@@ -790,7 +2843,7 @@
       </p:sp>
       <p:sp>
         <p:nvSpPr>
-          <p:cNvPr id="6" name="Espaço Reservado para Número de Slide 5"/>
+          <p:cNvPr id="6" name="Slide Number Placeholder 5"/>
           <p:cNvSpPr>
             <a:spLocks noGrp="1"/>
           </p:cNvSpPr>
@@ -814,7 +2867,7 @@
     </p:spTree>
     <p:extLst>
       <p:ext uri="{BB962C8B-B14F-4D97-AF65-F5344CB8AC3E}">
-        <p14:creationId xmlns:p14="http://schemas.microsoft.com/office/powerpoint/2010/main" val="2024058023"/>
+        <p14:creationId xmlns:p14="http://schemas.microsoft.com/office/powerpoint/2010/main" val="1120341693"/>
       </p:ext>
     </p:extLst>
   </p:cSld>
@@ -843,7 +2896,7 @@
       </p:grpSpPr>
       <p:sp>
         <p:nvSpPr>
-          <p:cNvPr id="2" name="Título 1"/>
+          <p:cNvPr id="2" name="Title 1"/>
           <p:cNvSpPr>
             <a:spLocks noGrp="1"/>
           </p:cNvSpPr>
@@ -853,15 +2906,17 @@
         </p:nvSpPr>
         <p:spPr>
           <a:xfrm>
-            <a:off x="831850" y="1709738"/>
-            <a:ext cx="10515600" cy="2852737"/>
-          </a:xfrm>
-        </p:spPr>
-        <p:txBody>
-          <a:bodyPr anchor="b"/>
+            <a:off x="684211" y="2006600"/>
+            <a:ext cx="8534401" cy="2281600"/>
+          </a:xfrm>
+        </p:spPr>
+        <p:txBody>
+          <a:bodyPr anchor="b">
+            <a:normAutofit/>
+          </a:bodyPr>
           <a:lstStyle>
-            <a:lvl1pPr>
-              <a:defRPr sz="6000"/>
+            <a:lvl1pPr algn="l">
+              <a:defRPr sz="3600" b="0" cap="all"/>
             </a:lvl1pPr>
           </a:lstStyle>
           <a:p>
@@ -869,13 +2924,13 @@
               <a:rPr lang="pt-BR" smtClean="0"/>
               <a:t>Clique para editar o título mestre</a:t>
             </a:r>
-            <a:endParaRPr lang="pt-BR"/>
-          </a:p>
-        </p:txBody>
-      </p:sp>
-      <p:sp>
-        <p:nvSpPr>
-          <p:cNvPr id="3" name="Espaço Reservado para Texto 2"/>
+            <a:endParaRPr lang="en-US" dirty="0"/>
+          </a:p>
+        </p:txBody>
+      </p:sp>
+      <p:sp>
+        <p:nvSpPr>
+          <p:cNvPr id="3" name="Text Placeholder 2"/>
           <p:cNvSpPr>
             <a:spLocks noGrp="1"/>
           </p:cNvSpPr>
@@ -885,102 +2940,104 @@
         </p:nvSpPr>
         <p:spPr>
           <a:xfrm>
-            <a:off x="831850" y="4589463"/>
-            <a:ext cx="10515600" cy="1500187"/>
-          </a:xfrm>
-        </p:spPr>
-        <p:txBody>
-          <a:bodyPr/>
+            <a:off x="684213" y="4495800"/>
+            <a:ext cx="8534400" cy="1498600"/>
+          </a:xfrm>
+        </p:spPr>
+        <p:txBody>
+          <a:bodyPr anchor="t">
+            <a:normAutofit/>
+          </a:bodyPr>
           <a:lstStyle>
-            <a:lvl1pPr marL="0" indent="0">
-              <a:buNone/>
-              <a:defRPr sz="2400">
+            <a:lvl1pPr marL="0" indent="0" algn="l">
+              <a:buNone/>
+              <a:defRPr sz="1800">
+                <a:solidFill>
+                  <a:schemeClr val="bg2">
+                    <a:lumMod val="75000"/>
+                  </a:schemeClr>
+                </a:solidFill>
+              </a:defRPr>
+            </a:lvl1pPr>
+            <a:lvl2pPr marL="457200" indent="0">
+              <a:buNone/>
+              <a:defRPr sz="1800">
                 <a:solidFill>
                   <a:schemeClr val="tx1">
                     <a:tint val="75000"/>
                   </a:schemeClr>
                 </a:solidFill>
               </a:defRPr>
-            </a:lvl1pPr>
-            <a:lvl2pPr marL="457200" indent="0">
-              <a:buNone/>
-              <a:defRPr sz="2000">
+            </a:lvl2pPr>
+            <a:lvl3pPr marL="914400" indent="0">
+              <a:buNone/>
+              <a:defRPr sz="1600">
                 <a:solidFill>
                   <a:schemeClr val="tx1">
                     <a:tint val="75000"/>
                   </a:schemeClr>
                 </a:solidFill>
               </a:defRPr>
-            </a:lvl2pPr>
-            <a:lvl3pPr marL="914400" indent="0">
-              <a:buNone/>
-              <a:defRPr sz="1800">
+            </a:lvl3pPr>
+            <a:lvl4pPr marL="1371600" indent="0">
+              <a:buNone/>
+              <a:defRPr sz="1400">
                 <a:solidFill>
                   <a:schemeClr val="tx1">
                     <a:tint val="75000"/>
                   </a:schemeClr>
                 </a:solidFill>
               </a:defRPr>
-            </a:lvl3pPr>
-            <a:lvl4pPr marL="1371600" indent="0">
-              <a:buNone/>
-              <a:defRPr sz="1600">
+            </a:lvl4pPr>
+            <a:lvl5pPr marL="1828800" indent="0">
+              <a:buNone/>
+              <a:defRPr sz="1400">
                 <a:solidFill>
                   <a:schemeClr val="tx1">
                     <a:tint val="75000"/>
                   </a:schemeClr>
                 </a:solidFill>
               </a:defRPr>
-            </a:lvl4pPr>
-            <a:lvl5pPr marL="1828800" indent="0">
-              <a:buNone/>
-              <a:defRPr sz="1600">
+            </a:lvl5pPr>
+            <a:lvl6pPr marL="2286000" indent="0">
+              <a:buNone/>
+              <a:defRPr sz="1400">
                 <a:solidFill>
                   <a:schemeClr val="tx1">
                     <a:tint val="75000"/>
                   </a:schemeClr>
                 </a:solidFill>
               </a:defRPr>
-            </a:lvl5pPr>
-            <a:lvl6pPr marL="2286000" indent="0">
-              <a:buNone/>
-              <a:defRPr sz="1600">
+            </a:lvl6pPr>
+            <a:lvl7pPr marL="2743200" indent="0">
+              <a:buNone/>
+              <a:defRPr sz="1400">
                 <a:solidFill>
                   <a:schemeClr val="tx1">
                     <a:tint val="75000"/>
                   </a:schemeClr>
                 </a:solidFill>
               </a:defRPr>
-            </a:lvl6pPr>
-            <a:lvl7pPr marL="2743200" indent="0">
-              <a:buNone/>
-              <a:defRPr sz="1600">
+            </a:lvl7pPr>
+            <a:lvl8pPr marL="3200400" indent="0">
+              <a:buNone/>
+              <a:defRPr sz="1400">
                 <a:solidFill>
                   <a:schemeClr val="tx1">
                     <a:tint val="75000"/>
                   </a:schemeClr>
                 </a:solidFill>
               </a:defRPr>
-            </a:lvl7pPr>
-            <a:lvl8pPr marL="3200400" indent="0">
-              <a:buNone/>
-              <a:defRPr sz="1600">
+            </a:lvl8pPr>
+            <a:lvl9pPr marL="3657600" indent="0">
+              <a:buNone/>
+              <a:defRPr sz="1400">
                 <a:solidFill>
                   <a:schemeClr val="tx1">
                     <a:tint val="75000"/>
                   </a:schemeClr>
                 </a:solidFill>
               </a:defRPr>
-            </a:lvl8pPr>
-            <a:lvl9pPr marL="3657600" indent="0">
-              <a:buNone/>
-              <a:defRPr sz="1600">
-                <a:solidFill>
-                  <a:schemeClr val="tx1">
-                    <a:tint val="75000"/>
-                  </a:schemeClr>
-                </a:solidFill>
-              </a:defRPr>
             </a:lvl9pPr>
           </a:lstStyle>
           <a:p>
@@ -994,7 +3051,7 @@
       </p:sp>
       <p:sp>
         <p:nvSpPr>
-          <p:cNvPr id="4" name="Espaço Reservado para Data 3"/>
+          <p:cNvPr id="4" name="Date Placeholder 3"/>
           <p:cNvSpPr>
             <a:spLocks noGrp="1"/>
           </p:cNvSpPr>
@@ -1017,7 +3074,7 @@
       </p:sp>
       <p:sp>
         <p:nvSpPr>
-          <p:cNvPr id="5" name="Espaço Reservado para Rodapé 4"/>
+          <p:cNvPr id="5" name="Footer Placeholder 4"/>
           <p:cNvSpPr>
             <a:spLocks noGrp="1"/>
           </p:cNvSpPr>
@@ -1036,7 +3093,7 @@
       </p:sp>
       <p:sp>
         <p:nvSpPr>
-          <p:cNvPr id="6" name="Espaço Reservado para Número de Slide 5"/>
+          <p:cNvPr id="6" name="Slide Number Placeholder 5"/>
           <p:cNvSpPr>
             <a:spLocks noGrp="1"/>
           </p:cNvSpPr>
@@ -1060,7 +3117,7 @@
     </p:spTree>
     <p:extLst>
       <p:ext uri="{BB962C8B-B14F-4D97-AF65-F5344CB8AC3E}">
-        <p14:creationId xmlns:p14="http://schemas.microsoft.com/office/powerpoint/2010/main" val="998487410"/>
+        <p14:creationId xmlns:p14="http://schemas.microsoft.com/office/powerpoint/2010/main" val="1808076500"/>
       </p:ext>
     </p:extLst>
   </p:cSld>
@@ -1089,7 +3146,7 @@
       </p:grpSpPr>
       <p:sp>
         <p:nvSpPr>
-          <p:cNvPr id="2" name="Título 1"/>
+          <p:cNvPr id="2" name="Title 1"/>
           <p:cNvSpPr>
             <a:spLocks noGrp="1"/>
           </p:cNvSpPr>
@@ -1106,13 +3163,13 @@
               <a:rPr lang="pt-BR" smtClean="0"/>
               <a:t>Clique para editar o título mestre</a:t>
             </a:r>
-            <a:endParaRPr lang="pt-BR"/>
-          </a:p>
-        </p:txBody>
-      </p:sp>
-      <p:sp>
-        <p:nvSpPr>
-          <p:cNvPr id="3" name="Espaço Reservado para Conteúdo 2"/>
+            <a:endParaRPr lang="en-US" dirty="0"/>
+          </a:p>
+        </p:txBody>
+      </p:sp>
+      <p:sp>
+        <p:nvSpPr>
+          <p:cNvPr id="3" name="Content Placeholder 2"/>
           <p:cNvSpPr>
             <a:spLocks noGrp="1"/>
           </p:cNvSpPr>
@@ -1122,12 +3179,14 @@
         </p:nvSpPr>
         <p:spPr>
           <a:xfrm>
-            <a:off x="838200" y="1825625"/>
-            <a:ext cx="5181600" cy="4351338"/>
-          </a:xfrm>
-        </p:spPr>
-        <p:txBody>
-          <a:bodyPr/>
+            <a:off x="684211" y="685800"/>
+            <a:ext cx="4937655" cy="3615267"/>
+          </a:xfrm>
+        </p:spPr>
+        <p:txBody>
+          <a:bodyPr>
+            <a:normAutofit/>
+          </a:bodyPr>
           <a:lstStyle/>
           <a:p>
             <a:pPr lvl="0"/>
@@ -1163,13 +3222,13 @@
               <a:rPr lang="pt-BR" smtClean="0"/>
               <a:t>Quinto nível</a:t>
             </a:r>
-            <a:endParaRPr lang="pt-BR"/>
-          </a:p>
-        </p:txBody>
-      </p:sp>
-      <p:sp>
-        <p:nvSpPr>
-          <p:cNvPr id="4" name="Espaço Reservado para Conteúdo 3"/>
+            <a:endParaRPr lang="en-US" dirty="0"/>
+          </a:p>
+        </p:txBody>
+      </p:sp>
+      <p:sp>
+        <p:nvSpPr>
+          <p:cNvPr id="4" name="Content Placeholder 3"/>
           <p:cNvSpPr>
             <a:spLocks noGrp="1"/>
           </p:cNvSpPr>
@@ -1179,12 +3238,14 @@
         </p:nvSpPr>
         <p:spPr>
           <a:xfrm>
-            <a:off x="6172200" y="1825625"/>
-            <a:ext cx="5181600" cy="4351338"/>
-          </a:xfrm>
-        </p:spPr>
-        <p:txBody>
-          <a:bodyPr/>
+            <a:off x="5808133" y="685801"/>
+            <a:ext cx="4934479" cy="3615266"/>
+          </a:xfrm>
+        </p:spPr>
+        <p:txBody>
+          <a:bodyPr>
+            <a:normAutofit/>
+          </a:bodyPr>
           <a:lstStyle/>
           <a:p>
             <a:pPr lvl="0"/>
@@ -1220,13 +3281,13 @@
               <a:rPr lang="pt-BR" smtClean="0"/>
               <a:t>Quinto nível</a:t>
             </a:r>
-            <a:endParaRPr lang="pt-BR"/>
-          </a:p>
-        </p:txBody>
-      </p:sp>
-      <p:sp>
-        <p:nvSpPr>
-          <p:cNvPr id="5" name="Espaço Reservado para Data 4"/>
+            <a:endParaRPr lang="en-US" dirty="0"/>
+          </a:p>
+        </p:txBody>
+      </p:sp>
+      <p:sp>
+        <p:nvSpPr>
+          <p:cNvPr id="5" name="Date Placeholder 4"/>
           <p:cNvSpPr>
             <a:spLocks noGrp="1"/>
           </p:cNvSpPr>
@@ -1249,7 +3310,7 @@
       </p:sp>
       <p:sp>
         <p:nvSpPr>
-          <p:cNvPr id="6" name="Espaço Reservado para Rodapé 5"/>
+          <p:cNvPr id="6" name="Footer Placeholder 5"/>
           <p:cNvSpPr>
             <a:spLocks noGrp="1"/>
           </p:cNvSpPr>
@@ -1268,7 +3329,7 @@
       </p:sp>
       <p:sp>
         <p:nvSpPr>
-          <p:cNvPr id="7" name="Espaço Reservado para Número de Slide 6"/>
+          <p:cNvPr id="7" name="Slide Number Placeholder 6"/>
           <p:cNvSpPr>
             <a:spLocks noGrp="1"/>
           </p:cNvSpPr>
@@ -1292,7 +3353,7 @@
     </p:spTree>
     <p:extLst>
       <p:ext uri="{BB962C8B-B14F-4D97-AF65-F5344CB8AC3E}">
-        <p14:creationId xmlns:p14="http://schemas.microsoft.com/office/powerpoint/2010/main" val="771267412"/>
+        <p14:creationId xmlns:p14="http://schemas.microsoft.com/office/powerpoint/2010/main" val="800163837"/>
       </p:ext>
     </p:extLst>
   </p:cSld>
@@ -1321,7 +3382,7 @@
       </p:grpSpPr>
       <p:sp>
         <p:nvSpPr>
-          <p:cNvPr id="2" name="Título 1"/>
+          <p:cNvPr id="2" name="Title 1"/>
           <p:cNvSpPr>
             <a:spLocks noGrp="1"/>
           </p:cNvSpPr>
@@ -1329,46 +3390,51 @@
             <p:ph type="title"/>
           </p:nvPr>
         </p:nvSpPr>
+        <p:spPr/>
+        <p:txBody>
+          <a:bodyPr/>
+          <a:lstStyle>
+            <a:lvl1pPr>
+              <a:defRPr/>
+            </a:lvl1pPr>
+          </a:lstStyle>
+          <a:p>
+            <a:r>
+              <a:rPr lang="pt-BR" smtClean="0"/>
+              <a:t>Clique para editar o título mestre</a:t>
+            </a:r>
+            <a:endParaRPr lang="en-US" dirty="0"/>
+          </a:p>
+        </p:txBody>
+      </p:sp>
+      <p:sp>
+        <p:nvSpPr>
+          <p:cNvPr id="3" name="Text Placeholder 2"/>
+          <p:cNvSpPr>
+            <a:spLocks noGrp="1"/>
+          </p:cNvSpPr>
+          <p:nvPr>
+            <p:ph type="body" idx="1"/>
+          </p:nvPr>
+        </p:nvSpPr>
         <p:spPr>
           <a:xfrm>
-            <a:off x="839788" y="365125"/>
-            <a:ext cx="10515600" cy="1325563"/>
-          </a:xfrm>
-        </p:spPr>
-        <p:txBody>
-          <a:bodyPr/>
-          <a:lstStyle/>
-          <a:p>
-            <a:r>
-              <a:rPr lang="pt-BR" smtClean="0"/>
-              <a:t>Clique para editar o título mestre</a:t>
-            </a:r>
-            <a:endParaRPr lang="pt-BR"/>
-          </a:p>
-        </p:txBody>
-      </p:sp>
-      <p:sp>
-        <p:nvSpPr>
-          <p:cNvPr id="3" name="Espaço Reservado para Texto 2"/>
-          <p:cNvSpPr>
-            <a:spLocks noGrp="1"/>
-          </p:cNvSpPr>
-          <p:nvPr>
-            <p:ph type="body" idx="1"/>
-          </p:nvPr>
-        </p:nvSpPr>
-        <p:spPr>
-          <a:xfrm>
-            <a:off x="839788" y="1681163"/>
-            <a:ext cx="5157787" cy="823912"/>
-          </a:xfrm>
-        </p:spPr>
-        <p:txBody>
-          <a:bodyPr anchor="b"/>
+            <a:off x="972080" y="685800"/>
+            <a:ext cx="4649787" cy="576262"/>
+          </a:xfrm>
+        </p:spPr>
+        <p:txBody>
+          <a:bodyPr anchor="b">
+            <a:noAutofit/>
+          </a:bodyPr>
           <a:lstStyle>
             <a:lvl1pPr marL="0" indent="0">
               <a:buNone/>
-              <a:defRPr sz="2400" b="1"/>
+              <a:defRPr sz="2800" b="0">
+                <a:solidFill>
+                  <a:schemeClr val="tx1"/>
+                </a:solidFill>
+              </a:defRPr>
             </a:lvl1pPr>
             <a:lvl2pPr marL="457200" indent="0">
               <a:buNone/>
@@ -1414,7 +3480,7 @@
       </p:sp>
       <p:sp>
         <p:nvSpPr>
-          <p:cNvPr id="4" name="Espaço Reservado para Conteúdo 3"/>
+          <p:cNvPr id="4" name="Content Placeholder 3"/>
           <p:cNvSpPr>
             <a:spLocks noGrp="1"/>
           </p:cNvSpPr>
@@ -1424,12 +3490,14 @@
         </p:nvSpPr>
         <p:spPr>
           <a:xfrm>
-            <a:off x="839788" y="2505075"/>
-            <a:ext cx="5157787" cy="3684588"/>
-          </a:xfrm>
-        </p:spPr>
-        <p:txBody>
-          <a:bodyPr/>
+            <a:off x="684211" y="1270529"/>
+            <a:ext cx="4937655" cy="3030538"/>
+          </a:xfrm>
+        </p:spPr>
+        <p:txBody>
+          <a:bodyPr anchor="t">
+            <a:normAutofit/>
+          </a:bodyPr>
           <a:lstStyle/>
           <a:p>
             <a:pPr lvl="0"/>
@@ -1465,13 +3533,13 @@
               <a:rPr lang="pt-BR" smtClean="0"/>
               <a:t>Quinto nível</a:t>
             </a:r>
-            <a:endParaRPr lang="pt-BR"/>
-          </a:p>
-        </p:txBody>
-      </p:sp>
-      <p:sp>
-        <p:nvSpPr>
-          <p:cNvPr id="5" name="Espaço Reservado para Texto 4"/>
+            <a:endParaRPr lang="en-US" dirty="0"/>
+          </a:p>
+        </p:txBody>
+      </p:sp>
+      <p:sp>
+        <p:nvSpPr>
+          <p:cNvPr id="5" name="Text Placeholder 4"/>
           <p:cNvSpPr>
             <a:spLocks noGrp="1"/>
           </p:cNvSpPr>
@@ -1481,16 +3549,22 @@
         </p:nvSpPr>
         <p:spPr>
           <a:xfrm>
-            <a:off x="6172200" y="1681163"/>
-            <a:ext cx="5183188" cy="823912"/>
-          </a:xfrm>
-        </p:spPr>
-        <p:txBody>
-          <a:bodyPr anchor="b"/>
+            <a:off x="6079066" y="685800"/>
+            <a:ext cx="4665134" cy="576262"/>
+          </a:xfrm>
+        </p:spPr>
+        <p:txBody>
+          <a:bodyPr anchor="b">
+            <a:noAutofit/>
+          </a:bodyPr>
           <a:lstStyle>
             <a:lvl1pPr marL="0" indent="0">
               <a:buNone/>
-              <a:defRPr sz="2400" b="1"/>
+              <a:defRPr sz="2800" b="0">
+                <a:solidFill>
+                  <a:schemeClr val="tx1"/>
+                </a:solidFill>
+              </a:defRPr>
             </a:lvl1pPr>
             <a:lvl2pPr marL="457200" indent="0">
               <a:buNone/>
@@ -1536,7 +3610,7 @@
       </p:sp>
       <p:sp>
         <p:nvSpPr>
-          <p:cNvPr id="6" name="Espaço Reservado para Conteúdo 5"/>
+          <p:cNvPr id="6" name="Content Placeholder 5"/>
           <p:cNvSpPr>
             <a:spLocks noGrp="1"/>
           </p:cNvSpPr>
@@ -1546,12 +3620,14 @@
         </p:nvSpPr>
         <p:spPr>
           <a:xfrm>
-            <a:off x="6172200" y="2505075"/>
-            <a:ext cx="5183188" cy="3684588"/>
-          </a:xfrm>
-        </p:spPr>
-        <p:txBody>
-          <a:bodyPr/>
+            <a:off x="5806545" y="1262062"/>
+            <a:ext cx="4929188" cy="3030538"/>
+          </a:xfrm>
+        </p:spPr>
+        <p:txBody>
+          <a:bodyPr anchor="t">
+            <a:normAutofit/>
+          </a:bodyPr>
           <a:lstStyle/>
           <a:p>
             <a:pPr lvl="0"/>
@@ -1587,13 +3663,13 @@
               <a:rPr lang="pt-BR" smtClean="0"/>
               <a:t>Quinto nível</a:t>
             </a:r>
-            <a:endParaRPr lang="pt-BR"/>
-          </a:p>
-        </p:txBody>
-      </p:sp>
-      <p:sp>
-        <p:nvSpPr>
-          <p:cNvPr id="7" name="Espaço Reservado para Data 6"/>
+            <a:endParaRPr lang="en-US" dirty="0"/>
+          </a:p>
+        </p:txBody>
+      </p:sp>
+      <p:sp>
+        <p:nvSpPr>
+          <p:cNvPr id="7" name="Date Placeholder 6"/>
           <p:cNvSpPr>
             <a:spLocks noGrp="1"/>
           </p:cNvSpPr>
@@ -1616,7 +3692,7 @@
       </p:sp>
       <p:sp>
         <p:nvSpPr>
-          <p:cNvPr id="8" name="Espaço Reservado para Rodapé 7"/>
+          <p:cNvPr id="8" name="Footer Placeholder 7"/>
           <p:cNvSpPr>
             <a:spLocks noGrp="1"/>
           </p:cNvSpPr>
@@ -1635,7 +3711,7 @@
       </p:sp>
       <p:sp>
         <p:nvSpPr>
-          <p:cNvPr id="9" name="Espaço Reservado para Número de Slide 8"/>
+          <p:cNvPr id="9" name="Slide Number Placeholder 8"/>
           <p:cNvSpPr>
             <a:spLocks noGrp="1"/>
           </p:cNvSpPr>
@@ -1659,7 +3735,7 @@
     </p:spTree>
     <p:extLst>
       <p:ext uri="{BB962C8B-B14F-4D97-AF65-F5344CB8AC3E}">
-        <p14:creationId xmlns:p14="http://schemas.microsoft.com/office/powerpoint/2010/main" val="3559128523"/>
+        <p14:creationId xmlns:p14="http://schemas.microsoft.com/office/powerpoint/2010/main" val="421946398"/>
       </p:ext>
     </p:extLst>
   </p:cSld>
@@ -1688,7 +3764,7 @@
       </p:grpSpPr>
       <p:sp>
         <p:nvSpPr>
-          <p:cNvPr id="2" name="Título 1"/>
+          <p:cNvPr id="2" name="Title 1"/>
           <p:cNvSpPr>
             <a:spLocks noGrp="1"/>
           </p:cNvSpPr>
@@ -1705,13 +3781,13 @@
               <a:rPr lang="pt-BR" smtClean="0"/>
               <a:t>Clique para editar o título mestre</a:t>
             </a:r>
-            <a:endParaRPr lang="pt-BR"/>
-          </a:p>
-        </p:txBody>
-      </p:sp>
-      <p:sp>
-        <p:nvSpPr>
-          <p:cNvPr id="3" name="Espaço Reservado para Data 2"/>
+            <a:endParaRPr lang="en-US" dirty="0"/>
+          </a:p>
+        </p:txBody>
+      </p:sp>
+      <p:sp>
+        <p:nvSpPr>
+          <p:cNvPr id="3" name="Date Placeholder 2"/>
           <p:cNvSpPr>
             <a:spLocks noGrp="1"/>
           </p:cNvSpPr>
@@ -1734,7 +3810,7 @@
       </p:sp>
       <p:sp>
         <p:nvSpPr>
-          <p:cNvPr id="4" name="Espaço Reservado para Rodapé 3"/>
+          <p:cNvPr id="4" name="Footer Placeholder 3"/>
           <p:cNvSpPr>
             <a:spLocks noGrp="1"/>
           </p:cNvSpPr>
@@ -1753,7 +3829,7 @@
       </p:sp>
       <p:sp>
         <p:nvSpPr>
-          <p:cNvPr id="5" name="Espaço Reservado para Número de Slide 4"/>
+          <p:cNvPr id="5" name="Slide Number Placeholder 4"/>
           <p:cNvSpPr>
             <a:spLocks noGrp="1"/>
           </p:cNvSpPr>
@@ -1777,7 +3853,7 @@
     </p:spTree>
     <p:extLst>
       <p:ext uri="{BB962C8B-B14F-4D97-AF65-F5344CB8AC3E}">
-        <p14:creationId xmlns:p14="http://schemas.microsoft.com/office/powerpoint/2010/main" val="40925478"/>
+        <p14:creationId xmlns:p14="http://schemas.microsoft.com/office/powerpoint/2010/main" val="2542436269"/>
       </p:ext>
     </p:extLst>
   </p:cSld>
@@ -1806,7 +3882,7 @@
       </p:grpSpPr>
       <p:sp>
         <p:nvSpPr>
-          <p:cNvPr id="2" name="Espaço Reservado para Data 1"/>
+          <p:cNvPr id="2" name="Date Placeholder 1"/>
           <p:cNvSpPr>
             <a:spLocks noGrp="1"/>
           </p:cNvSpPr>
@@ -1829,7 +3905,7 @@
       </p:sp>
       <p:sp>
         <p:nvSpPr>
-          <p:cNvPr id="3" name="Espaço Reservado para Rodapé 2"/>
+          <p:cNvPr id="3" name="Footer Placeholder 2"/>
           <p:cNvSpPr>
             <a:spLocks noGrp="1"/>
           </p:cNvSpPr>
@@ -1848,7 +3924,7 @@
       </p:sp>
       <p:sp>
         <p:nvSpPr>
-          <p:cNvPr id="4" name="Espaço Reservado para Número de Slide 3"/>
+          <p:cNvPr id="4" name="Slide Number Placeholder 3"/>
           <p:cNvSpPr>
             <a:spLocks noGrp="1"/>
           </p:cNvSpPr>
@@ -1872,7 +3948,7 @@
     </p:spTree>
     <p:extLst>
       <p:ext uri="{BB962C8B-B14F-4D97-AF65-F5344CB8AC3E}">
-        <p14:creationId xmlns:p14="http://schemas.microsoft.com/office/powerpoint/2010/main" val="3925993335"/>
+        <p14:creationId xmlns:p14="http://schemas.microsoft.com/office/powerpoint/2010/main" val="2932464117"/>
       </p:ext>
     </p:extLst>
   </p:cSld>
@@ -1901,7 +3977,7 @@
       </p:grpSpPr>
       <p:sp>
         <p:nvSpPr>
-          <p:cNvPr id="2" name="Título 1"/>
+          <p:cNvPr id="2" name="Title 1"/>
           <p:cNvSpPr>
             <a:spLocks noGrp="1"/>
           </p:cNvSpPr>
@@ -1911,15 +3987,17 @@
         </p:nvSpPr>
         <p:spPr>
           <a:xfrm>
-            <a:off x="839788" y="457200"/>
-            <a:ext cx="3932237" cy="1600200"/>
-          </a:xfrm>
-        </p:spPr>
-        <p:txBody>
-          <a:bodyPr anchor="b"/>
+            <a:off x="7085012" y="685800"/>
+            <a:ext cx="3657600" cy="1371600"/>
+          </a:xfrm>
+        </p:spPr>
+        <p:txBody>
+          <a:bodyPr anchor="b">
+            <a:normAutofit/>
+          </a:bodyPr>
           <a:lstStyle>
-            <a:lvl1pPr>
-              <a:defRPr sz="3200"/>
+            <a:lvl1pPr algn="l">
+              <a:defRPr sz="2400" b="0"/>
             </a:lvl1pPr>
           </a:lstStyle>
           <a:p>
@@ -1927,13 +4005,13 @@
               <a:rPr lang="pt-BR" smtClean="0"/>
               <a:t>Clique para editar o título mestre</a:t>
             </a:r>
-            <a:endParaRPr lang="pt-BR"/>
-          </a:p>
-        </p:txBody>
-      </p:sp>
-      <p:sp>
-        <p:nvSpPr>
-          <p:cNvPr id="3" name="Espaço Reservado para Conteúdo 2"/>
+            <a:endParaRPr lang="en-US" dirty="0"/>
+          </a:p>
+        </p:txBody>
+      </p:sp>
+      <p:sp>
+        <p:nvSpPr>
+          <p:cNvPr id="3" name="Content Placeholder 2"/>
           <p:cNvSpPr>
             <a:spLocks noGrp="1"/>
           </p:cNvSpPr>
@@ -1943,41 +4021,15 @@
         </p:nvSpPr>
         <p:spPr>
           <a:xfrm>
-            <a:off x="5183188" y="987425"/>
-            <a:ext cx="6172200" cy="4873625"/>
-          </a:xfrm>
-        </p:spPr>
-        <p:txBody>
-          <a:bodyPr/>
-          <a:lstStyle>
-            <a:lvl1pPr>
-              <a:defRPr sz="3200"/>
-            </a:lvl1pPr>
-            <a:lvl2pPr>
-              <a:defRPr sz="2800"/>
-            </a:lvl2pPr>
-            <a:lvl3pPr>
-              <a:defRPr sz="2400"/>
-            </a:lvl3pPr>
-            <a:lvl4pPr>
-              <a:defRPr sz="2000"/>
-            </a:lvl4pPr>
-            <a:lvl5pPr>
-              <a:defRPr sz="2000"/>
-            </a:lvl5pPr>
-            <a:lvl6pPr>
-              <a:defRPr sz="2000"/>
-            </a:lvl6pPr>
-            <a:lvl7pPr>
-              <a:defRPr sz="2000"/>
-            </a:lvl7pPr>
-            <a:lvl8pPr>
-              <a:defRPr sz="2000"/>
-            </a:lvl8pPr>
-            <a:lvl9pPr>
-              <a:defRPr sz="2000"/>
-            </a:lvl9pPr>
-          </a:lstStyle>
+            <a:off x="684212" y="685800"/>
+            <a:ext cx="5943601" cy="5308600"/>
+          </a:xfrm>
+        </p:spPr>
+        <p:txBody>
+          <a:bodyPr anchor="ctr">
+            <a:normAutofit/>
+          </a:bodyPr>
+          <a:lstStyle/>
           <a:p>
             <a:pPr lvl="0"/>
             <a:r>
@@ -2012,13 +4064,13 @@
               <a:rPr lang="pt-BR" smtClean="0"/>
               <a:t>Quinto nível</a:t>
             </a:r>
-            <a:endParaRPr lang="pt-BR"/>
-          </a:p>
-        </p:txBody>
-      </p:sp>
-      <p:sp>
-        <p:nvSpPr>
-          <p:cNvPr id="4" name="Espaço Reservado para Texto 3"/>
+            <a:endParaRPr lang="en-US" dirty="0"/>
+          </a:p>
+        </p:txBody>
+      </p:sp>
+      <p:sp>
+        <p:nvSpPr>
+          <p:cNvPr id="4" name="Text Placeholder 3"/>
           <p:cNvSpPr>
             <a:spLocks noGrp="1"/>
           </p:cNvSpPr>
@@ -2028,12 +4080,14 @@
         </p:nvSpPr>
         <p:spPr>
           <a:xfrm>
-            <a:off x="839788" y="2057400"/>
-            <a:ext cx="3932237" cy="3811588"/>
-          </a:xfrm>
-        </p:spPr>
-        <p:txBody>
-          <a:bodyPr/>
+            <a:off x="7085012" y="2209799"/>
+            <a:ext cx="3657600" cy="2091267"/>
+          </a:xfrm>
+        </p:spPr>
+        <p:txBody>
+          <a:bodyPr anchor="t">
+            <a:normAutofit/>
+          </a:bodyPr>
           <a:lstStyle>
             <a:lvl1pPr marL="0" indent="0">
               <a:buNone/>
@@ -2041,35 +4095,35 @@
             </a:lvl1pPr>
             <a:lvl2pPr marL="457200" indent="0">
               <a:buNone/>
-              <a:defRPr sz="1400"/>
+              <a:defRPr sz="1200"/>
             </a:lvl2pPr>
             <a:lvl3pPr marL="914400" indent="0">
               <a:buNone/>
-              <a:defRPr sz="1200"/>
+              <a:defRPr sz="1000"/>
             </a:lvl3pPr>
             <a:lvl4pPr marL="1371600" indent="0">
               <a:buNone/>
-              <a:defRPr sz="1000"/>
+              <a:defRPr sz="900"/>
             </a:lvl4pPr>
             <a:lvl5pPr marL="1828800" indent="0">
               <a:buNone/>
-              <a:defRPr sz="1000"/>
+              <a:defRPr sz="900"/>
             </a:lvl5pPr>
             <a:lvl6pPr marL="2286000" indent="0">
               <a:buNone/>
-              <a:defRPr sz="1000"/>
+              <a:defRPr sz="900"/>
             </a:lvl6pPr>
             <a:lvl7pPr marL="2743200" indent="0">
               <a:buNone/>
-              <a:defRPr sz="1000"/>
+              <a:defRPr sz="900"/>
             </a:lvl7pPr>
             <a:lvl8pPr marL="3200400" indent="0">
               <a:buNone/>
-              <a:defRPr sz="1000"/>
+              <a:defRPr sz="900"/>
             </a:lvl8pPr>
             <a:lvl9pPr marL="3657600" indent="0">
               <a:buNone/>
-              <a:defRPr sz="1000"/>
+              <a:defRPr sz="900"/>
             </a:lvl9pPr>
           </a:lstStyle>
           <a:p>
@@ -2083,7 +4137,7 @@
       </p:sp>
       <p:sp>
         <p:nvSpPr>
-          <p:cNvPr id="5" name="Espaço Reservado para Data 4"/>
+          <p:cNvPr id="5" name="Date Placeholder 4"/>
           <p:cNvSpPr>
             <a:spLocks noGrp="1"/>
           </p:cNvSpPr>
@@ -2106,7 +4160,7 @@
       </p:sp>
       <p:sp>
         <p:nvSpPr>
-          <p:cNvPr id="6" name="Espaço Reservado para Rodapé 5"/>
+          <p:cNvPr id="6" name="Footer Placeholder 5"/>
           <p:cNvSpPr>
             <a:spLocks noGrp="1"/>
           </p:cNvSpPr>
@@ -2125,7 +4179,7 @@
       </p:sp>
       <p:sp>
         <p:nvSpPr>
-          <p:cNvPr id="7" name="Espaço Reservado para Número de Slide 6"/>
+          <p:cNvPr id="7" name="Slide Number Placeholder 6"/>
           <p:cNvSpPr>
             <a:spLocks noGrp="1"/>
           </p:cNvSpPr>
@@ -2149,7 +4203,7 @@
     </p:spTree>
     <p:extLst>
       <p:ext uri="{BB962C8B-B14F-4D97-AF65-F5344CB8AC3E}">
-        <p14:creationId xmlns:p14="http://schemas.microsoft.com/office/powerpoint/2010/main" val="224028957"/>
+        <p14:creationId xmlns:p14="http://schemas.microsoft.com/office/powerpoint/2010/main" val="3393779215"/>
       </p:ext>
     </p:extLst>
   </p:cSld>
@@ -2178,7 +4232,7 @@
       </p:grpSpPr>
       <p:sp>
         <p:nvSpPr>
-          <p:cNvPr id="2" name="Título 1"/>
+          <p:cNvPr id="2" name="Title 1"/>
           <p:cNvSpPr>
             <a:spLocks noGrp="1"/>
           </p:cNvSpPr>
@@ -2188,15 +4242,17 @@
         </p:nvSpPr>
         <p:spPr>
           <a:xfrm>
-            <a:off x="839788" y="457200"/>
-            <a:ext cx="3932237" cy="1600200"/>
-          </a:xfrm>
-        </p:spPr>
-        <p:txBody>
-          <a:bodyPr anchor="b"/>
+            <a:off x="4722812" y="1447800"/>
+            <a:ext cx="6019800" cy="1143000"/>
+          </a:xfrm>
+        </p:spPr>
+        <p:txBody>
+          <a:bodyPr anchor="b">
+            <a:normAutofit/>
+          </a:bodyPr>
           <a:lstStyle>
-            <a:lvl1pPr>
-              <a:defRPr sz="3200"/>
+            <a:lvl1pPr algn="l">
+              <a:defRPr sz="2800" b="0"/>
             </a:lvl1pPr>
           </a:lstStyle>
           <a:p>
@@ -2204,15 +4260,15 @@
               <a:rPr lang="pt-BR" smtClean="0"/>
               <a:t>Clique para editar o título mestre</a:t>
             </a:r>
-            <a:endParaRPr lang="pt-BR"/>
-          </a:p>
-        </p:txBody>
-      </p:sp>
-      <p:sp>
-        <p:nvSpPr>
-          <p:cNvPr id="3" name="Espaço Reservado para Imagem 2"/>
-          <p:cNvSpPr>
-            <a:spLocks noGrp="1"/>
+            <a:endParaRPr lang="en-US" dirty="0"/>
+          </a:p>
+        </p:txBody>
+      </p:sp>
+      <p:sp>
+        <p:nvSpPr>
+          <p:cNvPr id="14" name="Picture Placeholder 2"/>
+          <p:cNvSpPr>
+            <a:spLocks noGrp="1" noChangeAspect="1"/>
           </p:cNvSpPr>
           <p:nvPr>
             <p:ph type="pic" idx="1"/>
@@ -2220,112 +4276,140 @@
         </p:nvSpPr>
         <p:spPr>
           <a:xfrm>
-            <a:off x="5183188" y="987425"/>
-            <a:ext cx="6172200" cy="4873625"/>
-          </a:xfrm>
-        </p:spPr>
-        <p:txBody>
-          <a:bodyPr/>
+            <a:off x="989012" y="914400"/>
+            <a:ext cx="3280974" cy="4572000"/>
+          </a:xfrm>
+          <a:prstGeom prst="snip2DiagRect">
+            <a:avLst>
+              <a:gd name="adj1" fmla="val 10815"/>
+              <a:gd name="adj2" fmla="val 0"/>
+            </a:avLst>
+          </a:prstGeom>
+          <a:ln w="15875">
+            <a:solidFill>
+              <a:schemeClr val="tx1">
+                <a:alpha val="40000"/>
+              </a:schemeClr>
+            </a:solidFill>
+          </a:ln>
+          <a:effectLst>
+            <a:innerShdw blurRad="57150" dist="38100" dir="14460000">
+              <a:srgbClr val="000000">
+                <a:alpha val="70000"/>
+              </a:srgbClr>
+            </a:innerShdw>
+          </a:effectLst>
+        </p:spPr>
+        <p:txBody>
+          <a:bodyPr anchor="t">
+            <a:normAutofit/>
+          </a:bodyPr>
           <a:lstStyle>
-            <a:lvl1pPr marL="0" indent="0">
-              <a:buNone/>
-              <a:defRPr sz="3200"/>
-            </a:lvl1pPr>
-            <a:lvl2pPr marL="457200" indent="0">
-              <a:buNone/>
-              <a:defRPr sz="2800"/>
-            </a:lvl2pPr>
-            <a:lvl3pPr marL="914400" indent="0">
-              <a:buNone/>
-              <a:defRPr sz="2400"/>
-            </a:lvl3pPr>
-            <a:lvl4pPr marL="1371600" indent="0">
-              <a:buNone/>
-              <a:defRPr sz="2000"/>
-            </a:lvl4pPr>
-            <a:lvl5pPr marL="1828800" indent="0">
-              <a:buNone/>
-              <a:defRPr sz="2000"/>
-            </a:lvl5pPr>
-            <a:lvl6pPr marL="2286000" indent="0">
-              <a:buNone/>
-              <a:defRPr sz="2000"/>
-            </a:lvl6pPr>
-            <a:lvl7pPr marL="2743200" indent="0">
-              <a:buNone/>
-              <a:defRPr sz="2000"/>
-            </a:lvl7pPr>
-            <a:lvl8pPr marL="3200400" indent="0">
-              <a:buNone/>
-              <a:defRPr sz="2000"/>
-            </a:lvl8pPr>
-            <a:lvl9pPr marL="3657600" indent="0">
-              <a:buNone/>
-              <a:defRPr sz="2000"/>
-            </a:lvl9pPr>
-          </a:lstStyle>
-          <a:p>
-            <a:endParaRPr lang="pt-BR"/>
-          </a:p>
-        </p:txBody>
-      </p:sp>
-      <p:sp>
-        <p:nvSpPr>
-          <p:cNvPr id="4" name="Espaço Reservado para Texto 3"/>
-          <p:cNvSpPr>
-            <a:spLocks noGrp="1"/>
-          </p:cNvSpPr>
-          <p:nvPr>
-            <p:ph type="body" sz="half" idx="2"/>
-          </p:nvPr>
-        </p:nvSpPr>
-        <p:spPr>
-          <a:xfrm>
-            <a:off x="839788" y="2057400"/>
-            <a:ext cx="3932237" cy="3811588"/>
-          </a:xfrm>
-        </p:spPr>
-        <p:txBody>
-          <a:bodyPr/>
-          <a:lstStyle>
-            <a:lvl1pPr marL="0" indent="0">
+            <a:lvl1pPr marL="0" indent="0" algn="ctr">
               <a:buNone/>
               <a:defRPr sz="1600"/>
             </a:lvl1pPr>
             <a:lvl2pPr marL="457200" indent="0">
               <a:buNone/>
-              <a:defRPr sz="1400"/>
+              <a:defRPr sz="1600"/>
             </a:lvl2pPr>
             <a:lvl3pPr marL="914400" indent="0">
               <a:buNone/>
-              <a:defRPr sz="1200"/>
+              <a:defRPr sz="1600"/>
             </a:lvl3pPr>
             <a:lvl4pPr marL="1371600" indent="0">
               <a:buNone/>
-              <a:defRPr sz="1000"/>
+              <a:defRPr sz="1600"/>
             </a:lvl4pPr>
             <a:lvl5pPr marL="1828800" indent="0">
               <a:buNone/>
-              <a:defRPr sz="1000"/>
+              <a:defRPr sz="1600"/>
             </a:lvl5pPr>
             <a:lvl6pPr marL="2286000" indent="0">
               <a:buNone/>
-              <a:defRPr sz="1000"/>
+              <a:defRPr sz="1600"/>
             </a:lvl6pPr>
             <a:lvl7pPr marL="2743200" indent="0">
               <a:buNone/>
-              <a:defRPr sz="1000"/>
+              <a:defRPr sz="1600"/>
             </a:lvl7pPr>
             <a:lvl8pPr marL="3200400" indent="0">
               <a:buNone/>
-              <a:defRPr sz="1000"/>
+              <a:defRPr sz="1600"/>
             </a:lvl8pPr>
             <a:lvl9pPr marL="3657600" indent="0">
               <a:buNone/>
-              <a:defRPr sz="1000"/>
+              <a:defRPr sz="1600"/>
             </a:lvl9pPr>
           </a:lstStyle>
           <a:p>
+            <a:r>
+              <a:rPr lang="pt-BR" smtClean="0"/>
+              <a:t>Clique no ícone para adicionar uma imagem</a:t>
+            </a:r>
+            <a:endParaRPr lang="en-US" dirty="0"/>
+          </a:p>
+        </p:txBody>
+      </p:sp>
+      <p:sp>
+        <p:nvSpPr>
+          <p:cNvPr id="4" name="Text Placeholder 3"/>
+          <p:cNvSpPr>
+            <a:spLocks noGrp="1"/>
+          </p:cNvSpPr>
+          <p:nvPr>
+            <p:ph type="body" sz="half" idx="2"/>
+          </p:nvPr>
+        </p:nvSpPr>
+        <p:spPr>
+          <a:xfrm>
+            <a:off x="4722812" y="2777066"/>
+            <a:ext cx="6021388" cy="2048933"/>
+          </a:xfrm>
+        </p:spPr>
+        <p:txBody>
+          <a:bodyPr anchor="t">
+            <a:normAutofit/>
+          </a:bodyPr>
+          <a:lstStyle>
+            <a:lvl1pPr marL="0" indent="0">
+              <a:buNone/>
+              <a:defRPr sz="1800"/>
+            </a:lvl1pPr>
+            <a:lvl2pPr marL="457200" indent="0">
+              <a:buNone/>
+              <a:defRPr sz="1200"/>
+            </a:lvl2pPr>
+            <a:lvl3pPr marL="914400" indent="0">
+              <a:buNone/>
+              <a:defRPr sz="1000"/>
+            </a:lvl3pPr>
+            <a:lvl4pPr marL="1371600" indent="0">
+              <a:buNone/>
+              <a:defRPr sz="900"/>
+            </a:lvl4pPr>
+            <a:lvl5pPr marL="1828800" indent="0">
+              <a:buNone/>
+              <a:defRPr sz="900"/>
+            </a:lvl5pPr>
+            <a:lvl6pPr marL="2286000" indent="0">
+              <a:buNone/>
+              <a:defRPr sz="900"/>
+            </a:lvl6pPr>
+            <a:lvl7pPr marL="2743200" indent="0">
+              <a:buNone/>
+              <a:defRPr sz="900"/>
+            </a:lvl7pPr>
+            <a:lvl8pPr marL="3200400" indent="0">
+              <a:buNone/>
+              <a:defRPr sz="900"/>
+            </a:lvl8pPr>
+            <a:lvl9pPr marL="3657600" indent="0">
+              <a:buNone/>
+              <a:defRPr sz="900"/>
+            </a:lvl9pPr>
+          </a:lstStyle>
+          <a:p>
             <a:pPr lvl="0"/>
             <a:r>
               <a:rPr lang="pt-BR" smtClean="0"/>
@@ -2336,7 +4420,7 @@
       </p:sp>
       <p:sp>
         <p:nvSpPr>
-          <p:cNvPr id="5" name="Espaço Reservado para Data 4"/>
+          <p:cNvPr id="5" name="Date Placeholder 4"/>
           <p:cNvSpPr>
             <a:spLocks noGrp="1"/>
           </p:cNvSpPr>
@@ -2359,7 +4443,7 @@
       </p:sp>
       <p:sp>
         <p:nvSpPr>
-          <p:cNvPr id="6" name="Espaço Reservado para Rodapé 5"/>
+          <p:cNvPr id="6" name="Footer Placeholder 5"/>
           <p:cNvSpPr>
             <a:spLocks noGrp="1"/>
           </p:cNvSpPr>
@@ -2378,7 +4462,7 @@
       </p:sp>
       <p:sp>
         <p:nvSpPr>
-          <p:cNvPr id="7" name="Espaço Reservado para Número de Slide 6"/>
+          <p:cNvPr id="7" name="Slide Number Placeholder 6"/>
           <p:cNvSpPr>
             <a:spLocks noGrp="1"/>
           </p:cNvSpPr>
@@ -2402,7 +4486,7 @@
     </p:spTree>
     <p:extLst>
       <p:ext uri="{BB962C8B-B14F-4D97-AF65-F5344CB8AC3E}">
-        <p14:creationId xmlns:p14="http://schemas.microsoft.com/office/powerpoint/2010/main" val="1515812529"/>
+        <p14:creationId xmlns:p14="http://schemas.microsoft.com/office/powerpoint/2010/main" val="1466825737"/>
       </p:ext>
     </p:extLst>
   </p:cSld>
@@ -2416,8 +4500,8 @@
 <p:sldMaster xmlns:a="http://schemas.openxmlformats.org/drawingml/2006/main" xmlns:r="http://schemas.openxmlformats.org/officeDocument/2006/relationships" xmlns:p="http://schemas.openxmlformats.org/presentationml/2006/main">
   <p:cSld>
     <p:bg>
-      <p:bgRef idx="1001">
-        <a:schemeClr val="bg1"/>
+      <p:bgRef idx="1002">
+        <a:schemeClr val="bg2"/>
       </p:bgRef>
     </p:bg>
     <p:spTree>
@@ -2434,9 +4518,199 @@
           <a:chExt cx="0" cy="0"/>
         </a:xfrm>
       </p:grpSpPr>
-      <p:sp>
-        <p:nvSpPr>
-          <p:cNvPr id="2" name="Espaço Reservado para Título 1"/>
+      <p:grpSp>
+        <p:nvGrpSpPr>
+          <p:cNvPr id="7" name="Group 6"/>
+          <p:cNvGrpSpPr/>
+          <p:nvPr/>
+        </p:nvGrpSpPr>
+        <p:grpSpPr>
+          <a:xfrm>
+            <a:off x="9206969" y="2963333"/>
+            <a:ext cx="2981858" cy="3208867"/>
+            <a:chOff x="9206969" y="2963333"/>
+            <a:chExt cx="2981858" cy="3208867"/>
+          </a:xfrm>
+        </p:grpSpPr>
+        <p:cxnSp>
+          <p:nvCxnSpPr>
+            <p:cNvPr id="8" name="Straight Connector 7"/>
+            <p:cNvCxnSpPr/>
+            <p:nvPr/>
+          </p:nvCxnSpPr>
+          <p:spPr>
+            <a:xfrm flipH="1">
+              <a:off x="11276012" y="2963333"/>
+              <a:ext cx="912814" cy="912812"/>
+            </a:xfrm>
+            <a:prstGeom prst="line">
+              <a:avLst/>
+            </a:prstGeom>
+            <a:ln w="9525">
+              <a:solidFill>
+                <a:schemeClr val="tx1"/>
+              </a:solidFill>
+            </a:ln>
+          </p:spPr>
+          <p:style>
+            <a:lnRef idx="2">
+              <a:schemeClr val="accent1"/>
+            </a:lnRef>
+            <a:fillRef idx="0">
+              <a:schemeClr val="accent1"/>
+            </a:fillRef>
+            <a:effectRef idx="1">
+              <a:schemeClr val="accent1"/>
+            </a:effectRef>
+            <a:fontRef idx="minor">
+              <a:schemeClr val="tx1"/>
+            </a:fontRef>
+          </p:style>
+        </p:cxnSp>
+        <p:cxnSp>
+          <p:nvCxnSpPr>
+            <p:cNvPr id="9" name="Straight Connector 8"/>
+            <p:cNvCxnSpPr/>
+            <p:nvPr/>
+          </p:nvCxnSpPr>
+          <p:spPr>
+            <a:xfrm flipH="1">
+              <a:off x="9206969" y="3190344"/>
+              <a:ext cx="2981857" cy="2981856"/>
+            </a:xfrm>
+            <a:prstGeom prst="line">
+              <a:avLst/>
+            </a:prstGeom>
+            <a:ln w="9525">
+              <a:solidFill>
+                <a:schemeClr val="tx1"/>
+              </a:solidFill>
+            </a:ln>
+          </p:spPr>
+          <p:style>
+            <a:lnRef idx="2">
+              <a:schemeClr val="accent1"/>
+            </a:lnRef>
+            <a:fillRef idx="0">
+              <a:schemeClr val="accent1"/>
+            </a:fillRef>
+            <a:effectRef idx="1">
+              <a:schemeClr val="accent1"/>
+            </a:effectRef>
+            <a:fontRef idx="minor">
+              <a:schemeClr val="tx1"/>
+            </a:fontRef>
+          </p:style>
+        </p:cxnSp>
+        <p:cxnSp>
+          <p:nvCxnSpPr>
+            <p:cNvPr id="10" name="Straight Connector 9"/>
+            <p:cNvCxnSpPr/>
+            <p:nvPr/>
+          </p:nvCxnSpPr>
+          <p:spPr>
+            <a:xfrm flipH="1">
+              <a:off x="10292292" y="3285067"/>
+              <a:ext cx="1896534" cy="1896533"/>
+            </a:xfrm>
+            <a:prstGeom prst="line">
+              <a:avLst/>
+            </a:prstGeom>
+            <a:ln w="9525">
+              <a:solidFill>
+                <a:schemeClr val="tx1"/>
+              </a:solidFill>
+            </a:ln>
+          </p:spPr>
+          <p:style>
+            <a:lnRef idx="2">
+              <a:schemeClr val="accent1"/>
+            </a:lnRef>
+            <a:fillRef idx="0">
+              <a:schemeClr val="accent1"/>
+            </a:fillRef>
+            <a:effectRef idx="1">
+              <a:schemeClr val="accent1"/>
+            </a:effectRef>
+            <a:fontRef idx="minor">
+              <a:schemeClr val="tx1"/>
+            </a:fontRef>
+          </p:style>
+        </p:cxnSp>
+        <p:cxnSp>
+          <p:nvCxnSpPr>
+            <p:cNvPr id="11" name="Straight Connector 10"/>
+            <p:cNvCxnSpPr/>
+            <p:nvPr/>
+          </p:nvCxnSpPr>
+          <p:spPr>
+            <a:xfrm flipH="1">
+              <a:off x="10443103" y="3131080"/>
+              <a:ext cx="1745722" cy="1745720"/>
+            </a:xfrm>
+            <a:prstGeom prst="line">
+              <a:avLst/>
+            </a:prstGeom>
+            <a:ln w="28575">
+              <a:solidFill>
+                <a:schemeClr val="tx1"/>
+              </a:solidFill>
+            </a:ln>
+          </p:spPr>
+          <p:style>
+            <a:lnRef idx="2">
+              <a:schemeClr val="accent1"/>
+            </a:lnRef>
+            <a:fillRef idx="0">
+              <a:schemeClr val="accent1"/>
+            </a:fillRef>
+            <a:effectRef idx="1">
+              <a:schemeClr val="accent1"/>
+            </a:effectRef>
+            <a:fontRef idx="minor">
+              <a:schemeClr val="tx1"/>
+            </a:fontRef>
+          </p:style>
+        </p:cxnSp>
+        <p:cxnSp>
+          <p:nvCxnSpPr>
+            <p:cNvPr id="12" name="Straight Connector 11"/>
+            <p:cNvCxnSpPr/>
+            <p:nvPr/>
+          </p:nvCxnSpPr>
+          <p:spPr>
+            <a:xfrm flipH="1">
+              <a:off x="10918826" y="3683001"/>
+              <a:ext cx="1270001" cy="1269999"/>
+            </a:xfrm>
+            <a:prstGeom prst="line">
+              <a:avLst/>
+            </a:prstGeom>
+            <a:ln w="28575">
+              <a:solidFill>
+                <a:schemeClr val="tx1"/>
+              </a:solidFill>
+            </a:ln>
+          </p:spPr>
+          <p:style>
+            <a:lnRef idx="2">
+              <a:schemeClr val="accent1"/>
+            </a:lnRef>
+            <a:fillRef idx="0">
+              <a:schemeClr val="accent1"/>
+            </a:fillRef>
+            <a:effectRef idx="1">
+              <a:schemeClr val="accent1"/>
+            </a:effectRef>
+            <a:fontRef idx="minor">
+              <a:schemeClr val="tx1"/>
+            </a:fontRef>
+          </p:style>
+        </p:cxnSp>
+      </p:grpSp>
+      <p:sp>
+        <p:nvSpPr>
+          <p:cNvPr id="2" name="Title Placeholder 1"/>
           <p:cNvSpPr>
             <a:spLocks noGrp="1"/>
           </p:cNvSpPr>
@@ -2446,12 +4720,13 @@
         </p:nvSpPr>
         <p:spPr>
           <a:xfrm>
-            <a:off x="838200" y="365125"/>
-            <a:ext cx="10515600" cy="1325563"/>
+            <a:off x="684212" y="4487332"/>
+            <a:ext cx="8534400" cy="1507067"/>
           </a:xfrm>
           <a:prstGeom prst="rect">
             <a:avLst/>
           </a:prstGeom>
+          <a:effectLst/>
         </p:spPr>
         <p:txBody>
           <a:bodyPr vert="horz" lIns="91440" tIns="45720" rIns="91440" bIns="45720" rtlCol="0" anchor="ctr">
@@ -2463,13 +4738,13 @@
               <a:rPr lang="pt-BR" smtClean="0"/>
               <a:t>Clique para editar o título mestre</a:t>
             </a:r>
-            <a:endParaRPr lang="pt-BR"/>
-          </a:p>
-        </p:txBody>
-      </p:sp>
-      <p:sp>
-        <p:nvSpPr>
-          <p:cNvPr id="3" name="Espaço Reservado para Texto 2"/>
+            <a:endParaRPr lang="en-US" dirty="0"/>
+          </a:p>
+        </p:txBody>
+      </p:sp>
+      <p:sp>
+        <p:nvSpPr>
+          <p:cNvPr id="3" name="Text Placeholder 2"/>
           <p:cNvSpPr>
             <a:spLocks noGrp="1"/>
           </p:cNvSpPr>
@@ -2479,15 +4754,15 @@
         </p:nvSpPr>
         <p:spPr>
           <a:xfrm>
-            <a:off x="838200" y="1825625"/>
-            <a:ext cx="10515600" cy="4351338"/>
+            <a:off x="684212" y="685800"/>
+            <a:ext cx="8534400" cy="3615267"/>
           </a:xfrm>
           <a:prstGeom prst="rect">
             <a:avLst/>
           </a:prstGeom>
         </p:spPr>
         <p:txBody>
-          <a:bodyPr vert="horz" lIns="91440" tIns="45720" rIns="91440" bIns="45720" rtlCol="0">
+          <a:bodyPr vert="horz" lIns="91440" tIns="45720" rIns="91440" bIns="45720" rtlCol="0" anchor="ctr">
             <a:normAutofit/>
           </a:bodyPr>
           <a:lstStyle/>
@@ -2525,13 +4800,13 @@
               <a:rPr lang="pt-BR" smtClean="0"/>
               <a:t>Quinto nível</a:t>
             </a:r>
-            <a:endParaRPr lang="pt-BR"/>
-          </a:p>
-        </p:txBody>
-      </p:sp>
-      <p:sp>
-        <p:nvSpPr>
-          <p:cNvPr id="4" name="Espaço Reservado para Data 3"/>
+            <a:endParaRPr lang="en-US" dirty="0"/>
+          </a:p>
+        </p:txBody>
+      </p:sp>
+      <p:sp>
+        <p:nvSpPr>
+          <p:cNvPr id="4" name="Date Placeholder 3"/>
           <p:cNvSpPr>
             <a:spLocks noGrp="1"/>
           </p:cNvSpPr>
@@ -2541,23 +4816,25 @@
         </p:nvSpPr>
         <p:spPr>
           <a:xfrm>
-            <a:off x="838200" y="6356350"/>
-            <a:ext cx="2743200" cy="365125"/>
+            <a:off x="9904412" y="6172200"/>
+            <a:ext cx="1600200" cy="365125"/>
           </a:xfrm>
           <a:prstGeom prst="rect">
             <a:avLst/>
           </a:prstGeom>
         </p:spPr>
         <p:txBody>
-          <a:bodyPr vert="horz" lIns="91440" tIns="45720" rIns="91440" bIns="45720" rtlCol="0" anchor="ctr"/>
+          <a:bodyPr vert="horz" lIns="91440" tIns="45720" rIns="91440" bIns="45720" rtlCol="0" anchor="t"/>
           <a:lstStyle>
-            <a:lvl1pPr algn="l">
-              <a:defRPr sz="1200">
-                <a:solidFill>
-                  <a:schemeClr val="tx1">
-                    <a:tint val="75000"/>
+            <a:lvl1pPr algn="r">
+              <a:defRPr sz="1000" b="0" i="0">
+                <a:solidFill>
+                  <a:schemeClr val="bg2">
+                    <a:lumMod val="50000"/>
                   </a:schemeClr>
                 </a:solidFill>
+                <a:effectLst/>
+                <a:latin typeface="+mn-lt"/>
               </a:defRPr>
             </a:lvl1pPr>
           </a:lstStyle>
@@ -2572,7 +4849,7 @@
       </p:sp>
       <p:sp>
         <p:nvSpPr>
-          <p:cNvPr id="5" name="Espaço Reservado para Rodapé 4"/>
+          <p:cNvPr id="5" name="Footer Placeholder 4"/>
           <p:cNvSpPr>
             <a:spLocks noGrp="1"/>
           </p:cNvSpPr>
@@ -2582,23 +4859,25 @@
         </p:nvSpPr>
         <p:spPr>
           <a:xfrm>
-            <a:off x="4038600" y="6356350"/>
-            <a:ext cx="4114800" cy="365125"/>
+            <a:off x="684212" y="6172200"/>
+            <a:ext cx="7543800" cy="365125"/>
           </a:xfrm>
           <a:prstGeom prst="rect">
             <a:avLst/>
           </a:prstGeom>
         </p:spPr>
         <p:txBody>
-          <a:bodyPr vert="horz" lIns="91440" tIns="45720" rIns="91440" bIns="45720" rtlCol="0" anchor="ctr"/>
+          <a:bodyPr vert="horz" lIns="91440" tIns="45720" rIns="91440" bIns="45720" rtlCol="0" anchor="t"/>
           <a:lstStyle>
-            <a:lvl1pPr algn="ctr">
-              <a:defRPr sz="1200">
-                <a:solidFill>
-                  <a:schemeClr val="tx1">
-                    <a:tint val="75000"/>
+            <a:lvl1pPr algn="l">
+              <a:defRPr sz="1000" b="0" i="0">
+                <a:solidFill>
+                  <a:schemeClr val="bg2">
+                    <a:lumMod val="50000"/>
                   </a:schemeClr>
                 </a:solidFill>
+                <a:effectLst/>
+                <a:latin typeface="+mn-lt"/>
               </a:defRPr>
             </a:lvl1pPr>
           </a:lstStyle>
@@ -2609,7 +4888,7 @@
       </p:sp>
       <p:sp>
         <p:nvSpPr>
-          <p:cNvPr id="6" name="Espaço Reservado para Número de Slide 5"/>
+          <p:cNvPr id="6" name="Slide Number Placeholder 5"/>
           <p:cNvSpPr>
             <a:spLocks noGrp="1"/>
           </p:cNvSpPr>
@@ -2619,23 +4898,25 @@
         </p:nvSpPr>
         <p:spPr>
           <a:xfrm>
-            <a:off x="8610600" y="6356350"/>
-            <a:ext cx="2743200" cy="365125"/>
+            <a:off x="10363200" y="5578475"/>
+            <a:ext cx="1142245" cy="669925"/>
           </a:xfrm>
           <a:prstGeom prst="rect">
             <a:avLst/>
           </a:prstGeom>
         </p:spPr>
         <p:txBody>
-          <a:bodyPr vert="horz" lIns="91440" tIns="45720" rIns="91440" bIns="45720" rtlCol="0" anchor="ctr"/>
+          <a:bodyPr vert="horz" lIns="91440" tIns="45720" rIns="91440" bIns="45720" rtlCol="0" anchor="b"/>
           <a:lstStyle>
             <a:lvl1pPr algn="r">
-              <a:defRPr sz="1200">
-                <a:solidFill>
-                  <a:schemeClr val="tx1">
-                    <a:tint val="75000"/>
+              <a:defRPr sz="3200" b="0" i="0">
+                <a:solidFill>
+                  <a:schemeClr val="bg2">
+                    <a:lumMod val="50000"/>
                   </a:schemeClr>
                 </a:solidFill>
+                <a:effectLst/>
+                <a:latin typeface="+mn-lt"/>
               </a:defRPr>
             </a:lvl1pPr>
           </a:lstStyle>
@@ -2651,55 +4932,340 @@
     </p:spTree>
     <p:extLst>
       <p:ext uri="{BB962C8B-B14F-4D97-AF65-F5344CB8AC3E}">
-        <p14:creationId xmlns:p14="http://schemas.microsoft.com/office/powerpoint/2010/main" val="1780415339"/>
+        <p14:creationId xmlns:p14="http://schemas.microsoft.com/office/powerpoint/2010/main" val="3529814531"/>
       </p:ext>
     </p:extLst>
   </p:cSld>
-  <p:clrMap bg1="lt1" tx1="dk1" bg2="lt2" tx2="dk2" accent1="accent1" accent2="accent2" accent3="accent3" accent4="accent4" accent5="accent5" accent6="accent6" hlink="hlink" folHlink="folHlink"/>
+  <p:clrMap bg1="dk1" tx1="lt1" bg2="dk2" tx2="lt2" accent1="accent1" accent2="accent2" accent3="accent3" accent4="accent4" accent5="accent5" accent6="accent6" hlink="hlink" folHlink="folHlink"/>
   <p:sldLayoutIdLst>
-    <p:sldLayoutId id="2147483649" r:id="rId1"/>
-    <p:sldLayoutId id="2147483650" r:id="rId2"/>
-    <p:sldLayoutId id="2147483651" r:id="rId3"/>
-    <p:sldLayoutId id="2147483652" r:id="rId4"/>
-    <p:sldLayoutId id="2147483653" r:id="rId5"/>
-    <p:sldLayoutId id="2147483654" r:id="rId6"/>
-    <p:sldLayoutId id="2147483655" r:id="rId7"/>
-    <p:sldLayoutId id="2147483656" r:id="rId8"/>
-    <p:sldLayoutId id="2147483657" r:id="rId9"/>
-    <p:sldLayoutId id="2147483658" r:id="rId10"/>
-    <p:sldLayoutId id="2147483659" r:id="rId11"/>
+    <p:sldLayoutId id="2147483727" r:id="rId1"/>
+    <p:sldLayoutId id="2147483728" r:id="rId2"/>
+    <p:sldLayoutId id="2147483729" r:id="rId3"/>
+    <p:sldLayoutId id="2147483730" r:id="rId4"/>
+    <p:sldLayoutId id="2147483731" r:id="rId5"/>
+    <p:sldLayoutId id="2147483732" r:id="rId6"/>
+    <p:sldLayoutId id="2147483733" r:id="rId7"/>
+    <p:sldLayoutId id="2147483734" r:id="rId8"/>
+    <p:sldLayoutId id="2147483735" r:id="rId9"/>
+    <p:sldLayoutId id="2147483736" r:id="rId10"/>
+    <p:sldLayoutId id="2147483737" r:id="rId11"/>
+    <p:sldLayoutId id="2147483738" r:id="rId12"/>
+    <p:sldLayoutId id="2147483739" r:id="rId13"/>
+    <p:sldLayoutId id="2147483740" r:id="rId14"/>
+    <p:sldLayoutId id="2147483741" r:id="rId15"/>
+    <p:sldLayoutId id="2147483742" r:id="rId16"/>
+    <p:sldLayoutId id="2147483743" r:id="rId17"/>
   </p:sldLayoutIdLst>
   <p:txStyles>
     <p:titleStyle>
-      <a:lvl1pPr algn="l" defTabSz="914400" rtl="0" eaLnBrk="1" latinLnBrk="0" hangingPunct="1">
-        <a:lnSpc>
-          <a:spcPct val="90000"/>
-        </a:lnSpc>
+      <a:lvl1pPr algn="l" defTabSz="457200" rtl="0" eaLnBrk="1" latinLnBrk="0" hangingPunct="1">
         <a:spcBef>
           <a:spcPct val="0"/>
         </a:spcBef>
         <a:buNone/>
-        <a:defRPr sz="4400" kern="1200">
+        <a:defRPr sz="3600" kern="1200" cap="all">
+          <a:ln w="3175" cmpd="sng">
+            <a:noFill/>
+          </a:ln>
           <a:solidFill>
             <a:schemeClr val="tx1"/>
           </a:solidFill>
+          <a:effectLst/>
           <a:latin typeface="+mj-lt"/>
           <a:ea typeface="+mj-ea"/>
           <a:cs typeface="+mj-cs"/>
         </a:defRPr>
       </a:lvl1pPr>
+      <a:lvl2pPr eaLnBrk="1" hangingPunct="1">
+        <a:defRPr>
+          <a:solidFill>
+            <a:schemeClr val="tx2"/>
+          </a:solidFill>
+        </a:defRPr>
+      </a:lvl2pPr>
+      <a:lvl3pPr eaLnBrk="1" hangingPunct="1">
+        <a:defRPr>
+          <a:solidFill>
+            <a:schemeClr val="tx2"/>
+          </a:solidFill>
+        </a:defRPr>
+      </a:lvl3pPr>
+      <a:lvl4pPr eaLnBrk="1" hangingPunct="1">
+        <a:defRPr>
+          <a:solidFill>
+            <a:schemeClr val="tx2"/>
+          </a:solidFill>
+        </a:defRPr>
+      </a:lvl4pPr>
+      <a:lvl5pPr eaLnBrk="1" hangingPunct="1">
+        <a:defRPr>
+          <a:solidFill>
+            <a:schemeClr val="tx2"/>
+          </a:solidFill>
+        </a:defRPr>
+      </a:lvl5pPr>
+      <a:lvl6pPr eaLnBrk="1" hangingPunct="1">
+        <a:defRPr>
+          <a:solidFill>
+            <a:schemeClr val="tx2"/>
+          </a:solidFill>
+        </a:defRPr>
+      </a:lvl6pPr>
+      <a:lvl7pPr eaLnBrk="1" hangingPunct="1">
+        <a:defRPr>
+          <a:solidFill>
+            <a:schemeClr val="tx2"/>
+          </a:solidFill>
+        </a:defRPr>
+      </a:lvl7pPr>
+      <a:lvl8pPr eaLnBrk="1" hangingPunct="1">
+        <a:defRPr>
+          <a:solidFill>
+            <a:schemeClr val="tx2"/>
+          </a:solidFill>
+        </a:defRPr>
+      </a:lvl8pPr>
+      <a:lvl9pPr eaLnBrk="1" hangingPunct="1">
+        <a:defRPr>
+          <a:solidFill>
+            <a:schemeClr val="tx2"/>
+          </a:solidFill>
+        </a:defRPr>
+      </a:lvl9pPr>
     </p:titleStyle>
     <p:bodyStyle>
-      <a:lvl1pPr marL="228600" indent="-228600" algn="l" defTabSz="914400" rtl="0" eaLnBrk="1" latinLnBrk="0" hangingPunct="1">
-        <a:lnSpc>
-          <a:spcPct val="90000"/>
-        </a:lnSpc>
+      <a:lvl1pPr marL="285750" indent="-285750" algn="l" defTabSz="457200" rtl="0" eaLnBrk="1" latinLnBrk="0" hangingPunct="1">
         <a:spcBef>
-          <a:spcPts val="1000"/>
+          <a:spcPct val="20000"/>
         </a:spcBef>
-        <a:buFont typeface="Arial" panose="020B0604020202020204" pitchFamily="34" charset="0"/>
-        <a:buChar char="•"/>
-        <a:defRPr sz="2800" kern="1200">
+        <a:spcAft>
+          <a:spcPts val="600"/>
+        </a:spcAft>
+        <a:buClr>
+          <a:schemeClr val="tx1"/>
+        </a:buClr>
+        <a:buSzPct val="80000"/>
+        <a:buFont typeface="Wingdings 3" panose="05040102010807070707" pitchFamily="18" charset="2"/>
+        <a:buChar char=""/>
+        <a:defRPr sz="2000" kern="1200" cap="none">
+          <a:solidFill>
+            <a:schemeClr val="bg2">
+              <a:lumMod val="75000"/>
+            </a:schemeClr>
+          </a:solidFill>
+          <a:effectLst/>
+          <a:latin typeface="+mn-lt"/>
+          <a:ea typeface="+mn-ea"/>
+          <a:cs typeface="+mn-cs"/>
+        </a:defRPr>
+      </a:lvl1pPr>
+      <a:lvl2pPr marL="742950" indent="-285750" algn="l" defTabSz="457200" rtl="0" eaLnBrk="1" latinLnBrk="0" hangingPunct="1">
+        <a:spcBef>
+          <a:spcPct val="20000"/>
+        </a:spcBef>
+        <a:spcAft>
+          <a:spcPts val="600"/>
+        </a:spcAft>
+        <a:buClr>
+          <a:schemeClr val="tx1"/>
+        </a:buClr>
+        <a:buSzPct val="80000"/>
+        <a:buFont typeface="Wingdings 3" panose="05040102010807070707" pitchFamily="18" charset="2"/>
+        <a:buChar char=""/>
+        <a:defRPr sz="1800" kern="1200" cap="none">
+          <a:solidFill>
+            <a:schemeClr val="bg2">
+              <a:lumMod val="75000"/>
+            </a:schemeClr>
+          </a:solidFill>
+          <a:effectLst/>
+          <a:latin typeface="+mn-lt"/>
+          <a:ea typeface="+mn-ea"/>
+          <a:cs typeface="+mn-cs"/>
+        </a:defRPr>
+      </a:lvl2pPr>
+      <a:lvl3pPr marL="1200150" indent="-285750" algn="l" defTabSz="457200" rtl="0" eaLnBrk="1" latinLnBrk="0" hangingPunct="1">
+        <a:spcBef>
+          <a:spcPct val="20000"/>
+        </a:spcBef>
+        <a:spcAft>
+          <a:spcPts val="600"/>
+        </a:spcAft>
+        <a:buClr>
+          <a:schemeClr val="tx1"/>
+        </a:buClr>
+        <a:buSzPct val="80000"/>
+        <a:buFont typeface="Wingdings 3" panose="05040102010807070707" pitchFamily="18" charset="2"/>
+        <a:buChar char=""/>
+        <a:defRPr sz="1600" kern="1200" cap="none">
+          <a:solidFill>
+            <a:schemeClr val="bg2">
+              <a:lumMod val="75000"/>
+            </a:schemeClr>
+          </a:solidFill>
+          <a:effectLst/>
+          <a:latin typeface="+mn-lt"/>
+          <a:ea typeface="+mn-ea"/>
+          <a:cs typeface="+mn-cs"/>
+        </a:defRPr>
+      </a:lvl3pPr>
+      <a:lvl4pPr marL="1543050" indent="-171450" algn="l" defTabSz="457200" rtl="0" eaLnBrk="1" latinLnBrk="0" hangingPunct="1">
+        <a:spcBef>
+          <a:spcPct val="20000"/>
+        </a:spcBef>
+        <a:spcAft>
+          <a:spcPts val="600"/>
+        </a:spcAft>
+        <a:buClr>
+          <a:schemeClr val="tx1"/>
+        </a:buClr>
+        <a:buSzPct val="80000"/>
+        <a:buFont typeface="Wingdings 3" panose="05040102010807070707" pitchFamily="18" charset="2"/>
+        <a:buChar char=""/>
+        <a:defRPr sz="1400" kern="1200" cap="none">
+          <a:solidFill>
+            <a:schemeClr val="bg2">
+              <a:lumMod val="75000"/>
+            </a:schemeClr>
+          </a:solidFill>
+          <a:effectLst/>
+          <a:latin typeface="+mn-lt"/>
+          <a:ea typeface="+mn-ea"/>
+          <a:cs typeface="+mn-cs"/>
+        </a:defRPr>
+      </a:lvl4pPr>
+      <a:lvl5pPr marL="2000250" indent="-171450" algn="l" defTabSz="457200" rtl="0" eaLnBrk="1" latinLnBrk="0" hangingPunct="1">
+        <a:spcBef>
+          <a:spcPct val="20000"/>
+        </a:spcBef>
+        <a:spcAft>
+          <a:spcPts val="600"/>
+        </a:spcAft>
+        <a:buClr>
+          <a:schemeClr val="tx1"/>
+        </a:buClr>
+        <a:buSzPct val="80000"/>
+        <a:buFont typeface="Wingdings 3" panose="05040102010807070707" pitchFamily="18" charset="2"/>
+        <a:buChar char=""/>
+        <a:defRPr sz="1400" kern="1200" cap="none">
+          <a:solidFill>
+            <a:schemeClr val="bg2">
+              <a:lumMod val="75000"/>
+            </a:schemeClr>
+          </a:solidFill>
+          <a:effectLst/>
+          <a:latin typeface="+mn-lt"/>
+          <a:ea typeface="+mn-ea"/>
+          <a:cs typeface="+mn-cs"/>
+        </a:defRPr>
+      </a:lvl5pPr>
+      <a:lvl6pPr marL="2514600" indent="-228600" algn="l" defTabSz="457200" rtl="0" eaLnBrk="1" latinLnBrk="0" hangingPunct="1">
+        <a:spcBef>
+          <a:spcPct val="20000"/>
+        </a:spcBef>
+        <a:spcAft>
+          <a:spcPts val="600"/>
+        </a:spcAft>
+        <a:buClr>
+          <a:schemeClr val="tx1"/>
+        </a:buClr>
+        <a:buSzPct val="80000"/>
+        <a:buFont typeface="Wingdings 3" panose="05040102010807070707" pitchFamily="18" charset="2"/>
+        <a:buChar char=""/>
+        <a:defRPr sz="1400" kern="1200" cap="none">
+          <a:solidFill>
+            <a:schemeClr val="bg2">
+              <a:lumMod val="75000"/>
+            </a:schemeClr>
+          </a:solidFill>
+          <a:effectLst/>
+          <a:latin typeface="+mn-lt"/>
+          <a:ea typeface="+mn-ea"/>
+          <a:cs typeface="+mn-cs"/>
+        </a:defRPr>
+      </a:lvl6pPr>
+      <a:lvl7pPr marL="2971800" indent="-228600" algn="l" defTabSz="457200" rtl="0" eaLnBrk="1" latinLnBrk="0" hangingPunct="1">
+        <a:spcBef>
+          <a:spcPct val="20000"/>
+        </a:spcBef>
+        <a:spcAft>
+          <a:spcPts val="600"/>
+        </a:spcAft>
+        <a:buClr>
+          <a:schemeClr val="tx1"/>
+        </a:buClr>
+        <a:buSzPct val="80000"/>
+        <a:buFont typeface="Wingdings 3" panose="05040102010807070707" pitchFamily="18" charset="2"/>
+        <a:buChar char=""/>
+        <a:defRPr sz="1400" kern="1200" cap="none">
+          <a:solidFill>
+            <a:schemeClr val="bg2">
+              <a:lumMod val="75000"/>
+            </a:schemeClr>
+          </a:solidFill>
+          <a:effectLst/>
+          <a:latin typeface="+mn-lt"/>
+          <a:ea typeface="+mn-ea"/>
+          <a:cs typeface="+mn-cs"/>
+        </a:defRPr>
+      </a:lvl7pPr>
+      <a:lvl8pPr marL="3429000" indent="-228600" algn="l" defTabSz="457200" rtl="0" eaLnBrk="1" latinLnBrk="0" hangingPunct="1">
+        <a:spcBef>
+          <a:spcPct val="20000"/>
+        </a:spcBef>
+        <a:spcAft>
+          <a:spcPts val="600"/>
+        </a:spcAft>
+        <a:buClr>
+          <a:schemeClr val="tx1"/>
+        </a:buClr>
+        <a:buSzPct val="80000"/>
+        <a:buFont typeface="Wingdings 3" panose="05040102010807070707" pitchFamily="18" charset="2"/>
+        <a:buChar char=""/>
+        <a:defRPr sz="1400" kern="1200" cap="none">
+          <a:solidFill>
+            <a:schemeClr val="bg2">
+              <a:lumMod val="75000"/>
+            </a:schemeClr>
+          </a:solidFill>
+          <a:effectLst/>
+          <a:latin typeface="+mn-lt"/>
+          <a:ea typeface="+mn-ea"/>
+          <a:cs typeface="+mn-cs"/>
+        </a:defRPr>
+      </a:lvl8pPr>
+      <a:lvl9pPr marL="3886200" indent="-228600" algn="l" defTabSz="457200" rtl="0" eaLnBrk="1" latinLnBrk="0" hangingPunct="1">
+        <a:spcBef>
+          <a:spcPct val="20000"/>
+        </a:spcBef>
+        <a:spcAft>
+          <a:spcPts val="600"/>
+        </a:spcAft>
+        <a:buClr>
+          <a:schemeClr val="tx1"/>
+        </a:buClr>
+        <a:buSzPct val="80000"/>
+        <a:buFont typeface="Wingdings 3" panose="05040102010807070707" pitchFamily="18" charset="2"/>
+        <a:buChar char=""/>
+        <a:defRPr sz="1400" kern="1200" cap="none">
+          <a:solidFill>
+            <a:schemeClr val="bg2">
+              <a:lumMod val="75000"/>
+            </a:schemeClr>
+          </a:solidFill>
+          <a:effectLst/>
+          <a:latin typeface="+mn-lt"/>
+          <a:ea typeface="+mn-ea"/>
+          <a:cs typeface="+mn-cs"/>
+        </a:defRPr>
+      </a:lvl9pPr>
+    </p:bodyStyle>
+    <p:otherStyle>
+      <a:defPPr>
+        <a:defRPr lang="en-US"/>
+      </a:defPPr>
+      <a:lvl1pPr marL="0" algn="l" defTabSz="457200" rtl="0" eaLnBrk="1" latinLnBrk="0" hangingPunct="1">
+        <a:defRPr sz="1800" kern="1200">
           <a:solidFill>
             <a:schemeClr val="tx1"/>
           </a:solidFill>
@@ -2708,16 +5274,8 @@
           <a:cs typeface="+mn-cs"/>
         </a:defRPr>
       </a:lvl1pPr>
-      <a:lvl2pPr marL="685800" indent="-228600" algn="l" defTabSz="914400" rtl="0" eaLnBrk="1" latinLnBrk="0" hangingPunct="1">
-        <a:lnSpc>
-          <a:spcPct val="90000"/>
-        </a:lnSpc>
-        <a:spcBef>
-          <a:spcPts val="500"/>
-        </a:spcBef>
-        <a:buFont typeface="Arial" panose="020B0604020202020204" pitchFamily="34" charset="0"/>
-        <a:buChar char="•"/>
-        <a:defRPr sz="2400" kern="1200">
+      <a:lvl2pPr marL="457200" algn="l" defTabSz="457200" rtl="0" eaLnBrk="1" latinLnBrk="0" hangingPunct="1">
+        <a:defRPr sz="1800" kern="1200">
           <a:solidFill>
             <a:schemeClr val="tx1"/>
           </a:solidFill>
@@ -2726,16 +5284,8 @@
           <a:cs typeface="+mn-cs"/>
         </a:defRPr>
       </a:lvl2pPr>
-      <a:lvl3pPr marL="1143000" indent="-228600" algn="l" defTabSz="914400" rtl="0" eaLnBrk="1" latinLnBrk="0" hangingPunct="1">
-        <a:lnSpc>
-          <a:spcPct val="90000"/>
-        </a:lnSpc>
-        <a:spcBef>
-          <a:spcPts val="500"/>
-        </a:spcBef>
-        <a:buFont typeface="Arial" panose="020B0604020202020204" pitchFamily="34" charset="0"/>
-        <a:buChar char="•"/>
-        <a:defRPr sz="2000" kern="1200">
+      <a:lvl3pPr marL="914400" algn="l" defTabSz="457200" rtl="0" eaLnBrk="1" latinLnBrk="0" hangingPunct="1">
+        <a:defRPr sz="1800" kern="1200">
           <a:solidFill>
             <a:schemeClr val="tx1"/>
           </a:solidFill>
@@ -2744,15 +5294,7 @@
           <a:cs typeface="+mn-cs"/>
         </a:defRPr>
       </a:lvl3pPr>
-      <a:lvl4pPr marL="1600200" indent="-228600" algn="l" defTabSz="914400" rtl="0" eaLnBrk="1" latinLnBrk="0" hangingPunct="1">
-        <a:lnSpc>
-          <a:spcPct val="90000"/>
-        </a:lnSpc>
-        <a:spcBef>
-          <a:spcPts val="500"/>
-        </a:spcBef>
-        <a:buFont typeface="Arial" panose="020B0604020202020204" pitchFamily="34" charset="0"/>
-        <a:buChar char="•"/>
+      <a:lvl4pPr marL="1371600" algn="l" defTabSz="457200" rtl="0" eaLnBrk="1" latinLnBrk="0" hangingPunct="1">
         <a:defRPr sz="1800" kern="1200">
           <a:solidFill>
             <a:schemeClr val="tx1"/>
@@ -2762,15 +5304,7 @@
           <a:cs typeface="+mn-cs"/>
         </a:defRPr>
       </a:lvl4pPr>
-      <a:lvl5pPr marL="2057400" indent="-228600" algn="l" defTabSz="914400" rtl="0" eaLnBrk="1" latinLnBrk="0" hangingPunct="1">
-        <a:lnSpc>
-          <a:spcPct val="90000"/>
-        </a:lnSpc>
-        <a:spcBef>
-          <a:spcPts val="500"/>
-        </a:spcBef>
-        <a:buFont typeface="Arial" panose="020B0604020202020204" pitchFamily="34" charset="0"/>
-        <a:buChar char="•"/>
+      <a:lvl5pPr marL="1828800" algn="l" defTabSz="457200" rtl="0" eaLnBrk="1" latinLnBrk="0" hangingPunct="1">
         <a:defRPr sz="1800" kern="1200">
           <a:solidFill>
             <a:schemeClr val="tx1"/>
@@ -2780,15 +5314,7 @@
           <a:cs typeface="+mn-cs"/>
         </a:defRPr>
       </a:lvl5pPr>
-      <a:lvl6pPr marL="2514600" indent="-228600" algn="l" defTabSz="914400" rtl="0" eaLnBrk="1" latinLnBrk="0" hangingPunct="1">
-        <a:lnSpc>
-          <a:spcPct val="90000"/>
-        </a:lnSpc>
-        <a:spcBef>
-          <a:spcPts val="500"/>
-        </a:spcBef>
-        <a:buFont typeface="Arial" panose="020B0604020202020204" pitchFamily="34" charset="0"/>
-        <a:buChar char="•"/>
+      <a:lvl6pPr marL="2286000" algn="l" defTabSz="457200" rtl="0" eaLnBrk="1" latinLnBrk="0" hangingPunct="1">
         <a:defRPr sz="1800" kern="1200">
           <a:solidFill>
             <a:schemeClr val="tx1"/>
@@ -2798,15 +5324,7 @@
           <a:cs typeface="+mn-cs"/>
         </a:defRPr>
       </a:lvl6pPr>
-      <a:lvl7pPr marL="2971800" indent="-228600" algn="l" defTabSz="914400" rtl="0" eaLnBrk="1" latinLnBrk="0" hangingPunct="1">
-        <a:lnSpc>
-          <a:spcPct val="90000"/>
-        </a:lnSpc>
-        <a:spcBef>
-          <a:spcPts val="500"/>
-        </a:spcBef>
-        <a:buFont typeface="Arial" panose="020B0604020202020204" pitchFamily="34" charset="0"/>
-        <a:buChar char="•"/>
+      <a:lvl7pPr marL="2743200" algn="l" defTabSz="457200" rtl="0" eaLnBrk="1" latinLnBrk="0" hangingPunct="1">
         <a:defRPr sz="1800" kern="1200">
           <a:solidFill>
             <a:schemeClr val="tx1"/>
@@ -2816,15 +5334,7 @@
           <a:cs typeface="+mn-cs"/>
         </a:defRPr>
       </a:lvl7pPr>
-      <a:lvl8pPr marL="3429000" indent="-228600" algn="l" defTabSz="914400" rtl="0" eaLnBrk="1" latinLnBrk="0" hangingPunct="1">
-        <a:lnSpc>
-          <a:spcPct val="90000"/>
-        </a:lnSpc>
-        <a:spcBef>
-          <a:spcPts val="500"/>
-        </a:spcBef>
-        <a:buFont typeface="Arial" panose="020B0604020202020204" pitchFamily="34" charset="0"/>
-        <a:buChar char="•"/>
+      <a:lvl8pPr marL="3200400" algn="l" defTabSz="457200" rtl="0" eaLnBrk="1" latinLnBrk="0" hangingPunct="1">
         <a:defRPr sz="1800" kern="1200">
           <a:solidFill>
             <a:schemeClr val="tx1"/>
@@ -2834,110 +5344,7 @@
           <a:cs typeface="+mn-cs"/>
         </a:defRPr>
       </a:lvl8pPr>
-      <a:lvl9pPr marL="3886200" indent="-228600" algn="l" defTabSz="914400" rtl="0" eaLnBrk="1" latinLnBrk="0" hangingPunct="1">
-        <a:lnSpc>
-          <a:spcPct val="90000"/>
-        </a:lnSpc>
-        <a:spcBef>
-          <a:spcPts val="500"/>
-        </a:spcBef>
-        <a:buFont typeface="Arial" panose="020B0604020202020204" pitchFamily="34" charset="0"/>
-        <a:buChar char="•"/>
-        <a:defRPr sz="1800" kern="1200">
-          <a:solidFill>
-            <a:schemeClr val="tx1"/>
-          </a:solidFill>
-          <a:latin typeface="+mn-lt"/>
-          <a:ea typeface="+mn-ea"/>
-          <a:cs typeface="+mn-cs"/>
-        </a:defRPr>
-      </a:lvl9pPr>
-    </p:bodyStyle>
-    <p:otherStyle>
-      <a:defPPr>
-        <a:defRPr lang="pt-BR"/>
-      </a:defPPr>
-      <a:lvl1pPr marL="0" algn="l" defTabSz="914400" rtl="0" eaLnBrk="1" latinLnBrk="0" hangingPunct="1">
-        <a:defRPr sz="1800" kern="1200">
-          <a:solidFill>
-            <a:schemeClr val="tx1"/>
-          </a:solidFill>
-          <a:latin typeface="+mn-lt"/>
-          <a:ea typeface="+mn-ea"/>
-          <a:cs typeface="+mn-cs"/>
-        </a:defRPr>
-      </a:lvl1pPr>
-      <a:lvl2pPr marL="457200" algn="l" defTabSz="914400" rtl="0" eaLnBrk="1" latinLnBrk="0" hangingPunct="1">
-        <a:defRPr sz="1800" kern="1200">
-          <a:solidFill>
-            <a:schemeClr val="tx1"/>
-          </a:solidFill>
-          <a:latin typeface="+mn-lt"/>
-          <a:ea typeface="+mn-ea"/>
-          <a:cs typeface="+mn-cs"/>
-        </a:defRPr>
-      </a:lvl2pPr>
-      <a:lvl3pPr marL="914400" algn="l" defTabSz="914400" rtl="0" eaLnBrk="1" latinLnBrk="0" hangingPunct="1">
-        <a:defRPr sz="1800" kern="1200">
-          <a:solidFill>
-            <a:schemeClr val="tx1"/>
-          </a:solidFill>
-          <a:latin typeface="+mn-lt"/>
-          <a:ea typeface="+mn-ea"/>
-          <a:cs typeface="+mn-cs"/>
-        </a:defRPr>
-      </a:lvl3pPr>
-      <a:lvl4pPr marL="1371600" algn="l" defTabSz="914400" rtl="0" eaLnBrk="1" latinLnBrk="0" hangingPunct="1">
-        <a:defRPr sz="1800" kern="1200">
-          <a:solidFill>
-            <a:schemeClr val="tx1"/>
-          </a:solidFill>
-          <a:latin typeface="+mn-lt"/>
-          <a:ea typeface="+mn-ea"/>
-          <a:cs typeface="+mn-cs"/>
-        </a:defRPr>
-      </a:lvl4pPr>
-      <a:lvl5pPr marL="1828800" algn="l" defTabSz="914400" rtl="0" eaLnBrk="1" latinLnBrk="0" hangingPunct="1">
-        <a:defRPr sz="1800" kern="1200">
-          <a:solidFill>
-            <a:schemeClr val="tx1"/>
-          </a:solidFill>
-          <a:latin typeface="+mn-lt"/>
-          <a:ea typeface="+mn-ea"/>
-          <a:cs typeface="+mn-cs"/>
-        </a:defRPr>
-      </a:lvl5pPr>
-      <a:lvl6pPr marL="2286000" algn="l" defTabSz="914400" rtl="0" eaLnBrk="1" latinLnBrk="0" hangingPunct="1">
-        <a:defRPr sz="1800" kern="1200">
-          <a:solidFill>
-            <a:schemeClr val="tx1"/>
-          </a:solidFill>
-          <a:latin typeface="+mn-lt"/>
-          <a:ea typeface="+mn-ea"/>
-          <a:cs typeface="+mn-cs"/>
-        </a:defRPr>
-      </a:lvl6pPr>
-      <a:lvl7pPr marL="2743200" algn="l" defTabSz="914400" rtl="0" eaLnBrk="1" latinLnBrk="0" hangingPunct="1">
-        <a:defRPr sz="1800" kern="1200">
-          <a:solidFill>
-            <a:schemeClr val="tx1"/>
-          </a:solidFill>
-          <a:latin typeface="+mn-lt"/>
-          <a:ea typeface="+mn-ea"/>
-          <a:cs typeface="+mn-cs"/>
-        </a:defRPr>
-      </a:lvl7pPr>
-      <a:lvl8pPr marL="3200400" algn="l" defTabSz="914400" rtl="0" eaLnBrk="1" latinLnBrk="0" hangingPunct="1">
-        <a:defRPr sz="1800" kern="1200">
-          <a:solidFill>
-            <a:schemeClr val="tx1"/>
-          </a:solidFill>
-          <a:latin typeface="+mn-lt"/>
-          <a:ea typeface="+mn-ea"/>
-          <a:cs typeface="+mn-cs"/>
-        </a:defRPr>
-      </a:lvl8pPr>
-      <a:lvl9pPr marL="3657600" algn="l" defTabSz="914400" rtl="0" eaLnBrk="1" latinLnBrk="0" hangingPunct="1">
+      <a:lvl9pPr marL="3657600" algn="l" defTabSz="457200" rtl="0" eaLnBrk="1" latinLnBrk="0" hangingPunct="1">
         <a:defRPr sz="1800" kern="1200">
           <a:solidFill>
             <a:schemeClr val="tx1"/>
@@ -2981,7 +5388,7 @@
         </p:nvSpPr>
         <p:spPr>
           <a:xfrm>
-            <a:off x="1369453" y="605308"/>
+            <a:off x="390658" y="283336"/>
             <a:ext cx="9144000" cy="3219718"/>
           </a:xfrm>
         </p:spPr>
@@ -2991,6 +5398,7 @@
           </a:bodyPr>
           <a:lstStyle/>
           <a:p>
+            <a:pPr algn="ctr"/>
             <a:r>
               <a:rPr lang="pt-BR" sz="9600" dirty="0" smtClean="0">
                 <a:latin typeface="Algerian" panose="04020705040A02060702" pitchFamily="82" charset="0"/>
@@ -3025,8 +5433,8 @@
         </p:blipFill>
         <p:spPr>
           <a:xfrm>
-            <a:off x="7552986" y="4043966"/>
-            <a:ext cx="3909360" cy="2198597"/>
+            <a:off x="7024952" y="3825026"/>
+            <a:ext cx="4298661" cy="2417537"/>
           </a:xfrm>
           <a:prstGeom prst="rect">
             <a:avLst/>
@@ -3055,8 +5463,8 @@
         </p:blipFill>
         <p:spPr>
           <a:xfrm>
-            <a:off x="634754" y="4212527"/>
-            <a:ext cx="3705426" cy="2030036"/>
+            <a:off x="608996" y="4377146"/>
+            <a:ext cx="3898610" cy="2135873"/>
           </a:xfrm>
           <a:prstGeom prst="rect">
             <a:avLst/>
@@ -3073,6 +5481,13 @@
   <p:clrMapOvr>
     <a:masterClrMapping/>
   </p:clrMapOvr>
+  <p:timing>
+    <p:tnLst>
+      <p:par>
+        <p:cTn id="1" dur="indefinite" restart="never" nodeType="tmRoot"/>
+      </p:par>
+    </p:tnLst>
+  </p:timing>
 </p:sld>
 </file>
 
@@ -3103,19 +5518,26 @@
             <p:ph type="title"/>
           </p:nvPr>
         </p:nvSpPr>
-        <p:spPr/>
-        <p:txBody>
-          <a:bodyPr/>
+        <p:spPr>
+          <a:xfrm>
+            <a:off x="877395" y="1078485"/>
+            <a:ext cx="8534400" cy="1507067"/>
+          </a:xfrm>
+        </p:spPr>
+        <p:txBody>
+          <a:bodyPr>
+            <a:normAutofit/>
+          </a:bodyPr>
           <a:lstStyle/>
           <a:p>
             <a:pPr algn="ctr"/>
             <a:r>
-              <a:rPr lang="pt-BR" dirty="0" smtClean="0">
+              <a:rPr lang="pt-BR" sz="4000" dirty="0" smtClean="0">
                 <a:latin typeface="Algerian" panose="04020705040A02060702" pitchFamily="82" charset="0"/>
               </a:rPr>
-              <a:t>DEFINIÇÃO de banco de dados </a:t>
-            </a:r>
-            <a:endParaRPr lang="pt-BR" dirty="0">
+              <a:t>O que é banco de dados ?</a:t>
+            </a:r>
+            <a:endParaRPr lang="pt-BR" sz="4000" dirty="0">
               <a:latin typeface="Algerian" panose="04020705040A02060702" pitchFamily="82" charset="0"/>
             </a:endParaRPr>
           </a:p>
@@ -3131,7 +5553,12 @@
             <p:ph idx="1"/>
           </p:nvPr>
         </p:nvSpPr>
-        <p:spPr/>
+        <p:spPr>
+          <a:xfrm>
+            <a:off x="1611491" y="1832019"/>
+            <a:ext cx="8534400" cy="3615267"/>
+          </a:xfrm>
+        </p:spPr>
         <p:txBody>
           <a:bodyPr/>
           <a:lstStyle/>
@@ -3140,17 +5567,52 @@
               <a:buNone/>
             </a:pPr>
             <a:r>
-              <a:rPr lang="pt-BR" dirty="0"/>
+              <a:rPr lang="pt-BR" sz="2800" b="1" dirty="0"/>
               <a:t>É</a:t>
             </a:r>
             <a:r>
-              <a:rPr lang="pt-BR" dirty="0" smtClean="0"/>
+              <a:rPr lang="pt-BR" sz="2800" b="1" dirty="0" smtClean="0"/>
               <a:t> </a:t>
             </a:r>
             <a:r>
-              <a:rPr lang="pt-BR" dirty="0"/>
-              <a:t>uma coleção de dados inter-relacionados, representando informações sobre um domínio específico”, ou seja, sempre que for possível agrupar informações que se relacionam e tratam de um mesmo assunto, posso dizer que tenho um banco de dados.</a:t>
-            </a:r>
+              <a:rPr lang="pt-BR" sz="2800" b="1" dirty="0"/>
+              <a:t>uma coleção de dados inter-relacionados, representando informações sobre um domínio específico”, ou seja, sempre que for possível agrupar informações que se relacionam e tratam de um mesmo assunto, posso dizer que tenho um banco de dados</a:t>
+            </a:r>
+            <a:r>
+              <a:rPr lang="pt-BR" b="1" dirty="0"/>
+              <a:t>.</a:t>
+            </a:r>
+          </a:p>
+        </p:txBody>
+      </p:sp>
+      <p:sp>
+        <p:nvSpPr>
+          <p:cNvPr id="4" name="Retângulo 3"/>
+          <p:cNvSpPr/>
+          <p:nvPr/>
+        </p:nvSpPr>
+        <p:spPr>
+          <a:xfrm>
+            <a:off x="9504608" y="230678"/>
+            <a:ext cx="2436467" cy="400110"/>
+          </a:xfrm>
+          <a:prstGeom prst="rect">
+            <a:avLst/>
+          </a:prstGeom>
+        </p:spPr>
+        <p:txBody>
+          <a:bodyPr wrap="square">
+            <a:spAutoFit/>
+          </a:bodyPr>
+          <a:lstStyle/>
+          <a:p>
+            <a:r>
+              <a:rPr lang="pt-BR" sz="2000" dirty="0">
+                <a:latin typeface="Algerian" panose="04020705040A02060702" pitchFamily="82" charset="0"/>
+              </a:rPr>
+              <a:t>banco de dados </a:t>
+            </a:r>
+            <a:endParaRPr lang="pt-BR" sz="2000" dirty="0"/>
           </a:p>
         </p:txBody>
       </p:sp>
@@ -3164,6 +5626,13 @@
   <p:clrMapOvr>
     <a:masterClrMapping/>
   </p:clrMapOvr>
+  <p:timing>
+    <p:tnLst>
+      <p:par>
+        <p:cTn id="1" dur="indefinite" restart="never" nodeType="tmRoot"/>
+      </p:par>
+    </p:tnLst>
+  </p:timing>
 </p:sld>
 </file>
 
@@ -3194,7 +5663,12 @@
             <p:ph type="title"/>
           </p:nvPr>
         </p:nvSpPr>
-        <p:spPr/>
+        <p:spPr>
+          <a:xfrm>
+            <a:off x="671334" y="630788"/>
+            <a:ext cx="8534400" cy="1507067"/>
+          </a:xfrm>
+        </p:spPr>
         <p:txBody>
           <a:bodyPr/>
           <a:lstStyle/>
@@ -3204,7 +5678,31 @@
               <a:rPr lang="pt-BR" dirty="0" smtClean="0">
                 <a:latin typeface="Algerian" panose="04020705040A02060702" pitchFamily="82" charset="0"/>
               </a:rPr>
-              <a:t>Diferença entre tipos de dados</a:t>
+              <a:t>tipos </a:t>
+            </a:r>
+            <a:r>
+              <a:rPr lang="pt-BR" dirty="0" smtClean="0">
+                <a:latin typeface="Algerian" panose="04020705040A02060702" pitchFamily="82" charset="0"/>
+              </a:rPr>
+              <a:t>de </a:t>
+            </a:r>
+            <a:r>
+              <a:rPr lang="pt-BR" dirty="0" smtClean="0">
+                <a:latin typeface="Algerian" panose="04020705040A02060702" pitchFamily="82" charset="0"/>
+              </a:rPr>
+              <a:t>dados </a:t>
+            </a:r>
+            <a:r>
+              <a:rPr lang="pt-BR" dirty="0" err="1" smtClean="0">
+                <a:latin typeface="Algerian" panose="04020705040A02060702" pitchFamily="82" charset="0"/>
+              </a:rPr>
+              <a:t>string</a:t>
+            </a:r>
+            <a:r>
+              <a:rPr lang="pt-BR" dirty="0" smtClean="0">
+                <a:latin typeface="Algerian" panose="04020705040A02060702" pitchFamily="82" charset="0"/>
+              </a:rPr>
+              <a:t> não binários</a:t>
             </a:r>
             <a:endParaRPr lang="pt-BR" dirty="0">
               <a:latin typeface="Algerian" panose="04020705040A02060702" pitchFamily="82" charset="0"/>
@@ -3222,7 +5720,12 @@
             <p:ph idx="1"/>
           </p:nvPr>
         </p:nvSpPr>
-        <p:spPr/>
+        <p:spPr>
+          <a:xfrm>
+            <a:off x="774364" y="1716109"/>
+            <a:ext cx="8534400" cy="3615267"/>
+          </a:xfrm>
+        </p:spPr>
         <p:txBody>
           <a:bodyPr/>
           <a:lstStyle/>
@@ -3278,6 +5781,37 @@
               <a:t> – aceita qualquer tipo de caractere usado quando não se sabe o tamanho do campo</a:t>
             </a:r>
             <a:endParaRPr lang="pt-BR" dirty="0"/>
+          </a:p>
+        </p:txBody>
+      </p:sp>
+      <p:sp>
+        <p:nvSpPr>
+          <p:cNvPr id="6" name="Retângulo 5"/>
+          <p:cNvSpPr/>
+          <p:nvPr/>
+        </p:nvSpPr>
+        <p:spPr>
+          <a:xfrm>
+            <a:off x="9504608" y="230678"/>
+            <a:ext cx="2436467" cy="400110"/>
+          </a:xfrm>
+          <a:prstGeom prst="rect">
+            <a:avLst/>
+          </a:prstGeom>
+        </p:spPr>
+        <p:txBody>
+          <a:bodyPr wrap="square">
+            <a:spAutoFit/>
+          </a:bodyPr>
+          <a:lstStyle/>
+          <a:p>
+            <a:r>
+              <a:rPr lang="pt-BR" sz="2000" dirty="0">
+                <a:latin typeface="Algerian" panose="04020705040A02060702" pitchFamily="82" charset="0"/>
+              </a:rPr>
+              <a:t>banco de dados </a:t>
+            </a:r>
+            <a:endParaRPr lang="pt-BR" sz="2000" dirty="0"/>
           </a:p>
         </p:txBody>
       </p:sp>
@@ -3291,6 +5825,13 @@
   <p:clrMapOvr>
     <a:masterClrMapping/>
   </p:clrMapOvr>
+  <p:timing>
+    <p:tnLst>
+      <p:par>
+        <p:cTn id="1" dur="indefinite" restart="never" nodeType="tmRoot"/>
+      </p:par>
+    </p:tnLst>
+  </p:timing>
 </p:sld>
 </file>
 
@@ -3321,7 +5862,12 @@
             <p:ph type="title"/>
           </p:nvPr>
         </p:nvSpPr>
-        <p:spPr/>
+        <p:spPr>
+          <a:xfrm>
+            <a:off x="0" y="630788"/>
+            <a:ext cx="8534400" cy="1507067"/>
+          </a:xfrm>
+        </p:spPr>
         <p:txBody>
           <a:bodyPr/>
           <a:lstStyle/>
@@ -3331,7 +5877,19 @@
               <a:rPr lang="pt-BR" dirty="0" smtClean="0">
                 <a:latin typeface="Algerian" panose="04020705040A02060702" pitchFamily="82" charset="0"/>
               </a:rPr>
-              <a:t>Diferença entre tipos de dados</a:t>
+              <a:t>tipos </a:t>
+            </a:r>
+            <a:r>
+              <a:rPr lang="pt-BR" dirty="0" smtClean="0">
+                <a:latin typeface="Algerian" panose="04020705040A02060702" pitchFamily="82" charset="0"/>
+              </a:rPr>
+              <a:t>de </a:t>
+            </a:r>
+            <a:r>
+              <a:rPr lang="pt-BR" dirty="0" smtClean="0">
+                <a:latin typeface="Algerian" panose="04020705040A02060702" pitchFamily="82" charset="0"/>
+              </a:rPr>
+              <a:t>dados numéricos</a:t>
             </a:r>
             <a:endParaRPr lang="pt-BR" dirty="0">
               <a:latin typeface="Algerian" panose="04020705040A02060702" pitchFamily="82" charset="0"/>
@@ -3349,9 +5907,16 @@
             <p:ph idx="1"/>
           </p:nvPr>
         </p:nvSpPr>
-        <p:spPr/>
-        <p:txBody>
-          <a:bodyPr/>
+        <p:spPr>
+          <a:xfrm>
+            <a:off x="1199367" y="2141113"/>
+            <a:ext cx="8534400" cy="3615267"/>
+          </a:xfrm>
+        </p:spPr>
+        <p:txBody>
+          <a:bodyPr>
+            <a:noAutofit/>
+          </a:bodyPr>
           <a:lstStyle/>
           <a:p>
             <a:pPr marL="0" indent="0">
@@ -3491,6 +6056,37 @@
               <a:t> – é um DOUBLE com ponto flutuante</a:t>
             </a:r>
             <a:endParaRPr lang="pt-BR" dirty="0"/>
+          </a:p>
+        </p:txBody>
+      </p:sp>
+      <p:sp>
+        <p:nvSpPr>
+          <p:cNvPr id="5" name="Retângulo 4"/>
+          <p:cNvSpPr/>
+          <p:nvPr/>
+        </p:nvSpPr>
+        <p:spPr>
+          <a:xfrm>
+            <a:off x="9504608" y="230678"/>
+            <a:ext cx="2436467" cy="400110"/>
+          </a:xfrm>
+          <a:prstGeom prst="rect">
+            <a:avLst/>
+          </a:prstGeom>
+        </p:spPr>
+        <p:txBody>
+          <a:bodyPr wrap="square">
+            <a:spAutoFit/>
+          </a:bodyPr>
+          <a:lstStyle/>
+          <a:p>
+            <a:r>
+              <a:rPr lang="pt-BR" sz="2000" dirty="0">
+                <a:latin typeface="Algerian" panose="04020705040A02060702" pitchFamily="82" charset="0"/>
+              </a:rPr>
+              <a:t>banco de dados </a:t>
+            </a:r>
+            <a:endParaRPr lang="pt-BR" sz="2000" dirty="0"/>
           </a:p>
         </p:txBody>
       </p:sp>
@@ -3504,6 +6100,13 @@
   <p:clrMapOvr>
     <a:masterClrMapping/>
   </p:clrMapOvr>
+  <p:timing>
+    <p:tnLst>
+      <p:par>
+        <p:cTn id="1" dur="indefinite" restart="never" nodeType="tmRoot"/>
+      </p:par>
+    </p:tnLst>
+  </p:timing>
 </p:sld>
 </file>
 
@@ -3534,17 +6137,42 @@
             <p:ph type="title"/>
           </p:nvPr>
         </p:nvSpPr>
-        <p:spPr/>
-        <p:txBody>
-          <a:bodyPr/>
+        <p:spPr>
+          <a:xfrm>
+            <a:off x="1133341" y="601875"/>
+            <a:ext cx="8834907" cy="1056493"/>
+          </a:xfrm>
+        </p:spPr>
+        <p:txBody>
+          <a:bodyPr>
+            <a:normAutofit/>
+          </a:bodyPr>
           <a:lstStyle/>
           <a:p>
             <a:pPr algn="ctr"/>
             <a:r>
-              <a:rPr lang="pt-BR" b="1" dirty="0" smtClean="0">
+              <a:rPr lang="pt-BR" b="1" dirty="0">
                 <a:latin typeface="Algerian" panose="04020705040A02060702" pitchFamily="82" charset="0"/>
               </a:rPr>
-              <a:t>DML </a:t>
+              <a:t>DML -  Data </a:t>
+            </a:r>
+            <a:r>
+              <a:rPr lang="pt-BR" b="1" dirty="0" err="1">
+                <a:latin typeface="Algerian" panose="04020705040A02060702" pitchFamily="82" charset="0"/>
+              </a:rPr>
+              <a:t>Manipulation</a:t>
+            </a:r>
+            <a:r>
+              <a:rPr lang="pt-BR" b="1" dirty="0">
+                <a:latin typeface="Algerian" panose="04020705040A02060702" pitchFamily="82" charset="0"/>
+              </a:rPr>
+              <a:t> </a:t>
+            </a:r>
+            <a:r>
+              <a:rPr lang="pt-BR" b="1" dirty="0" err="1">
+                <a:latin typeface="Algerian" panose="04020705040A02060702" pitchFamily="82" charset="0"/>
+              </a:rPr>
+              <a:t>Language</a:t>
             </a:r>
             <a:endParaRPr lang="pt-BR" b="1" dirty="0">
               <a:latin typeface="Algerian" panose="04020705040A02060702" pitchFamily="82" charset="0"/>
@@ -3562,19 +6190,26 @@
             <p:ph idx="1"/>
           </p:nvPr>
         </p:nvSpPr>
-        <p:spPr/>
-        <p:txBody>
-          <a:bodyPr/>
+        <p:spPr>
+          <a:xfrm>
+            <a:off x="849641" y="1674253"/>
+            <a:ext cx="8534400" cy="591952"/>
+          </a:xfrm>
+        </p:spPr>
+        <p:txBody>
+          <a:bodyPr>
+            <a:normAutofit/>
+          </a:bodyPr>
           <a:lstStyle/>
           <a:p>
             <a:pPr marL="0" indent="0" algn="ctr">
               <a:buNone/>
             </a:pPr>
             <a:r>
-              <a:rPr lang="pt-BR" dirty="0" smtClean="0"/>
+              <a:rPr lang="pt-BR" sz="2800" b="1" dirty="0" smtClean="0"/>
               <a:t>É a linguagem de manipulação de dados </a:t>
             </a:r>
-            <a:endParaRPr lang="pt-BR" dirty="0"/>
+            <a:endParaRPr lang="pt-BR" sz="2800" b="1" dirty="0"/>
           </a:p>
         </p:txBody>
       </p:sp>
@@ -3593,7 +6228,7 @@
         </p:blipFill>
         <p:spPr>
           <a:xfrm>
-            <a:off x="838200" y="2575776"/>
+            <a:off x="619258" y="2796317"/>
             <a:ext cx="10604691" cy="2099256"/>
           </a:xfrm>
           <a:prstGeom prst="rect">
@@ -3601,6 +6236,37 @@
           </a:prstGeom>
         </p:spPr>
       </p:pic>
+      <p:sp>
+        <p:nvSpPr>
+          <p:cNvPr id="6" name="Retângulo 5"/>
+          <p:cNvSpPr/>
+          <p:nvPr/>
+        </p:nvSpPr>
+        <p:spPr>
+          <a:xfrm>
+            <a:off x="9832806" y="230678"/>
+            <a:ext cx="2108269" cy="369332"/>
+          </a:xfrm>
+          <a:prstGeom prst="rect">
+            <a:avLst/>
+          </a:prstGeom>
+        </p:spPr>
+        <p:txBody>
+          <a:bodyPr wrap="none">
+            <a:spAutoFit/>
+          </a:bodyPr>
+          <a:lstStyle/>
+          <a:p>
+            <a:r>
+              <a:rPr lang="pt-BR" dirty="0">
+                <a:latin typeface="Algerian" panose="04020705040A02060702" pitchFamily="82" charset="0"/>
+              </a:rPr>
+              <a:t>banco de dados </a:t>
+            </a:r>
+            <a:endParaRPr lang="pt-BR" dirty="0"/>
+          </a:p>
+        </p:txBody>
+      </p:sp>
     </p:spTree>
     <p:extLst>
       <p:ext uri="{BB962C8B-B14F-4D97-AF65-F5344CB8AC3E}">
@@ -3611,6 +6277,13 @@
   <p:clrMapOvr>
     <a:masterClrMapping/>
   </p:clrMapOvr>
+  <p:timing>
+    <p:tnLst>
+      <p:par>
+        <p:cTn id="1" dur="indefinite" restart="never" nodeType="tmRoot"/>
+      </p:par>
+    </p:tnLst>
+  </p:timing>
 </p:sld>
 </file>
 
@@ -3641,9 +6314,16 @@
             <p:ph type="title"/>
           </p:nvPr>
         </p:nvSpPr>
-        <p:spPr/>
-        <p:txBody>
-          <a:bodyPr/>
+        <p:spPr>
+          <a:xfrm>
+            <a:off x="957700" y="592532"/>
+            <a:ext cx="7493873" cy="880932"/>
+          </a:xfrm>
+        </p:spPr>
+        <p:txBody>
+          <a:bodyPr>
+            <a:normAutofit fontScale="90000"/>
+          </a:bodyPr>
           <a:lstStyle/>
           <a:p>
             <a:pPr algn="ctr"/>
@@ -3659,6 +6339,30 @@
               </a:rPr>
               <a:t> </a:t>
             </a:r>
+            <a:r>
+              <a:rPr lang="pt-BR" b="1" dirty="0">
+                <a:latin typeface="Algerian" panose="04020705040A02060702" pitchFamily="82" charset="0"/>
+              </a:rPr>
+              <a:t>-   Data </a:t>
+            </a:r>
+            <a:r>
+              <a:rPr lang="pt-BR" b="1" dirty="0" err="1">
+                <a:latin typeface="Algerian" panose="04020705040A02060702" pitchFamily="82" charset="0"/>
+              </a:rPr>
+              <a:t>Definition</a:t>
+            </a:r>
+            <a:r>
+              <a:rPr lang="pt-BR" b="1" dirty="0">
+                <a:latin typeface="Algerian" panose="04020705040A02060702" pitchFamily="82" charset="0"/>
+              </a:rPr>
+              <a:t> </a:t>
+            </a:r>
+            <a:r>
+              <a:rPr lang="pt-BR" b="1" dirty="0" err="1">
+                <a:latin typeface="Algerian" panose="04020705040A02060702" pitchFamily="82" charset="0"/>
+              </a:rPr>
+              <a:t>Language</a:t>
+            </a:r>
             <a:endParaRPr lang="pt-BR" b="1" dirty="0">
               <a:latin typeface="Algerian" panose="04020705040A02060702" pitchFamily="82" charset="0"/>
             </a:endParaRPr>
@@ -3675,7 +6379,12 @@
             <p:ph idx="1"/>
           </p:nvPr>
         </p:nvSpPr>
-        <p:spPr/>
+        <p:spPr>
+          <a:xfrm>
+            <a:off x="459717" y="1296276"/>
+            <a:ext cx="10427223" cy="1561087"/>
+          </a:xfrm>
+        </p:spPr>
         <p:txBody>
           <a:bodyPr/>
           <a:lstStyle/>
@@ -3684,10 +6393,10 @@
               <a:buNone/>
             </a:pPr>
             <a:r>
-              <a:rPr lang="pt-BR" dirty="0" smtClean="0"/>
+              <a:rPr lang="pt-BR" b="1" dirty="0" smtClean="0"/>
               <a:t>É a linguagem de definição de dados onde será montado as estruturas e tabelas de dados </a:t>
             </a:r>
-            <a:endParaRPr lang="pt-BR" dirty="0"/>
+            <a:endParaRPr lang="pt-BR" b="1" dirty="0"/>
           </a:p>
         </p:txBody>
       </p:sp>
@@ -3706,7 +6415,7 @@
         </p:blipFill>
         <p:spPr>
           <a:xfrm>
-            <a:off x="2899986" y="3258355"/>
+            <a:off x="1367400" y="2959757"/>
             <a:ext cx="6674474" cy="2299673"/>
           </a:xfrm>
           <a:prstGeom prst="rect">
@@ -3714,6 +6423,37 @@
           </a:prstGeom>
         </p:spPr>
       </p:pic>
+      <p:sp>
+        <p:nvSpPr>
+          <p:cNvPr id="5" name="Retângulo 4"/>
+          <p:cNvSpPr/>
+          <p:nvPr/>
+        </p:nvSpPr>
+        <p:spPr>
+          <a:xfrm>
+            <a:off x="9832806" y="230678"/>
+            <a:ext cx="2108269" cy="369332"/>
+          </a:xfrm>
+          <a:prstGeom prst="rect">
+            <a:avLst/>
+          </a:prstGeom>
+        </p:spPr>
+        <p:txBody>
+          <a:bodyPr wrap="none">
+            <a:spAutoFit/>
+          </a:bodyPr>
+          <a:lstStyle/>
+          <a:p>
+            <a:r>
+              <a:rPr lang="pt-BR" dirty="0">
+                <a:latin typeface="Algerian" panose="04020705040A02060702" pitchFamily="82" charset="0"/>
+              </a:rPr>
+              <a:t>banco de dados </a:t>
+            </a:r>
+            <a:endParaRPr lang="pt-BR" dirty="0"/>
+          </a:p>
+        </p:txBody>
+      </p:sp>
     </p:spTree>
     <p:extLst>
       <p:ext uri="{BB962C8B-B14F-4D97-AF65-F5344CB8AC3E}">
@@ -3724,13 +6464,911 @@
   <p:clrMapOvr>
     <a:masterClrMapping/>
   </p:clrMapOvr>
+  <p:timing>
+    <p:tnLst>
+      <p:par>
+        <p:cTn id="1" dur="indefinite" restart="never" nodeType="tmRoot"/>
+      </p:par>
+    </p:tnLst>
+  </p:timing>
+</p:sld>
+</file>
+
+<file path=ppt/slides/slide7.xml><?xml version="1.0" encoding="utf-8"?>
+<p:sld xmlns:a="http://schemas.openxmlformats.org/drawingml/2006/main" xmlns:r="http://schemas.openxmlformats.org/officeDocument/2006/relationships" xmlns:p="http://schemas.openxmlformats.org/presentationml/2006/main">
+  <p:cSld>
+    <p:spTree>
+      <p:nvGrpSpPr>
+        <p:cNvPr id="1" name=""/>
+        <p:cNvGrpSpPr/>
+        <p:nvPr/>
+      </p:nvGrpSpPr>
+      <p:grpSpPr>
+        <a:xfrm>
+          <a:off x="0" y="0"/>
+          <a:ext cx="0" cy="0"/>
+          <a:chOff x="0" y="0"/>
+          <a:chExt cx="0" cy="0"/>
+        </a:xfrm>
+      </p:grpSpPr>
+      <p:sp>
+        <p:nvSpPr>
+          <p:cNvPr id="2" name="Título 1"/>
+          <p:cNvSpPr>
+            <a:spLocks noGrp="1"/>
+          </p:cNvSpPr>
+          <p:nvPr>
+            <p:ph type="title"/>
+          </p:nvPr>
+        </p:nvSpPr>
+        <p:spPr>
+          <a:xfrm>
+            <a:off x="-1270345" y="344320"/>
+            <a:ext cx="7493873" cy="880932"/>
+          </a:xfrm>
+        </p:spPr>
+        <p:txBody>
+          <a:bodyPr>
+            <a:normAutofit/>
+          </a:bodyPr>
+          <a:lstStyle/>
+          <a:p>
+            <a:pPr algn="ctr"/>
+            <a:r>
+              <a:rPr lang="pt-BR" sz="3200" b="1" dirty="0" err="1" smtClean="0">
+                <a:latin typeface="Algerian" panose="04020705040A02060702" pitchFamily="82" charset="0"/>
+              </a:rPr>
+              <a:t>Primary</a:t>
+            </a:r>
+            <a:r>
+              <a:rPr lang="pt-BR" sz="3200" b="1" dirty="0" smtClean="0">
+                <a:latin typeface="Algerian" panose="04020705040A02060702" pitchFamily="82" charset="0"/>
+              </a:rPr>
+              <a:t> </a:t>
+            </a:r>
+            <a:r>
+              <a:rPr lang="pt-BR" sz="3200" b="1" dirty="0" err="1" smtClean="0">
+                <a:latin typeface="Algerian" panose="04020705040A02060702" pitchFamily="82" charset="0"/>
+              </a:rPr>
+              <a:t>key</a:t>
+            </a:r>
+            <a:endParaRPr lang="pt-BR" sz="3200" b="1" dirty="0">
+              <a:latin typeface="Algerian" panose="04020705040A02060702" pitchFamily="82" charset="0"/>
+            </a:endParaRPr>
+          </a:p>
+        </p:txBody>
+      </p:sp>
+      <p:sp>
+        <p:nvSpPr>
+          <p:cNvPr id="3" name="Espaço Reservado para Conteúdo 2"/>
+          <p:cNvSpPr>
+            <a:spLocks noGrp="1"/>
+          </p:cNvSpPr>
+          <p:nvPr>
+            <p:ph idx="1"/>
+          </p:nvPr>
+        </p:nvSpPr>
+        <p:spPr>
+          <a:xfrm>
+            <a:off x="330927" y="1204752"/>
+            <a:ext cx="10427223" cy="2127759"/>
+          </a:xfrm>
+        </p:spPr>
+        <p:txBody>
+          <a:bodyPr>
+            <a:noAutofit/>
+          </a:bodyPr>
+          <a:lstStyle/>
+          <a:p>
+            <a:pPr marL="0" indent="0" algn="ctr">
+              <a:buNone/>
+            </a:pPr>
+            <a:r>
+              <a:rPr lang="pt-BR" sz="2400" b="1" dirty="0"/>
+              <a:t>É</a:t>
+            </a:r>
+            <a:r>
+              <a:rPr lang="pt-BR" sz="2400" b="1" dirty="0" smtClean="0"/>
+              <a:t> </a:t>
+            </a:r>
+            <a:r>
+              <a:rPr lang="pt-BR" sz="2400" b="1" dirty="0"/>
+              <a:t>o dado que você precisa para controle do acesso às linhas da tabelas. Ela deve ser única e por isso não pode ter valor nulo </a:t>
+            </a:r>
+            <a:r>
+              <a:rPr lang="pt-BR" sz="2400" b="1" dirty="0" smtClean="0"/>
+              <a:t>.Ela </a:t>
+            </a:r>
+            <a:r>
+              <a:rPr lang="pt-BR" sz="2400" b="1" dirty="0"/>
+              <a:t>dá a identidade para a linha, é por ela que você pode confiar que sempre será usada para acesso direto à linha desejada. É comum que seja usado um identificador numérico sequencial para isso</a:t>
+            </a:r>
+            <a:endParaRPr lang="pt-BR" sz="2400" b="1" dirty="0"/>
+          </a:p>
+        </p:txBody>
+      </p:sp>
+      <p:sp>
+        <p:nvSpPr>
+          <p:cNvPr id="5" name="Retângulo 4"/>
+          <p:cNvSpPr/>
+          <p:nvPr/>
+        </p:nvSpPr>
+        <p:spPr>
+          <a:xfrm>
+            <a:off x="9832806" y="230678"/>
+            <a:ext cx="2108269" cy="369332"/>
+          </a:xfrm>
+          <a:prstGeom prst="rect">
+            <a:avLst/>
+          </a:prstGeom>
+        </p:spPr>
+        <p:txBody>
+          <a:bodyPr wrap="none">
+            <a:spAutoFit/>
+          </a:bodyPr>
+          <a:lstStyle/>
+          <a:p>
+            <a:r>
+              <a:rPr lang="pt-BR" dirty="0">
+                <a:latin typeface="Algerian" panose="04020705040A02060702" pitchFamily="82" charset="0"/>
+              </a:rPr>
+              <a:t>banco de dados </a:t>
+            </a:r>
+            <a:endParaRPr lang="pt-BR" dirty="0"/>
+          </a:p>
+        </p:txBody>
+      </p:sp>
+      <p:sp>
+        <p:nvSpPr>
+          <p:cNvPr id="6" name="Retângulo 5"/>
+          <p:cNvSpPr/>
+          <p:nvPr/>
+        </p:nvSpPr>
+        <p:spPr>
+          <a:xfrm>
+            <a:off x="532510" y="4192943"/>
+            <a:ext cx="10024055" cy="1938992"/>
+          </a:xfrm>
+          <a:prstGeom prst="rect">
+            <a:avLst/>
+          </a:prstGeom>
+        </p:spPr>
+        <p:txBody>
+          <a:bodyPr wrap="square">
+            <a:spAutoFit/>
+          </a:bodyPr>
+          <a:lstStyle/>
+          <a:p>
+            <a:r>
+              <a:rPr lang="pt-BR" sz="2400" b="1" dirty="0" smtClean="0">
+                <a:solidFill>
+                  <a:schemeClr val="bg2">
+                    <a:lumMod val="75000"/>
+                  </a:schemeClr>
+                </a:solidFill>
+              </a:rPr>
+              <a:t>É </a:t>
+            </a:r>
+            <a:r>
+              <a:rPr lang="pt-BR" sz="2400" b="1" dirty="0">
+                <a:solidFill>
+                  <a:schemeClr val="bg2">
+                    <a:lumMod val="75000"/>
+                  </a:schemeClr>
+                </a:solidFill>
+              </a:rPr>
+              <a:t>usada para relacionamento com outra tabela. Em boa parte dos casos ela será a chave primária de outra tabela. Por isso pode ser nula (não tem relacionamento) ou duplicata (mais de um item em uma tabela se relaciona com o mesmo item de outra tabela</a:t>
+            </a:r>
+            <a:r>
+              <a:rPr lang="pt-BR" sz="2400" b="1" dirty="0" smtClean="0">
+                <a:solidFill>
+                  <a:schemeClr val="bg2">
+                    <a:lumMod val="75000"/>
+                  </a:schemeClr>
+                </a:solidFill>
+              </a:rPr>
+              <a:t>).</a:t>
+            </a:r>
+            <a:endParaRPr lang="pt-BR" sz="2400" b="1" dirty="0">
+              <a:solidFill>
+                <a:schemeClr val="bg2">
+                  <a:lumMod val="75000"/>
+                </a:schemeClr>
+              </a:solidFill>
+            </a:endParaRPr>
+          </a:p>
+        </p:txBody>
+      </p:sp>
+      <p:sp>
+        <p:nvSpPr>
+          <p:cNvPr id="7" name="Título 1"/>
+          <p:cNvSpPr txBox="1">
+            <a:spLocks/>
+          </p:cNvSpPr>
+          <p:nvPr/>
+        </p:nvSpPr>
+        <p:spPr>
+          <a:xfrm>
+            <a:off x="532510" y="3496787"/>
+            <a:ext cx="7456868" cy="880932"/>
+          </a:xfrm>
+          <a:prstGeom prst="rect">
+            <a:avLst/>
+          </a:prstGeom>
+          <a:effectLst/>
+        </p:spPr>
+        <p:txBody>
+          <a:bodyPr vert="horz" lIns="91440" tIns="45720" rIns="91440" bIns="45720" rtlCol="0" anchor="ctr">
+            <a:normAutofit/>
+          </a:bodyPr>
+          <a:lstStyle>
+            <a:lvl1pPr algn="l" defTabSz="457200" rtl="0" eaLnBrk="1" latinLnBrk="0" hangingPunct="1">
+              <a:spcBef>
+                <a:spcPct val="0"/>
+              </a:spcBef>
+              <a:buNone/>
+              <a:defRPr sz="3600" kern="1200" cap="all">
+                <a:ln w="3175" cmpd="sng">
+                  <a:noFill/>
+                </a:ln>
+                <a:solidFill>
+                  <a:schemeClr val="tx1"/>
+                </a:solidFill>
+                <a:effectLst/>
+                <a:latin typeface="+mj-lt"/>
+                <a:ea typeface="+mj-ea"/>
+                <a:cs typeface="+mj-cs"/>
+              </a:defRPr>
+            </a:lvl1pPr>
+            <a:lvl2pPr eaLnBrk="1" hangingPunct="1">
+              <a:defRPr>
+                <a:solidFill>
+                  <a:schemeClr val="tx2"/>
+                </a:solidFill>
+              </a:defRPr>
+            </a:lvl2pPr>
+            <a:lvl3pPr eaLnBrk="1" hangingPunct="1">
+              <a:defRPr>
+                <a:solidFill>
+                  <a:schemeClr val="tx2"/>
+                </a:solidFill>
+              </a:defRPr>
+            </a:lvl3pPr>
+            <a:lvl4pPr eaLnBrk="1" hangingPunct="1">
+              <a:defRPr>
+                <a:solidFill>
+                  <a:schemeClr val="tx2"/>
+                </a:solidFill>
+              </a:defRPr>
+            </a:lvl4pPr>
+            <a:lvl5pPr eaLnBrk="1" hangingPunct="1">
+              <a:defRPr>
+                <a:solidFill>
+                  <a:schemeClr val="tx2"/>
+                </a:solidFill>
+              </a:defRPr>
+            </a:lvl5pPr>
+            <a:lvl6pPr eaLnBrk="1" hangingPunct="1">
+              <a:defRPr>
+                <a:solidFill>
+                  <a:schemeClr val="tx2"/>
+                </a:solidFill>
+              </a:defRPr>
+            </a:lvl6pPr>
+            <a:lvl7pPr eaLnBrk="1" hangingPunct="1">
+              <a:defRPr>
+                <a:solidFill>
+                  <a:schemeClr val="tx2"/>
+                </a:solidFill>
+              </a:defRPr>
+            </a:lvl7pPr>
+            <a:lvl8pPr eaLnBrk="1" hangingPunct="1">
+              <a:defRPr>
+                <a:solidFill>
+                  <a:schemeClr val="tx2"/>
+                </a:solidFill>
+              </a:defRPr>
+            </a:lvl8pPr>
+            <a:lvl9pPr eaLnBrk="1" hangingPunct="1">
+              <a:defRPr>
+                <a:solidFill>
+                  <a:schemeClr val="tx2"/>
+                </a:solidFill>
+              </a:defRPr>
+            </a:lvl9pPr>
+          </a:lstStyle>
+          <a:p>
+            <a:pPr algn="ctr"/>
+            <a:r>
+              <a:rPr lang="pt-BR" sz="3200" b="1" dirty="0" err="1" smtClean="0">
+                <a:latin typeface="Algerian" panose="04020705040A02060702" pitchFamily="82" charset="0"/>
+              </a:rPr>
+              <a:t>foreign</a:t>
+            </a:r>
+            <a:r>
+              <a:rPr lang="pt-BR" sz="3200" b="1" dirty="0" smtClean="0">
+                <a:latin typeface="Algerian" panose="04020705040A02060702" pitchFamily="82" charset="0"/>
+              </a:rPr>
+              <a:t> </a:t>
+            </a:r>
+            <a:r>
+              <a:rPr lang="pt-BR" sz="3200" b="1" dirty="0" err="1" smtClean="0">
+                <a:latin typeface="Algerian" panose="04020705040A02060702" pitchFamily="82" charset="0"/>
+              </a:rPr>
+              <a:t>key</a:t>
+            </a:r>
+            <a:r>
+              <a:rPr lang="pt-BR" sz="3200" b="1" dirty="0">
+                <a:latin typeface="Algerian" panose="04020705040A02060702" pitchFamily="82" charset="0"/>
+              </a:rPr>
+              <a:t> </a:t>
+            </a:r>
+            <a:r>
+              <a:rPr lang="pt-BR" sz="3200" b="1" dirty="0" smtClean="0">
+                <a:latin typeface="Algerian" panose="04020705040A02060702" pitchFamily="82" charset="0"/>
+              </a:rPr>
+              <a:t>(chave estrangeira)</a:t>
+            </a:r>
+            <a:endParaRPr lang="pt-BR" sz="3200" b="1" dirty="0">
+              <a:latin typeface="Algerian" panose="04020705040A02060702" pitchFamily="82" charset="0"/>
+            </a:endParaRPr>
+          </a:p>
+        </p:txBody>
+      </p:sp>
+    </p:spTree>
+    <p:extLst>
+      <p:ext uri="{BB962C8B-B14F-4D97-AF65-F5344CB8AC3E}">
+        <p14:creationId xmlns:p14="http://schemas.microsoft.com/office/powerpoint/2010/main" val="3466470946"/>
+      </p:ext>
+    </p:extLst>
+  </p:cSld>
+  <p:clrMapOvr>
+    <a:masterClrMapping/>
+  </p:clrMapOvr>
+  <p:timing>
+    <p:tnLst>
+      <p:par>
+        <p:cTn id="1" dur="indefinite" restart="never" nodeType="tmRoot"/>
+      </p:par>
+    </p:tnLst>
+  </p:timing>
+</p:sld>
+</file>
+
+<file path=ppt/slides/slide8.xml><?xml version="1.0" encoding="utf-8"?>
+<p:sld xmlns:a="http://schemas.openxmlformats.org/drawingml/2006/main" xmlns:r="http://schemas.openxmlformats.org/officeDocument/2006/relationships" xmlns:p="http://schemas.openxmlformats.org/presentationml/2006/main">
+  <p:cSld>
+    <p:spTree>
+      <p:nvGrpSpPr>
+        <p:cNvPr id="1" name=""/>
+        <p:cNvGrpSpPr/>
+        <p:nvPr/>
+      </p:nvGrpSpPr>
+      <p:grpSpPr>
+        <a:xfrm>
+          <a:off x="0" y="0"/>
+          <a:ext cx="0" cy="0"/>
+          <a:chOff x="0" y="0"/>
+          <a:chExt cx="0" cy="0"/>
+        </a:xfrm>
+      </p:grpSpPr>
+      <p:sp>
+        <p:nvSpPr>
+          <p:cNvPr id="2" name="Título 1"/>
+          <p:cNvSpPr>
+            <a:spLocks noGrp="1"/>
+          </p:cNvSpPr>
+          <p:nvPr>
+            <p:ph type="title"/>
+          </p:nvPr>
+        </p:nvSpPr>
+        <p:spPr>
+          <a:xfrm>
+            <a:off x="0" y="1468869"/>
+            <a:ext cx="7493873" cy="880932"/>
+          </a:xfrm>
+        </p:spPr>
+        <p:txBody>
+          <a:bodyPr>
+            <a:normAutofit/>
+          </a:bodyPr>
+          <a:lstStyle/>
+          <a:p>
+            <a:pPr algn="ctr"/>
+            <a:r>
+              <a:rPr lang="pt-BR" sz="3200" b="1" dirty="0" err="1" smtClean="0">
+                <a:latin typeface="Algerian" panose="04020705040A02060702" pitchFamily="82" charset="0"/>
+              </a:rPr>
+              <a:t>Identity</a:t>
+            </a:r>
+            <a:r>
+              <a:rPr lang="pt-BR" sz="3200" b="1" dirty="0" smtClean="0">
+                <a:latin typeface="Algerian" panose="04020705040A02060702" pitchFamily="82" charset="0"/>
+              </a:rPr>
+              <a:t> (auto incremento)</a:t>
+            </a:r>
+            <a:endParaRPr lang="pt-BR" sz="3200" b="1" dirty="0">
+              <a:latin typeface="Algerian" panose="04020705040A02060702" pitchFamily="82" charset="0"/>
+            </a:endParaRPr>
+          </a:p>
+        </p:txBody>
+      </p:sp>
+      <p:sp>
+        <p:nvSpPr>
+          <p:cNvPr id="3" name="Espaço Reservado para Conteúdo 2"/>
+          <p:cNvSpPr>
+            <a:spLocks noGrp="1"/>
+          </p:cNvSpPr>
+          <p:nvPr>
+            <p:ph idx="1"/>
+          </p:nvPr>
+        </p:nvSpPr>
+        <p:spPr>
+          <a:xfrm>
+            <a:off x="459717" y="2432907"/>
+            <a:ext cx="10427223" cy="2127759"/>
+          </a:xfrm>
+        </p:spPr>
+        <p:txBody>
+          <a:bodyPr>
+            <a:noAutofit/>
+          </a:bodyPr>
+          <a:lstStyle/>
+          <a:p>
+            <a:pPr marL="0" indent="0" algn="ctr">
+              <a:buNone/>
+            </a:pPr>
+            <a:r>
+              <a:rPr lang="pt-BR" sz="2400" b="1" dirty="0"/>
+              <a:t>IDENTITY é utilizada para atributos (campos/colunas) das tabelas nas funções CREATE TABLE e ALTER TABLE, e tem como finalidade incrementar um valor a cada nova inserção</a:t>
+            </a:r>
+            <a:r>
+              <a:rPr lang="pt-BR" sz="2400" b="1" dirty="0" smtClean="0"/>
+              <a:t>.</a:t>
+            </a:r>
+          </a:p>
+          <a:p>
+            <a:pPr marL="0" indent="0" algn="ctr">
+              <a:buNone/>
+            </a:pPr>
+            <a:r>
+              <a:rPr lang="pt-BR" sz="2400" b="1" u="sng" dirty="0"/>
+              <a:t>Nota</a:t>
+            </a:r>
+            <a:r>
+              <a:rPr lang="pt-BR" sz="2400" b="1" dirty="0"/>
+              <a:t>: É permitido somente um campo IDENTITY por tabela.</a:t>
+            </a:r>
+            <a:endParaRPr lang="pt-BR" sz="2400" b="1" dirty="0"/>
+          </a:p>
+        </p:txBody>
+      </p:sp>
+      <p:sp>
+        <p:nvSpPr>
+          <p:cNvPr id="5" name="Retângulo 4"/>
+          <p:cNvSpPr/>
+          <p:nvPr/>
+        </p:nvSpPr>
+        <p:spPr>
+          <a:xfrm>
+            <a:off x="9832806" y="230678"/>
+            <a:ext cx="2108269" cy="369332"/>
+          </a:xfrm>
+          <a:prstGeom prst="rect">
+            <a:avLst/>
+          </a:prstGeom>
+        </p:spPr>
+        <p:txBody>
+          <a:bodyPr wrap="none">
+            <a:spAutoFit/>
+          </a:bodyPr>
+          <a:lstStyle/>
+          <a:p>
+            <a:r>
+              <a:rPr lang="pt-BR" dirty="0">
+                <a:latin typeface="Algerian" panose="04020705040A02060702" pitchFamily="82" charset="0"/>
+              </a:rPr>
+              <a:t>banco de dados </a:t>
+            </a:r>
+            <a:endParaRPr lang="pt-BR" dirty="0"/>
+          </a:p>
+        </p:txBody>
+      </p:sp>
+      <p:sp>
+        <p:nvSpPr>
+          <p:cNvPr id="7" name="Título 1"/>
+          <p:cNvSpPr txBox="1">
+            <a:spLocks/>
+          </p:cNvSpPr>
+          <p:nvPr/>
+        </p:nvSpPr>
+        <p:spPr>
+          <a:xfrm>
+            <a:off x="532510" y="3496787"/>
+            <a:ext cx="7456868" cy="880932"/>
+          </a:xfrm>
+          <a:prstGeom prst="rect">
+            <a:avLst/>
+          </a:prstGeom>
+          <a:effectLst/>
+        </p:spPr>
+        <p:txBody>
+          <a:bodyPr vert="horz" lIns="91440" tIns="45720" rIns="91440" bIns="45720" rtlCol="0" anchor="ctr">
+            <a:normAutofit/>
+          </a:bodyPr>
+          <a:lstStyle>
+            <a:lvl1pPr algn="l" defTabSz="457200" rtl="0" eaLnBrk="1" latinLnBrk="0" hangingPunct="1">
+              <a:spcBef>
+                <a:spcPct val="0"/>
+              </a:spcBef>
+              <a:buNone/>
+              <a:defRPr sz="3600" kern="1200" cap="all">
+                <a:ln w="3175" cmpd="sng">
+                  <a:noFill/>
+                </a:ln>
+                <a:solidFill>
+                  <a:schemeClr val="tx1"/>
+                </a:solidFill>
+                <a:effectLst/>
+                <a:latin typeface="+mj-lt"/>
+                <a:ea typeface="+mj-ea"/>
+                <a:cs typeface="+mj-cs"/>
+              </a:defRPr>
+            </a:lvl1pPr>
+            <a:lvl2pPr eaLnBrk="1" hangingPunct="1">
+              <a:defRPr>
+                <a:solidFill>
+                  <a:schemeClr val="tx2"/>
+                </a:solidFill>
+              </a:defRPr>
+            </a:lvl2pPr>
+            <a:lvl3pPr eaLnBrk="1" hangingPunct="1">
+              <a:defRPr>
+                <a:solidFill>
+                  <a:schemeClr val="tx2"/>
+                </a:solidFill>
+              </a:defRPr>
+            </a:lvl3pPr>
+            <a:lvl4pPr eaLnBrk="1" hangingPunct="1">
+              <a:defRPr>
+                <a:solidFill>
+                  <a:schemeClr val="tx2"/>
+                </a:solidFill>
+              </a:defRPr>
+            </a:lvl4pPr>
+            <a:lvl5pPr eaLnBrk="1" hangingPunct="1">
+              <a:defRPr>
+                <a:solidFill>
+                  <a:schemeClr val="tx2"/>
+                </a:solidFill>
+              </a:defRPr>
+            </a:lvl5pPr>
+            <a:lvl6pPr eaLnBrk="1" hangingPunct="1">
+              <a:defRPr>
+                <a:solidFill>
+                  <a:schemeClr val="tx2"/>
+                </a:solidFill>
+              </a:defRPr>
+            </a:lvl6pPr>
+            <a:lvl7pPr eaLnBrk="1" hangingPunct="1">
+              <a:defRPr>
+                <a:solidFill>
+                  <a:schemeClr val="tx2"/>
+                </a:solidFill>
+              </a:defRPr>
+            </a:lvl7pPr>
+            <a:lvl8pPr eaLnBrk="1" hangingPunct="1">
+              <a:defRPr>
+                <a:solidFill>
+                  <a:schemeClr val="tx2"/>
+                </a:solidFill>
+              </a:defRPr>
+            </a:lvl8pPr>
+            <a:lvl9pPr eaLnBrk="1" hangingPunct="1">
+              <a:defRPr>
+                <a:solidFill>
+                  <a:schemeClr val="tx2"/>
+                </a:solidFill>
+              </a:defRPr>
+            </a:lvl9pPr>
+          </a:lstStyle>
+          <a:p>
+            <a:pPr algn="ctr"/>
+            <a:endParaRPr lang="pt-BR" sz="3200" b="1" dirty="0">
+              <a:latin typeface="Algerian" panose="04020705040A02060702" pitchFamily="82" charset="0"/>
+            </a:endParaRPr>
+          </a:p>
+        </p:txBody>
+      </p:sp>
+    </p:spTree>
+    <p:extLst>
+      <p:ext uri="{BB962C8B-B14F-4D97-AF65-F5344CB8AC3E}">
+        <p14:creationId xmlns:p14="http://schemas.microsoft.com/office/powerpoint/2010/main" val="2763114456"/>
+      </p:ext>
+    </p:extLst>
+  </p:cSld>
+  <p:clrMapOvr>
+    <a:masterClrMapping/>
+  </p:clrMapOvr>
+  <p:timing>
+    <p:tnLst>
+      <p:par>
+        <p:cTn id="1" dur="indefinite" restart="never" nodeType="tmRoot"/>
+      </p:par>
+    </p:tnLst>
+  </p:timing>
+</p:sld>
+</file>
+
+<file path=ppt/slides/slide9.xml><?xml version="1.0" encoding="utf-8"?>
+<p:sld xmlns:a="http://schemas.openxmlformats.org/drawingml/2006/main" xmlns:r="http://schemas.openxmlformats.org/officeDocument/2006/relationships" xmlns:p="http://schemas.openxmlformats.org/presentationml/2006/main">
+  <p:cSld>
+    <p:spTree>
+      <p:nvGrpSpPr>
+        <p:cNvPr id="1" name=""/>
+        <p:cNvGrpSpPr/>
+        <p:nvPr/>
+      </p:nvGrpSpPr>
+      <p:grpSpPr>
+        <a:xfrm>
+          <a:off x="0" y="0"/>
+          <a:ext cx="0" cy="0"/>
+          <a:chOff x="0" y="0"/>
+          <a:chExt cx="0" cy="0"/>
+        </a:xfrm>
+      </p:grpSpPr>
+      <p:pic>
+        <p:nvPicPr>
+          <p:cNvPr id="4" name="Imagem 3"/>
+          <p:cNvPicPr>
+            <a:picLocks noChangeAspect="1"/>
+          </p:cNvPicPr>
+          <p:nvPr/>
+        </p:nvPicPr>
+        <p:blipFill rotWithShape="1">
+          <a:blip r:embed="rId2"/>
+          <a:srcRect l="25357" t="23332" r="35347" b="16809"/>
+          <a:stretch/>
+        </p:blipFill>
+        <p:spPr>
+          <a:xfrm>
+            <a:off x="3019760" y="1512250"/>
+            <a:ext cx="5993821" cy="5133247"/>
+          </a:xfrm>
+          <a:prstGeom prst="rect">
+            <a:avLst/>
+          </a:prstGeom>
+        </p:spPr>
+      </p:pic>
+      <p:sp>
+        <p:nvSpPr>
+          <p:cNvPr id="2" name="Título 1"/>
+          <p:cNvSpPr>
+            <a:spLocks noGrp="1"/>
+          </p:cNvSpPr>
+          <p:nvPr>
+            <p:ph type="title"/>
+          </p:nvPr>
+        </p:nvSpPr>
+        <p:spPr>
+          <a:xfrm>
+            <a:off x="2076549" y="464470"/>
+            <a:ext cx="7493873" cy="880932"/>
+          </a:xfrm>
+        </p:spPr>
+        <p:txBody>
+          <a:bodyPr>
+            <a:normAutofit/>
+          </a:bodyPr>
+          <a:lstStyle/>
+          <a:p>
+            <a:pPr algn="ctr"/>
+            <a:r>
+              <a:rPr lang="pt-BR" sz="3200" b="1" dirty="0" smtClean="0">
+                <a:latin typeface="Algerian" panose="04020705040A02060702" pitchFamily="82" charset="0"/>
+              </a:rPr>
+              <a:t>Modelo lógico do banco de dados</a:t>
+            </a:r>
+            <a:endParaRPr lang="pt-BR" sz="3200" b="1" dirty="0">
+              <a:latin typeface="Algerian" panose="04020705040A02060702" pitchFamily="82" charset="0"/>
+            </a:endParaRPr>
+          </a:p>
+        </p:txBody>
+      </p:sp>
+      <p:sp>
+        <p:nvSpPr>
+          <p:cNvPr id="3" name="Espaço Reservado para Conteúdo 2"/>
+          <p:cNvSpPr>
+            <a:spLocks noGrp="1"/>
+          </p:cNvSpPr>
+          <p:nvPr>
+            <p:ph idx="1"/>
+          </p:nvPr>
+        </p:nvSpPr>
+        <p:spPr>
+          <a:xfrm>
+            <a:off x="459717" y="2432907"/>
+            <a:ext cx="10427223" cy="2127759"/>
+          </a:xfrm>
+        </p:spPr>
+        <p:txBody>
+          <a:bodyPr>
+            <a:noAutofit/>
+          </a:bodyPr>
+          <a:lstStyle/>
+          <a:p>
+            <a:pPr marL="0" indent="0" algn="ctr">
+              <a:buNone/>
+            </a:pPr>
+            <a:r>
+              <a:rPr lang="pt-BR" sz="2400" b="1" dirty="0" smtClean="0"/>
+              <a:t>.</a:t>
+            </a:r>
+            <a:endParaRPr lang="pt-BR" sz="2400" b="1" dirty="0"/>
+          </a:p>
+        </p:txBody>
+      </p:sp>
+      <p:sp>
+        <p:nvSpPr>
+          <p:cNvPr id="5" name="Retângulo 4"/>
+          <p:cNvSpPr/>
+          <p:nvPr/>
+        </p:nvSpPr>
+        <p:spPr>
+          <a:xfrm>
+            <a:off x="9832806" y="230678"/>
+            <a:ext cx="2108269" cy="369332"/>
+          </a:xfrm>
+          <a:prstGeom prst="rect">
+            <a:avLst/>
+          </a:prstGeom>
+        </p:spPr>
+        <p:txBody>
+          <a:bodyPr wrap="none">
+            <a:spAutoFit/>
+          </a:bodyPr>
+          <a:lstStyle/>
+          <a:p>
+            <a:r>
+              <a:rPr lang="pt-BR" dirty="0">
+                <a:latin typeface="Algerian" panose="04020705040A02060702" pitchFamily="82" charset="0"/>
+              </a:rPr>
+              <a:t>banco de dados </a:t>
+            </a:r>
+            <a:endParaRPr lang="pt-BR" dirty="0"/>
+          </a:p>
+        </p:txBody>
+      </p:sp>
+      <p:sp>
+        <p:nvSpPr>
+          <p:cNvPr id="7" name="Título 1"/>
+          <p:cNvSpPr txBox="1">
+            <a:spLocks/>
+          </p:cNvSpPr>
+          <p:nvPr/>
+        </p:nvSpPr>
+        <p:spPr>
+          <a:xfrm>
+            <a:off x="532510" y="3496787"/>
+            <a:ext cx="7456868" cy="880932"/>
+          </a:xfrm>
+          <a:prstGeom prst="rect">
+            <a:avLst/>
+          </a:prstGeom>
+          <a:effectLst/>
+        </p:spPr>
+        <p:txBody>
+          <a:bodyPr vert="horz" lIns="91440" tIns="45720" rIns="91440" bIns="45720" rtlCol="0" anchor="ctr">
+            <a:normAutofit/>
+          </a:bodyPr>
+          <a:lstStyle>
+            <a:lvl1pPr algn="l" defTabSz="457200" rtl="0" eaLnBrk="1" latinLnBrk="0" hangingPunct="1">
+              <a:spcBef>
+                <a:spcPct val="0"/>
+              </a:spcBef>
+              <a:buNone/>
+              <a:defRPr sz="3600" kern="1200" cap="all">
+                <a:ln w="3175" cmpd="sng">
+                  <a:noFill/>
+                </a:ln>
+                <a:solidFill>
+                  <a:schemeClr val="tx1"/>
+                </a:solidFill>
+                <a:effectLst/>
+                <a:latin typeface="+mj-lt"/>
+                <a:ea typeface="+mj-ea"/>
+                <a:cs typeface="+mj-cs"/>
+              </a:defRPr>
+            </a:lvl1pPr>
+            <a:lvl2pPr eaLnBrk="1" hangingPunct="1">
+              <a:defRPr>
+                <a:solidFill>
+                  <a:schemeClr val="tx2"/>
+                </a:solidFill>
+              </a:defRPr>
+            </a:lvl2pPr>
+            <a:lvl3pPr eaLnBrk="1" hangingPunct="1">
+              <a:defRPr>
+                <a:solidFill>
+                  <a:schemeClr val="tx2"/>
+                </a:solidFill>
+              </a:defRPr>
+            </a:lvl3pPr>
+            <a:lvl4pPr eaLnBrk="1" hangingPunct="1">
+              <a:defRPr>
+                <a:solidFill>
+                  <a:schemeClr val="tx2"/>
+                </a:solidFill>
+              </a:defRPr>
+            </a:lvl4pPr>
+            <a:lvl5pPr eaLnBrk="1" hangingPunct="1">
+              <a:defRPr>
+                <a:solidFill>
+                  <a:schemeClr val="tx2"/>
+                </a:solidFill>
+              </a:defRPr>
+            </a:lvl5pPr>
+            <a:lvl6pPr eaLnBrk="1" hangingPunct="1">
+              <a:defRPr>
+                <a:solidFill>
+                  <a:schemeClr val="tx2"/>
+                </a:solidFill>
+              </a:defRPr>
+            </a:lvl6pPr>
+            <a:lvl7pPr eaLnBrk="1" hangingPunct="1">
+              <a:defRPr>
+                <a:solidFill>
+                  <a:schemeClr val="tx2"/>
+                </a:solidFill>
+              </a:defRPr>
+            </a:lvl7pPr>
+            <a:lvl8pPr eaLnBrk="1" hangingPunct="1">
+              <a:defRPr>
+                <a:solidFill>
+                  <a:schemeClr val="tx2"/>
+                </a:solidFill>
+              </a:defRPr>
+            </a:lvl8pPr>
+            <a:lvl9pPr eaLnBrk="1" hangingPunct="1">
+              <a:defRPr>
+                <a:solidFill>
+                  <a:schemeClr val="tx2"/>
+                </a:solidFill>
+              </a:defRPr>
+            </a:lvl9pPr>
+          </a:lstStyle>
+          <a:p>
+            <a:pPr algn="ctr"/>
+            <a:endParaRPr lang="pt-BR" sz="3200" b="1" dirty="0">
+              <a:latin typeface="Algerian" panose="04020705040A02060702" pitchFamily="82" charset="0"/>
+            </a:endParaRPr>
+          </a:p>
+        </p:txBody>
+      </p:sp>
+    </p:spTree>
+    <p:extLst>
+      <p:ext uri="{BB962C8B-B14F-4D97-AF65-F5344CB8AC3E}">
+        <p14:creationId xmlns:p14="http://schemas.microsoft.com/office/powerpoint/2010/main" val="2448620253"/>
+      </p:ext>
+    </p:extLst>
+  </p:cSld>
+  <p:clrMapOvr>
+    <a:masterClrMapping/>
+  </p:clrMapOvr>
+  <p:timing>
+    <p:tnLst>
+      <p:par>
+        <p:cTn id="1" dur="indefinite" restart="never" nodeType="tmRoot"/>
+      </p:par>
+    </p:tnLst>
+  </p:timing>
 </p:sld>
 </file>
 
 <file path=ppt/theme/theme1.xml><?xml version="1.0" encoding="utf-8"?>
-<a:theme xmlns:a="http://schemas.openxmlformats.org/drawingml/2006/main" name="Tema do Office">
+<a:theme xmlns:a="http://schemas.openxmlformats.org/drawingml/2006/main" name="Fatia">
   <a:themeElements>
-    <a:clrScheme name="Escritório">
+    <a:clrScheme name="Fatia">
       <a:dk1>
         <a:sysClr val="windowText" lastClr="000000"/>
       </a:dk1>
@@ -3738,83 +7376,48 @@
         <a:sysClr val="window" lastClr="FFFFFF"/>
       </a:lt1>
       <a:dk2>
-        <a:srgbClr val="44546A"/>
+        <a:srgbClr val="146194"/>
       </a:dk2>
       <a:lt2>
-        <a:srgbClr val="E7E6E6"/>
+        <a:srgbClr val="76DBF4"/>
       </a:lt2>
       <a:accent1>
-        <a:srgbClr val="5B9BD5"/>
+        <a:srgbClr val="052F61"/>
       </a:accent1>
       <a:accent2>
-        <a:srgbClr val="ED7D31"/>
+        <a:srgbClr val="A50E82"/>
       </a:accent2>
       <a:accent3>
-        <a:srgbClr val="A5A5A5"/>
+        <a:srgbClr val="14967C"/>
       </a:accent3>
       <a:accent4>
-        <a:srgbClr val="FFC000"/>
+        <a:srgbClr val="6A9E1F"/>
       </a:accent4>
       <a:accent5>
-        <a:srgbClr val="4472C4"/>
+        <a:srgbClr val="E87D37"/>
       </a:accent5>
       <a:accent6>
-        <a:srgbClr val="70AD47"/>
+        <a:srgbClr val="C62324"/>
       </a:accent6>
       <a:hlink>
-        <a:srgbClr val="0563C1"/>
+        <a:srgbClr val="0D2E46"/>
       </a:hlink>
       <a:folHlink>
-        <a:srgbClr val="954F72"/>
+        <a:srgbClr val="356A95"/>
       </a:folHlink>
     </a:clrScheme>
-    <a:fontScheme name="Escritório">
+    <a:fontScheme name="Fatia">
       <a:majorFont>
-        <a:latin typeface="Calibri Light" panose="020F0302020204030204"/>
+        <a:latin typeface="Century Gothic" panose="020B0502020202020204"/>
         <a:ea typeface=""/>
         <a:cs typeface=""/>
-        <a:font script="Jpan" typeface="ＭＳ Ｐゴシック"/>
-        <a:font script="Hang" typeface="맑은 고딕"/>
-        <a:font script="Hans" typeface="宋体"/>
-        <a:font script="Hant" typeface="新細明體"/>
-        <a:font script="Arab" typeface="Times New Roman"/>
-        <a:font script="Hebr" typeface="Times New Roman"/>
-        <a:font script="Thai" typeface="Angsana New"/>
-        <a:font script="Ethi" typeface="Nyala"/>
-        <a:font script="Beng" typeface="Vrinda"/>
-        <a:font script="Gujr" typeface="Shruti"/>
-        <a:font script="Khmr" typeface="MoolBoran"/>
-        <a:font script="Knda" typeface="Tunga"/>
-        <a:font script="Guru" typeface="Raavi"/>
-        <a:font script="Cans" typeface="Euphemia"/>
-        <a:font script="Cher" typeface="Plantagenet Cherokee"/>
-        <a:font script="Yiii" typeface="Microsoft Yi Baiti"/>
-        <a:font script="Tibt" typeface="Microsoft Himalaya"/>
-        <a:font script="Thaa" typeface="MV Boli"/>
-        <a:font script="Deva" typeface="Mangal"/>
-        <a:font script="Telu" typeface="Gautami"/>
-        <a:font script="Taml" typeface="Latha"/>
-        <a:font script="Syrc" typeface="Estrangelo Edessa"/>
-        <a:font script="Orya" typeface="Kalinga"/>
-        <a:font script="Mlym" typeface="Kartika"/>
-        <a:font script="Laoo" typeface="DokChampa"/>
-        <a:font script="Sinh" typeface="Iskoola Pota"/>
-        <a:font script="Mong" typeface="Mongolian Baiti"/>
-        <a:font script="Viet" typeface="Times New Roman"/>
-        <a:font script="Uigh" typeface="Microsoft Uighur"/>
-        <a:font script="Geor" typeface="Sylfaen"/>
-      </a:majorFont>
-      <a:minorFont>
-        <a:latin typeface="Calibri" panose="020F0502020204030204"/>
-        <a:ea typeface=""/>
-        <a:cs typeface=""/>
-        <a:font script="Jpan" typeface="ＭＳ Ｐゴシック"/>
-        <a:font script="Hang" typeface="맑은 고딕"/>
-        <a:font script="Hans" typeface="宋体"/>
-        <a:font script="Hant" typeface="新細明體"/>
-        <a:font script="Arab" typeface="Arial"/>
-        <a:font script="Hebr" typeface="Arial"/>
-        <a:font script="Thai" typeface="Cordia New"/>
+        <a:font script="Jpan" typeface="メイリオ"/>
+        <a:font script="Hang" typeface="HY중고딕"/>
+        <a:font script="Hans" typeface="幼圆"/>
+        <a:font script="Hant" typeface="微軟正黑體"/>
+        <a:font script="Arab" typeface="Tahoma"/>
+        <a:font script="Hebr" typeface="Gisha"/>
+        <a:font script="Thai" typeface="DilleniaUPC"/>
         <a:font script="Ethi" typeface="Nyala"/>
         <a:font script="Beng" typeface="Vrinda"/>
         <a:font script="Gujr" typeface="Shruti"/>
@@ -3835,12 +7438,47 @@
         <a:font script="Laoo" typeface="DokChampa"/>
         <a:font script="Sinh" typeface="Iskoola Pota"/>
         <a:font script="Mong" typeface="Mongolian Baiti"/>
-        <a:font script="Viet" typeface="Arial"/>
+        <a:font script="Viet" typeface="Tahoma"/>
+        <a:font script="Uigh" typeface="Microsoft Uighur"/>
+        <a:font script="Geor" typeface="Sylfaen"/>
+      </a:majorFont>
+      <a:minorFont>
+        <a:latin typeface="Century Gothic" panose="020B0502020202020204"/>
+        <a:ea typeface=""/>
+        <a:cs typeface=""/>
+        <a:font script="Jpan" typeface="メイリオ"/>
+        <a:font script="Hang" typeface="HY중고딕"/>
+        <a:font script="Hans" typeface="幼圆"/>
+        <a:font script="Hant" typeface="微軟正黑體"/>
+        <a:font script="Arab" typeface="Tahoma"/>
+        <a:font script="Hebr" typeface="Gisha"/>
+        <a:font script="Thai" typeface="DilleniaUPC"/>
+        <a:font script="Ethi" typeface="Nyala"/>
+        <a:font script="Beng" typeface="Vrinda"/>
+        <a:font script="Gujr" typeface="Shruti"/>
+        <a:font script="Khmr" typeface="DaunPenh"/>
+        <a:font script="Knda" typeface="Tunga"/>
+        <a:font script="Guru" typeface="Raavi"/>
+        <a:font script="Cans" typeface="Euphemia"/>
+        <a:font script="Cher" typeface="Plantagenet Cherokee"/>
+        <a:font script="Yiii" typeface="Microsoft Yi Baiti"/>
+        <a:font script="Tibt" typeface="Microsoft Himalaya"/>
+        <a:font script="Thaa" typeface="MV Boli"/>
+        <a:font script="Deva" typeface="Mangal"/>
+        <a:font script="Telu" typeface="Gautami"/>
+        <a:font script="Taml" typeface="Latha"/>
+        <a:font script="Syrc" typeface="Estrangelo Edessa"/>
+        <a:font script="Orya" typeface="Kalinga"/>
+        <a:font script="Mlym" typeface="Kartika"/>
+        <a:font script="Laoo" typeface="DokChampa"/>
+        <a:font script="Sinh" typeface="Iskoola Pota"/>
+        <a:font script="Mong" typeface="Mongolian Baiti"/>
+        <a:font script="Viet" typeface="Tahoma"/>
         <a:font script="Uigh" typeface="Microsoft Uighur"/>
         <a:font script="Geor" typeface="Sylfaen"/>
       </a:minorFont>
     </a:fontScheme>
-    <a:fmtScheme name="Escritório">
+    <a:fmtScheme name="Fatia">
       <a:fillStyleLst>
         <a:solidFill>
           <a:schemeClr val="phClr"/>
@@ -3849,23 +7487,16 @@
           <a:gsLst>
             <a:gs pos="0">
               <a:schemeClr val="phClr">
+                <a:tint val="62000"/>
+                <a:hueMod val="94000"/>
+                <a:satMod val="140000"/>
                 <a:lumMod val="110000"/>
-                <a:satMod val="105000"/>
-                <a:tint val="67000"/>
-              </a:schemeClr>
-            </a:gs>
-            <a:gs pos="50000">
-              <a:schemeClr val="phClr">
-                <a:lumMod val="105000"/>
-                <a:satMod val="103000"/>
-                <a:tint val="73000"/>
               </a:schemeClr>
             </a:gs>
             <a:gs pos="100000">
               <a:schemeClr val="phClr">
-                <a:lumMod val="105000"/>
-                <a:satMod val="109000"/>
-                <a:tint val="81000"/>
+                <a:tint val="84000"/>
+                <a:satMod val="160000"/>
               </a:schemeClr>
             </a:gs>
           </a:gsLst>
@@ -3875,23 +7506,16 @@
           <a:gsLst>
             <a:gs pos="0">
               <a:schemeClr val="phClr">
-                <a:satMod val="103000"/>
-                <a:lumMod val="102000"/>
-                <a:tint val="94000"/>
-              </a:schemeClr>
-            </a:gs>
-            <a:gs pos="50000">
-              <a:schemeClr val="phClr">
-                <a:satMod val="110000"/>
-                <a:lumMod val="100000"/>
-                <a:shade val="100000"/>
+                <a:tint val="98000"/>
+                <a:hueMod val="94000"/>
+                <a:satMod val="130000"/>
+                <a:lumMod val="128000"/>
               </a:schemeClr>
             </a:gs>
             <a:gs pos="100000">
               <a:schemeClr val="phClr">
-                <a:lumMod val="99000"/>
-                <a:satMod val="120000"/>
-                <a:shade val="78000"/>
+                <a:shade val="94000"/>
+                <a:lumMod val="88000"/>
               </a:schemeClr>
             </a:gs>
           </a:gsLst>
@@ -3899,26 +7523,29 @@
         </a:gradFill>
       </a:fillStyleLst>
       <a:lnStyleLst>
-        <a:ln w="6350" cap="flat" cmpd="sng" algn="ctr">
+        <a:ln w="9525" cap="rnd" cmpd="sng" algn="ctr">
+          <a:solidFill>
+            <a:schemeClr val="phClr">
+              <a:tint val="76000"/>
+              <a:alpha val="60000"/>
+              <a:hueMod val="94000"/>
+            </a:schemeClr>
+          </a:solidFill>
+          <a:prstDash val="solid"/>
+        </a:ln>
+        <a:ln w="15875" cap="rnd" cmpd="sng" algn="ctr">
+          <a:solidFill>
+            <a:schemeClr val="phClr">
+              <a:hueMod val="94000"/>
+            </a:schemeClr>
+          </a:solidFill>
+          <a:prstDash val="solid"/>
+        </a:ln>
+        <a:ln w="28575" cap="rnd" cmpd="sng" algn="ctr">
           <a:solidFill>
             <a:schemeClr val="phClr"/>
           </a:solidFill>
           <a:prstDash val="solid"/>
-          <a:miter lim="800000"/>
-        </a:ln>
-        <a:ln w="12700" cap="flat" cmpd="sng" algn="ctr">
-          <a:solidFill>
-            <a:schemeClr val="phClr"/>
-          </a:solidFill>
-          <a:prstDash val="solid"/>
-          <a:miter lim="800000"/>
-        </a:ln>
-        <a:ln w="19050" cap="flat" cmpd="sng" algn="ctr">
-          <a:solidFill>
-            <a:schemeClr val="phClr"/>
-          </a:solidFill>
-          <a:prstDash val="solid"/>
-          <a:miter lim="800000"/>
         </a:ln>
       </a:lnStyleLst>
       <a:effectStyleLst>
@@ -3926,54 +7553,78 @@
           <a:effectLst/>
         </a:effectStyle>
         <a:effectStyle>
-          <a:effectLst/>
+          <a:effectLst>
+            <a:innerShdw blurRad="25400" dist="12700" dir="13500000">
+              <a:srgbClr val="000000">
+                <a:alpha val="45000"/>
+              </a:srgbClr>
+            </a:innerShdw>
+          </a:effectLst>
         </a:effectStyle>
         <a:effectStyle>
           <a:effectLst>
-            <a:outerShdw blurRad="57150" dist="19050" dir="5400000" algn="ctr" rotWithShape="0">
+            <a:outerShdw blurRad="50800" dist="38100" dir="5400000" rotWithShape="0">
               <a:srgbClr val="000000">
-                <a:alpha val="63000"/>
+                <a:alpha val="46000"/>
               </a:srgbClr>
             </a:outerShdw>
           </a:effectLst>
+          <a:scene3d>
+            <a:camera prst="orthographicFront">
+              <a:rot lat="0" lon="0" rev="0"/>
+            </a:camera>
+            <a:lightRig rig="threePt" dir="t"/>
+          </a:scene3d>
+          <a:sp3d prstMaterial="plastic">
+            <a:bevelT w="25400" h="25400"/>
+          </a:sp3d>
         </a:effectStyle>
       </a:effectStyleLst>
       <a:bgFillStyleLst>
         <a:solidFill>
           <a:schemeClr val="phClr"/>
         </a:solidFill>
-        <a:solidFill>
-          <a:schemeClr val="phClr">
-            <a:tint val="95000"/>
-            <a:satMod val="170000"/>
-          </a:schemeClr>
-        </a:solidFill>
+        <a:gradFill rotWithShape="1">
+          <a:gsLst>
+            <a:gs pos="10000">
+              <a:schemeClr val="phClr">
+                <a:tint val="97000"/>
+                <a:hueMod val="92000"/>
+                <a:satMod val="169000"/>
+                <a:lumMod val="164000"/>
+              </a:schemeClr>
+            </a:gs>
+            <a:gs pos="100000">
+              <a:schemeClr val="phClr">
+                <a:shade val="96000"/>
+                <a:satMod val="120000"/>
+                <a:lumMod val="90000"/>
+              </a:schemeClr>
+            </a:gs>
+          </a:gsLst>
+          <a:lin ang="6120000" scaled="1"/>
+        </a:gradFill>
         <a:gradFill rotWithShape="1">
           <a:gsLst>
             <a:gs pos="0">
               <a:schemeClr val="phClr">
-                <a:tint val="93000"/>
-                <a:satMod val="150000"/>
-                <a:shade val="98000"/>
-                <a:lumMod val="102000"/>
-              </a:schemeClr>
-            </a:gs>
-            <a:gs pos="50000">
-              <a:schemeClr val="phClr">
-                <a:tint val="98000"/>
-                <a:satMod val="130000"/>
-                <a:shade val="90000"/>
-                <a:lumMod val="103000"/>
+                <a:tint val="97000"/>
+                <a:hueMod val="92000"/>
+                <a:satMod val="169000"/>
+                <a:lumMod val="164000"/>
               </a:schemeClr>
             </a:gs>
             <a:gs pos="100000">
               <a:schemeClr val="phClr">
-                <a:shade val="63000"/>
+                <a:shade val="96000"/>
                 <a:satMod val="120000"/>
+                <a:lumMod val="90000"/>
               </a:schemeClr>
             </a:gs>
           </a:gsLst>
-          <a:lin ang="5400000" scaled="0"/>
+          <a:path path="circle">
+            <a:fillToRect b="100000"/>
+          </a:path>
         </a:gradFill>
       </a:bgFillStyleLst>
     </a:fmtScheme>
@@ -3982,7 +7633,7 @@
   <a:extraClrSchemeLst/>
   <a:extLst>
     <a:ext uri="{05A4C25C-085E-4340-85A3-A5531E510DB2}">
-      <thm15:themeFamily xmlns:thm15="http://schemas.microsoft.com/office/thememl/2012/main" name="Office Theme" id="{62F939B6-93AF-4DB8-9C6B-D6C7DFDC589F}" vid="{4A3C46E8-61CC-4603-A589-7422A47A8E4A}"/>
+      <thm15:themeFamily xmlns:thm15="http://schemas.microsoft.com/office/thememl/2012/main" name="Slice" id="{0507925B-6AC9-4358-8E18-C330545D08F8}" vid="{13FEC7C6-62A9-40C4-99D2-581AACACAA2F}"/>
     </a:ext>
   </a:extLst>
 </a:theme>

--- a/bancodedados.pptx
+++ b/bancodedados.pptx
@@ -14,6 +14,10 @@
     <p:sldId id="262" r:id="rId8"/>
     <p:sldId id="263" r:id="rId9"/>
     <p:sldId id="264" r:id="rId10"/>
+    <p:sldId id="265" r:id="rId11"/>
+    <p:sldId id="266" r:id="rId12"/>
+    <p:sldId id="267" r:id="rId13"/>
+    <p:sldId id="268" r:id="rId14"/>
   </p:sldIdLst>
   <p:sldSz cx="12192000" cy="6858000"/>
   <p:notesSz cx="6858000" cy="9144000"/>
@@ -311,7 +315,7 @@
           <a:p>
             <a:fld id="{3807E0A5-588E-4EC8-AADB-18DC3EB87DF1}" type="datetimeFigureOut">
               <a:rPr lang="pt-BR" smtClean="0"/>
-              <a:t>27/10/2020</a:t>
+              <a:t>28/10/2020</a:t>
             </a:fld>
             <a:endParaRPr lang="pt-BR"/>
           </a:p>
@@ -747,7 +751,7 @@
           <a:p>
             <a:fld id="{3807E0A5-588E-4EC8-AADB-18DC3EB87DF1}" type="datetimeFigureOut">
               <a:rPr lang="pt-BR" smtClean="0"/>
-              <a:t>27/10/2020</a:t>
+              <a:t>28/10/2020</a:t>
             </a:fld>
             <a:endParaRPr lang="pt-BR"/>
           </a:p>
@@ -997,7 +1001,7 @@
           <a:p>
             <a:fld id="{3807E0A5-588E-4EC8-AADB-18DC3EB87DF1}" type="datetimeFigureOut">
               <a:rPr lang="pt-BR" smtClean="0"/>
-              <a:t>27/10/2020</a:t>
+              <a:t>28/10/2020</a:t>
             </a:fld>
             <a:endParaRPr lang="pt-BR"/>
           </a:p>
@@ -1305,7 +1309,7 @@
           <a:p>
             <a:fld id="{3807E0A5-588E-4EC8-AADB-18DC3EB87DF1}" type="datetimeFigureOut">
               <a:rPr lang="pt-BR" smtClean="0"/>
-              <a:t>27/10/2020</a:t>
+              <a:t>28/10/2020</a:t>
             </a:fld>
             <a:endParaRPr lang="pt-BR"/>
           </a:p>
@@ -1623,7 +1627,7 @@
           <a:p>
             <a:fld id="{3807E0A5-588E-4EC8-AADB-18DC3EB87DF1}" type="datetimeFigureOut">
               <a:rPr lang="pt-BR" smtClean="0"/>
-              <a:t>27/10/2020</a:t>
+              <a:t>28/10/2020</a:t>
             </a:fld>
             <a:endParaRPr lang="pt-BR"/>
           </a:p>
@@ -1925,7 +1929,7 @@
           <a:p>
             <a:fld id="{3807E0A5-588E-4EC8-AADB-18DC3EB87DF1}" type="datetimeFigureOut">
               <a:rPr lang="pt-BR" smtClean="0"/>
-              <a:t>27/10/2020</a:t>
+              <a:t>28/10/2020</a:t>
             </a:fld>
             <a:endParaRPr lang="pt-BR"/>
           </a:p>
@@ -2292,7 +2296,7 @@
           <a:p>
             <a:fld id="{3807E0A5-588E-4EC8-AADB-18DC3EB87DF1}" type="datetimeFigureOut">
               <a:rPr lang="pt-BR" smtClean="0"/>
-              <a:t>27/10/2020</a:t>
+              <a:t>28/10/2020</a:t>
             </a:fld>
             <a:endParaRPr lang="pt-BR"/>
           </a:p>
@@ -2466,7 +2470,7 @@
           <a:p>
             <a:fld id="{3807E0A5-588E-4EC8-AADB-18DC3EB87DF1}" type="datetimeFigureOut">
               <a:rPr lang="pt-BR" smtClean="0"/>
-              <a:t>27/10/2020</a:t>
+              <a:t>28/10/2020</a:t>
             </a:fld>
             <a:endParaRPr lang="pt-BR"/>
           </a:p>
@@ -2646,7 +2650,7 @@
           <a:p>
             <a:fld id="{3807E0A5-588E-4EC8-AADB-18DC3EB87DF1}" type="datetimeFigureOut">
               <a:rPr lang="pt-BR" smtClean="0"/>
-              <a:t>27/10/2020</a:t>
+              <a:t>28/10/2020</a:t>
             </a:fld>
             <a:endParaRPr lang="pt-BR"/>
           </a:p>
@@ -2816,7 +2820,7 @@
           <a:p>
             <a:fld id="{3807E0A5-588E-4EC8-AADB-18DC3EB87DF1}" type="datetimeFigureOut">
               <a:rPr lang="pt-BR" smtClean="0"/>
-              <a:t>27/10/2020</a:t>
+              <a:t>28/10/2020</a:t>
             </a:fld>
             <a:endParaRPr lang="pt-BR"/>
           </a:p>
@@ -3066,7 +3070,7 @@
           <a:p>
             <a:fld id="{3807E0A5-588E-4EC8-AADB-18DC3EB87DF1}" type="datetimeFigureOut">
               <a:rPr lang="pt-BR" smtClean="0"/>
-              <a:t>27/10/2020</a:t>
+              <a:t>28/10/2020</a:t>
             </a:fld>
             <a:endParaRPr lang="pt-BR"/>
           </a:p>
@@ -3302,7 +3306,7 @@
           <a:p>
             <a:fld id="{3807E0A5-588E-4EC8-AADB-18DC3EB87DF1}" type="datetimeFigureOut">
               <a:rPr lang="pt-BR" smtClean="0"/>
-              <a:t>27/10/2020</a:t>
+              <a:t>28/10/2020</a:t>
             </a:fld>
             <a:endParaRPr lang="pt-BR"/>
           </a:p>
@@ -3684,7 +3688,7 @@
           <a:p>
             <a:fld id="{3807E0A5-588E-4EC8-AADB-18DC3EB87DF1}" type="datetimeFigureOut">
               <a:rPr lang="pt-BR" smtClean="0"/>
-              <a:t>27/10/2020</a:t>
+              <a:t>28/10/2020</a:t>
             </a:fld>
             <a:endParaRPr lang="pt-BR"/>
           </a:p>
@@ -3802,7 +3806,7 @@
           <a:p>
             <a:fld id="{3807E0A5-588E-4EC8-AADB-18DC3EB87DF1}" type="datetimeFigureOut">
               <a:rPr lang="pt-BR" smtClean="0"/>
-              <a:t>27/10/2020</a:t>
+              <a:t>28/10/2020</a:t>
             </a:fld>
             <a:endParaRPr lang="pt-BR"/>
           </a:p>
@@ -3897,7 +3901,7 @@
           <a:p>
             <a:fld id="{3807E0A5-588E-4EC8-AADB-18DC3EB87DF1}" type="datetimeFigureOut">
               <a:rPr lang="pt-BR" smtClean="0"/>
-              <a:t>27/10/2020</a:t>
+              <a:t>28/10/2020</a:t>
             </a:fld>
             <a:endParaRPr lang="pt-BR"/>
           </a:p>
@@ -4152,7 +4156,7 @@
           <a:p>
             <a:fld id="{3807E0A5-588E-4EC8-AADB-18DC3EB87DF1}" type="datetimeFigureOut">
               <a:rPr lang="pt-BR" smtClean="0"/>
-              <a:t>27/10/2020</a:t>
+              <a:t>28/10/2020</a:t>
             </a:fld>
             <a:endParaRPr lang="pt-BR"/>
           </a:p>
@@ -4435,7 +4439,7 @@
           <a:p>
             <a:fld id="{3807E0A5-588E-4EC8-AADB-18DC3EB87DF1}" type="datetimeFigureOut">
               <a:rPr lang="pt-BR" smtClean="0"/>
-              <a:t>27/10/2020</a:t>
+              <a:t>28/10/2020</a:t>
             </a:fld>
             <a:endParaRPr lang="pt-BR"/>
           </a:p>
@@ -4841,7 +4845,7 @@
           <a:p>
             <a:fld id="{3807E0A5-588E-4EC8-AADB-18DC3EB87DF1}" type="datetimeFigureOut">
               <a:rPr lang="pt-BR" smtClean="0"/>
-              <a:t>27/10/2020</a:t>
+              <a:t>28/10/2020</a:t>
             </a:fld>
             <a:endParaRPr lang="pt-BR"/>
           </a:p>
@@ -5433,7 +5437,7 @@
         </p:blipFill>
         <p:spPr>
           <a:xfrm>
-            <a:off x="7024952" y="3825026"/>
+            <a:off x="7385327" y="3027545"/>
             <a:ext cx="4298661" cy="2417537"/>
           </a:xfrm>
           <a:prstGeom prst="rect">
@@ -5471,10 +5475,1050 @@
           </a:prstGeom>
         </p:spPr>
       </p:pic>
+      <p:sp>
+        <p:nvSpPr>
+          <p:cNvPr id="3" name="CaixaDeTexto 2"/>
+          <p:cNvSpPr txBox="1"/>
+          <p:nvPr/>
+        </p:nvSpPr>
+        <p:spPr>
+          <a:xfrm>
+            <a:off x="6143223" y="5808372"/>
+            <a:ext cx="5785464" cy="707886"/>
+          </a:xfrm>
+          <a:prstGeom prst="rect">
+            <a:avLst/>
+          </a:prstGeom>
+          <a:noFill/>
+        </p:spPr>
+        <p:txBody>
+          <a:bodyPr wrap="square" rtlCol="0">
+            <a:spAutoFit/>
+          </a:bodyPr>
+          <a:lstStyle/>
+          <a:p>
+            <a:r>
+              <a:rPr lang="pt-BR" sz="4000" b="1" dirty="0" smtClean="0">
+                <a:ln w="0"/>
+                <a:solidFill>
+                  <a:schemeClr val="accent1"/>
+                </a:solidFill>
+                <a:effectLst>
+                  <a:outerShdw blurRad="38100" dist="25400" dir="5400000" algn="ctr" rotWithShape="0">
+                    <a:srgbClr val="6E747A">
+                      <a:alpha val="43000"/>
+                    </a:srgbClr>
+                  </a:outerShdw>
+                </a:effectLst>
+                <a:latin typeface="Algerian" panose="04020705040A02060702" pitchFamily="82" charset="0"/>
+              </a:rPr>
+              <a:t>JOVENSJAVEIROS = ();</a:t>
+            </a:r>
+          </a:p>
+        </p:txBody>
+      </p:sp>
     </p:spTree>
     <p:extLst>
       <p:ext uri="{BB962C8B-B14F-4D97-AF65-F5344CB8AC3E}">
         <p14:creationId xmlns:p14="http://schemas.microsoft.com/office/powerpoint/2010/main" val="3953564927"/>
+      </p:ext>
+    </p:extLst>
+  </p:cSld>
+  <p:clrMapOvr>
+    <a:masterClrMapping/>
+  </p:clrMapOvr>
+  <p:timing>
+    <p:tnLst>
+      <p:par>
+        <p:cTn id="1" dur="indefinite" restart="never" nodeType="tmRoot"/>
+      </p:par>
+    </p:tnLst>
+  </p:timing>
+</p:sld>
+</file>
+
+<file path=ppt/slides/slide10.xml><?xml version="1.0" encoding="utf-8"?>
+<p:sld xmlns:a="http://schemas.openxmlformats.org/drawingml/2006/main" xmlns:r="http://schemas.openxmlformats.org/officeDocument/2006/relationships" xmlns:p="http://schemas.openxmlformats.org/presentationml/2006/main">
+  <p:cSld>
+    <p:spTree>
+      <p:nvGrpSpPr>
+        <p:cNvPr id="1" name=""/>
+        <p:cNvGrpSpPr/>
+        <p:nvPr/>
+      </p:nvGrpSpPr>
+      <p:grpSpPr>
+        <a:xfrm>
+          <a:off x="0" y="0"/>
+          <a:ext cx="0" cy="0"/>
+          <a:chOff x="0" y="0"/>
+          <a:chExt cx="0" cy="0"/>
+        </a:xfrm>
+      </p:grpSpPr>
+      <p:sp>
+        <p:nvSpPr>
+          <p:cNvPr id="2" name="Título 1"/>
+          <p:cNvSpPr>
+            <a:spLocks noGrp="1"/>
+          </p:cNvSpPr>
+          <p:nvPr>
+            <p:ph type="title"/>
+          </p:nvPr>
+        </p:nvSpPr>
+        <p:spPr>
+          <a:xfrm>
+            <a:off x="1815921" y="693382"/>
+            <a:ext cx="7493873" cy="880932"/>
+          </a:xfrm>
+        </p:spPr>
+        <p:txBody>
+          <a:bodyPr>
+            <a:normAutofit/>
+          </a:bodyPr>
+          <a:lstStyle/>
+          <a:p>
+            <a:pPr algn="ctr"/>
+            <a:r>
+              <a:rPr lang="pt-BR" sz="4800" b="1" dirty="0" smtClean="0">
+                <a:latin typeface="Algerian" panose="04020705040A02060702" pitchFamily="82" charset="0"/>
+              </a:rPr>
+              <a:t>JOIN</a:t>
+            </a:r>
+            <a:endParaRPr lang="pt-BR" sz="4800" b="1" dirty="0">
+              <a:latin typeface="Algerian" panose="04020705040A02060702" pitchFamily="82" charset="0"/>
+            </a:endParaRPr>
+          </a:p>
+        </p:txBody>
+      </p:sp>
+      <p:sp>
+        <p:nvSpPr>
+          <p:cNvPr id="3" name="Espaço Reservado para Conteúdo 2"/>
+          <p:cNvSpPr>
+            <a:spLocks noGrp="1"/>
+          </p:cNvSpPr>
+          <p:nvPr>
+            <p:ph idx="1"/>
+          </p:nvPr>
+        </p:nvSpPr>
+        <p:spPr>
+          <a:xfrm>
+            <a:off x="640021" y="2873373"/>
+            <a:ext cx="10427223" cy="2127759"/>
+          </a:xfrm>
+        </p:spPr>
+        <p:txBody>
+          <a:bodyPr>
+            <a:noAutofit/>
+          </a:bodyPr>
+          <a:lstStyle/>
+          <a:p>
+            <a:pPr marL="0" indent="0" algn="ctr">
+              <a:buNone/>
+            </a:pPr>
+            <a:r>
+              <a:rPr lang="pt-BR" sz="2400" b="1" dirty="0" smtClean="0"/>
+              <a:t>A </a:t>
+            </a:r>
+            <a:r>
+              <a:rPr lang="pt-BR" sz="2400" b="1" dirty="0"/>
+              <a:t>cláusula JOIN permite que os dados de várias tabelas sejam combinados com base na relação existente entre elas. Por meio dessa cláusula, os dados de uma tabela são usados para selecionar os dados pertencentes à outra tabela. </a:t>
+            </a:r>
+          </a:p>
+          <a:p>
+            <a:pPr marL="0" indent="0" algn="ctr">
+              <a:buNone/>
+            </a:pPr>
+            <a:r>
+              <a:rPr lang="pt-BR" sz="2400" b="1" dirty="0"/>
+              <a:t>Além disso, podemos especificar quais colunas das tabelas serão associadas, deste modo, será preciso definir uma chave estrangeira de uma tabela e a chave relacionada em outra tabela.</a:t>
+            </a:r>
+          </a:p>
+          <a:p>
+            <a:pPr marL="0" indent="0" algn="ctr">
+              <a:buNone/>
+            </a:pPr>
+            <a:r>
+              <a:rPr lang="pt-BR" sz="2400" b="1" dirty="0"/>
+              <a:t>Os valores pertencentes às colunas das tabelas associadas podem ser comparados entre si por meio de um operador lógico definido pela cláusula JOIN.</a:t>
+            </a:r>
+            <a:endParaRPr lang="pt-BR" sz="2400" b="1" dirty="0"/>
+          </a:p>
+        </p:txBody>
+      </p:sp>
+      <p:sp>
+        <p:nvSpPr>
+          <p:cNvPr id="5" name="Retângulo 4"/>
+          <p:cNvSpPr/>
+          <p:nvPr/>
+        </p:nvSpPr>
+        <p:spPr>
+          <a:xfrm>
+            <a:off x="9832806" y="230678"/>
+            <a:ext cx="2108269" cy="369332"/>
+          </a:xfrm>
+          <a:prstGeom prst="rect">
+            <a:avLst/>
+          </a:prstGeom>
+        </p:spPr>
+        <p:txBody>
+          <a:bodyPr wrap="none">
+            <a:spAutoFit/>
+          </a:bodyPr>
+          <a:lstStyle/>
+          <a:p>
+            <a:r>
+              <a:rPr lang="pt-BR" dirty="0">
+                <a:latin typeface="Algerian" panose="04020705040A02060702" pitchFamily="82" charset="0"/>
+              </a:rPr>
+              <a:t>banco de dados </a:t>
+            </a:r>
+            <a:endParaRPr lang="pt-BR" dirty="0"/>
+          </a:p>
+        </p:txBody>
+      </p:sp>
+      <p:sp>
+        <p:nvSpPr>
+          <p:cNvPr id="7" name="Título 1"/>
+          <p:cNvSpPr txBox="1">
+            <a:spLocks/>
+          </p:cNvSpPr>
+          <p:nvPr/>
+        </p:nvSpPr>
+        <p:spPr>
+          <a:xfrm>
+            <a:off x="532510" y="3496787"/>
+            <a:ext cx="7456868" cy="880932"/>
+          </a:xfrm>
+          <a:prstGeom prst="rect">
+            <a:avLst/>
+          </a:prstGeom>
+          <a:effectLst/>
+        </p:spPr>
+        <p:txBody>
+          <a:bodyPr vert="horz" lIns="91440" tIns="45720" rIns="91440" bIns="45720" rtlCol="0" anchor="ctr">
+            <a:normAutofit/>
+          </a:bodyPr>
+          <a:lstStyle>
+            <a:lvl1pPr algn="l" defTabSz="457200" rtl="0" eaLnBrk="1" latinLnBrk="0" hangingPunct="1">
+              <a:spcBef>
+                <a:spcPct val="0"/>
+              </a:spcBef>
+              <a:buNone/>
+              <a:defRPr sz="3600" kern="1200" cap="all">
+                <a:ln w="3175" cmpd="sng">
+                  <a:noFill/>
+                </a:ln>
+                <a:solidFill>
+                  <a:schemeClr val="tx1"/>
+                </a:solidFill>
+                <a:effectLst/>
+                <a:latin typeface="+mj-lt"/>
+                <a:ea typeface="+mj-ea"/>
+                <a:cs typeface="+mj-cs"/>
+              </a:defRPr>
+            </a:lvl1pPr>
+            <a:lvl2pPr eaLnBrk="1" hangingPunct="1">
+              <a:defRPr>
+                <a:solidFill>
+                  <a:schemeClr val="tx2"/>
+                </a:solidFill>
+              </a:defRPr>
+            </a:lvl2pPr>
+            <a:lvl3pPr eaLnBrk="1" hangingPunct="1">
+              <a:defRPr>
+                <a:solidFill>
+                  <a:schemeClr val="tx2"/>
+                </a:solidFill>
+              </a:defRPr>
+            </a:lvl3pPr>
+            <a:lvl4pPr eaLnBrk="1" hangingPunct="1">
+              <a:defRPr>
+                <a:solidFill>
+                  <a:schemeClr val="tx2"/>
+                </a:solidFill>
+              </a:defRPr>
+            </a:lvl4pPr>
+            <a:lvl5pPr eaLnBrk="1" hangingPunct="1">
+              <a:defRPr>
+                <a:solidFill>
+                  <a:schemeClr val="tx2"/>
+                </a:solidFill>
+              </a:defRPr>
+            </a:lvl5pPr>
+            <a:lvl6pPr eaLnBrk="1" hangingPunct="1">
+              <a:defRPr>
+                <a:solidFill>
+                  <a:schemeClr val="tx2"/>
+                </a:solidFill>
+              </a:defRPr>
+            </a:lvl6pPr>
+            <a:lvl7pPr eaLnBrk="1" hangingPunct="1">
+              <a:defRPr>
+                <a:solidFill>
+                  <a:schemeClr val="tx2"/>
+                </a:solidFill>
+              </a:defRPr>
+            </a:lvl7pPr>
+            <a:lvl8pPr eaLnBrk="1" hangingPunct="1">
+              <a:defRPr>
+                <a:solidFill>
+                  <a:schemeClr val="tx2"/>
+                </a:solidFill>
+              </a:defRPr>
+            </a:lvl8pPr>
+            <a:lvl9pPr eaLnBrk="1" hangingPunct="1">
+              <a:defRPr>
+                <a:solidFill>
+                  <a:schemeClr val="tx2"/>
+                </a:solidFill>
+              </a:defRPr>
+            </a:lvl9pPr>
+          </a:lstStyle>
+          <a:p>
+            <a:pPr algn="ctr"/>
+            <a:endParaRPr lang="pt-BR" sz="3200" b="1" dirty="0">
+              <a:latin typeface="Algerian" panose="04020705040A02060702" pitchFamily="82" charset="0"/>
+            </a:endParaRPr>
+          </a:p>
+        </p:txBody>
+      </p:sp>
+    </p:spTree>
+    <p:extLst>
+      <p:ext uri="{BB962C8B-B14F-4D97-AF65-F5344CB8AC3E}">
+        <p14:creationId xmlns:p14="http://schemas.microsoft.com/office/powerpoint/2010/main" val="1444854276"/>
+      </p:ext>
+    </p:extLst>
+  </p:cSld>
+  <p:clrMapOvr>
+    <a:masterClrMapping/>
+  </p:clrMapOvr>
+  <p:timing>
+    <p:tnLst>
+      <p:par>
+        <p:cTn id="1" dur="indefinite" restart="never" nodeType="tmRoot"/>
+      </p:par>
+    </p:tnLst>
+  </p:timing>
+</p:sld>
+</file>
+
+<file path=ppt/slides/slide11.xml><?xml version="1.0" encoding="utf-8"?>
+<p:sld xmlns:a="http://schemas.openxmlformats.org/drawingml/2006/main" xmlns:r="http://schemas.openxmlformats.org/officeDocument/2006/relationships" xmlns:p="http://schemas.openxmlformats.org/presentationml/2006/main">
+  <p:cSld>
+    <p:spTree>
+      <p:nvGrpSpPr>
+        <p:cNvPr id="1" name=""/>
+        <p:cNvGrpSpPr/>
+        <p:nvPr/>
+      </p:nvGrpSpPr>
+      <p:grpSpPr>
+        <a:xfrm>
+          <a:off x="0" y="0"/>
+          <a:ext cx="0" cy="0"/>
+          <a:chOff x="0" y="0"/>
+          <a:chExt cx="0" cy="0"/>
+        </a:xfrm>
+      </p:grpSpPr>
+      <p:sp>
+        <p:nvSpPr>
+          <p:cNvPr id="2" name="Título 1"/>
+          <p:cNvSpPr>
+            <a:spLocks noGrp="1"/>
+          </p:cNvSpPr>
+          <p:nvPr>
+            <p:ph type="title"/>
+          </p:nvPr>
+        </p:nvSpPr>
+        <p:spPr>
+          <a:xfrm>
+            <a:off x="1815921" y="693382"/>
+            <a:ext cx="7493873" cy="880932"/>
+          </a:xfrm>
+        </p:spPr>
+        <p:txBody>
+          <a:bodyPr>
+            <a:normAutofit/>
+          </a:bodyPr>
+          <a:lstStyle/>
+          <a:p>
+            <a:pPr algn="ctr"/>
+            <a:r>
+              <a:rPr lang="pt-BR" sz="4800" b="1" dirty="0" smtClean="0">
+                <a:latin typeface="Algerian" panose="04020705040A02060702" pitchFamily="82" charset="0"/>
+              </a:rPr>
+              <a:t>INNER JOIN</a:t>
+            </a:r>
+            <a:endParaRPr lang="pt-BR" sz="4800" b="1" dirty="0">
+              <a:latin typeface="Algerian" panose="04020705040A02060702" pitchFamily="82" charset="0"/>
+            </a:endParaRPr>
+          </a:p>
+        </p:txBody>
+      </p:sp>
+      <p:sp>
+        <p:nvSpPr>
+          <p:cNvPr id="3" name="Espaço Reservado para Conteúdo 2"/>
+          <p:cNvSpPr>
+            <a:spLocks noGrp="1"/>
+          </p:cNvSpPr>
+          <p:nvPr>
+            <p:ph idx="1"/>
+          </p:nvPr>
+        </p:nvSpPr>
+        <p:spPr>
+          <a:xfrm>
+            <a:off x="704415" y="1751526"/>
+            <a:ext cx="10427223" cy="3149057"/>
+          </a:xfrm>
+        </p:spPr>
+        <p:txBody>
+          <a:bodyPr>
+            <a:noAutofit/>
+          </a:bodyPr>
+          <a:lstStyle/>
+          <a:p>
+            <a:pPr marL="0" indent="0" algn="ctr">
+              <a:buNone/>
+            </a:pPr>
+            <a:r>
+              <a:rPr lang="pt-BR" sz="2400" b="1" dirty="0"/>
+              <a:t>A cláusula INNER JOIN permite usar um operador de comparação para comparar os valores de colunas provenientes de tabelas associadas. Por meio desta cláusula, os registros de duas tabelas são usados para que sejam gerados os dados relacionados de ambas, sendo assim, usamos a cláusula INNER JOIN para obtermos os dados relacionados de duas tabelas.</a:t>
+            </a:r>
+            <a:endParaRPr lang="pt-BR" sz="2400" b="1" dirty="0"/>
+          </a:p>
+        </p:txBody>
+      </p:sp>
+      <p:sp>
+        <p:nvSpPr>
+          <p:cNvPr id="5" name="Retângulo 4"/>
+          <p:cNvSpPr/>
+          <p:nvPr/>
+        </p:nvSpPr>
+        <p:spPr>
+          <a:xfrm>
+            <a:off x="9832806" y="230678"/>
+            <a:ext cx="2108269" cy="369332"/>
+          </a:xfrm>
+          <a:prstGeom prst="rect">
+            <a:avLst/>
+          </a:prstGeom>
+        </p:spPr>
+        <p:txBody>
+          <a:bodyPr wrap="none">
+            <a:spAutoFit/>
+          </a:bodyPr>
+          <a:lstStyle/>
+          <a:p>
+            <a:r>
+              <a:rPr lang="pt-BR" dirty="0">
+                <a:latin typeface="Algerian" panose="04020705040A02060702" pitchFamily="82" charset="0"/>
+              </a:rPr>
+              <a:t>banco de dados </a:t>
+            </a:r>
+            <a:endParaRPr lang="pt-BR" dirty="0"/>
+          </a:p>
+        </p:txBody>
+      </p:sp>
+      <p:sp>
+        <p:nvSpPr>
+          <p:cNvPr id="7" name="Título 1"/>
+          <p:cNvSpPr txBox="1">
+            <a:spLocks/>
+          </p:cNvSpPr>
+          <p:nvPr/>
+        </p:nvSpPr>
+        <p:spPr>
+          <a:xfrm>
+            <a:off x="532510" y="3496787"/>
+            <a:ext cx="7456868" cy="880932"/>
+          </a:xfrm>
+          <a:prstGeom prst="rect">
+            <a:avLst/>
+          </a:prstGeom>
+          <a:effectLst/>
+        </p:spPr>
+        <p:txBody>
+          <a:bodyPr vert="horz" lIns="91440" tIns="45720" rIns="91440" bIns="45720" rtlCol="0" anchor="ctr">
+            <a:normAutofit/>
+          </a:bodyPr>
+          <a:lstStyle>
+            <a:lvl1pPr algn="l" defTabSz="457200" rtl="0" eaLnBrk="1" latinLnBrk="0" hangingPunct="1">
+              <a:spcBef>
+                <a:spcPct val="0"/>
+              </a:spcBef>
+              <a:buNone/>
+              <a:defRPr sz="3600" kern="1200" cap="all">
+                <a:ln w="3175" cmpd="sng">
+                  <a:noFill/>
+                </a:ln>
+                <a:solidFill>
+                  <a:schemeClr val="tx1"/>
+                </a:solidFill>
+                <a:effectLst/>
+                <a:latin typeface="+mj-lt"/>
+                <a:ea typeface="+mj-ea"/>
+                <a:cs typeface="+mj-cs"/>
+              </a:defRPr>
+            </a:lvl1pPr>
+            <a:lvl2pPr eaLnBrk="1" hangingPunct="1">
+              <a:defRPr>
+                <a:solidFill>
+                  <a:schemeClr val="tx2"/>
+                </a:solidFill>
+              </a:defRPr>
+            </a:lvl2pPr>
+            <a:lvl3pPr eaLnBrk="1" hangingPunct="1">
+              <a:defRPr>
+                <a:solidFill>
+                  <a:schemeClr val="tx2"/>
+                </a:solidFill>
+              </a:defRPr>
+            </a:lvl3pPr>
+            <a:lvl4pPr eaLnBrk="1" hangingPunct="1">
+              <a:defRPr>
+                <a:solidFill>
+                  <a:schemeClr val="tx2"/>
+                </a:solidFill>
+              </a:defRPr>
+            </a:lvl4pPr>
+            <a:lvl5pPr eaLnBrk="1" hangingPunct="1">
+              <a:defRPr>
+                <a:solidFill>
+                  <a:schemeClr val="tx2"/>
+                </a:solidFill>
+              </a:defRPr>
+            </a:lvl5pPr>
+            <a:lvl6pPr eaLnBrk="1" hangingPunct="1">
+              <a:defRPr>
+                <a:solidFill>
+                  <a:schemeClr val="tx2"/>
+                </a:solidFill>
+              </a:defRPr>
+            </a:lvl6pPr>
+            <a:lvl7pPr eaLnBrk="1" hangingPunct="1">
+              <a:defRPr>
+                <a:solidFill>
+                  <a:schemeClr val="tx2"/>
+                </a:solidFill>
+              </a:defRPr>
+            </a:lvl7pPr>
+            <a:lvl8pPr eaLnBrk="1" hangingPunct="1">
+              <a:defRPr>
+                <a:solidFill>
+                  <a:schemeClr val="tx2"/>
+                </a:solidFill>
+              </a:defRPr>
+            </a:lvl8pPr>
+            <a:lvl9pPr eaLnBrk="1" hangingPunct="1">
+              <a:defRPr>
+                <a:solidFill>
+                  <a:schemeClr val="tx2"/>
+                </a:solidFill>
+              </a:defRPr>
+            </a:lvl9pPr>
+          </a:lstStyle>
+          <a:p>
+            <a:pPr algn="ctr"/>
+            <a:endParaRPr lang="pt-BR" sz="3200" b="1" dirty="0">
+              <a:latin typeface="Algerian" panose="04020705040A02060702" pitchFamily="82" charset="0"/>
+            </a:endParaRPr>
+          </a:p>
+        </p:txBody>
+      </p:sp>
+    </p:spTree>
+    <p:extLst>
+      <p:ext uri="{BB962C8B-B14F-4D97-AF65-F5344CB8AC3E}">
+        <p14:creationId xmlns:p14="http://schemas.microsoft.com/office/powerpoint/2010/main" val="2274983650"/>
+      </p:ext>
+    </p:extLst>
+  </p:cSld>
+  <p:clrMapOvr>
+    <a:masterClrMapping/>
+  </p:clrMapOvr>
+  <p:timing>
+    <p:tnLst>
+      <p:par>
+        <p:cTn id="1" dur="indefinite" restart="never" nodeType="tmRoot"/>
+      </p:par>
+    </p:tnLst>
+  </p:timing>
+</p:sld>
+</file>
+
+<file path=ppt/slides/slide12.xml><?xml version="1.0" encoding="utf-8"?>
+<p:sld xmlns:a="http://schemas.openxmlformats.org/drawingml/2006/main" xmlns:r="http://schemas.openxmlformats.org/officeDocument/2006/relationships" xmlns:p="http://schemas.openxmlformats.org/presentationml/2006/main">
+  <p:cSld>
+    <p:spTree>
+      <p:nvGrpSpPr>
+        <p:cNvPr id="1" name=""/>
+        <p:cNvGrpSpPr/>
+        <p:nvPr/>
+      </p:nvGrpSpPr>
+      <p:grpSpPr>
+        <a:xfrm>
+          <a:off x="0" y="0"/>
+          <a:ext cx="0" cy="0"/>
+          <a:chOff x="0" y="0"/>
+          <a:chExt cx="0" cy="0"/>
+        </a:xfrm>
+      </p:grpSpPr>
+      <p:sp>
+        <p:nvSpPr>
+          <p:cNvPr id="2" name="Título 1"/>
+          <p:cNvSpPr>
+            <a:spLocks noGrp="1"/>
+          </p:cNvSpPr>
+          <p:nvPr>
+            <p:ph type="title"/>
+          </p:nvPr>
+        </p:nvSpPr>
+        <p:spPr>
+          <a:xfrm>
+            <a:off x="1815921" y="693382"/>
+            <a:ext cx="7493873" cy="880932"/>
+          </a:xfrm>
+        </p:spPr>
+        <p:txBody>
+          <a:bodyPr>
+            <a:normAutofit/>
+          </a:bodyPr>
+          <a:lstStyle/>
+          <a:p>
+            <a:pPr algn="ctr"/>
+            <a:r>
+              <a:rPr lang="pt-BR" sz="4800" b="1" dirty="0" smtClean="0">
+                <a:latin typeface="Algerian" panose="04020705040A02060702" pitchFamily="82" charset="0"/>
+              </a:rPr>
+              <a:t>LEFT JOIN</a:t>
+            </a:r>
+            <a:endParaRPr lang="pt-BR" sz="4800" b="1" dirty="0">
+              <a:latin typeface="Algerian" panose="04020705040A02060702" pitchFamily="82" charset="0"/>
+            </a:endParaRPr>
+          </a:p>
+        </p:txBody>
+      </p:sp>
+      <p:sp>
+        <p:nvSpPr>
+          <p:cNvPr id="3" name="Espaço Reservado para Conteúdo 2"/>
+          <p:cNvSpPr>
+            <a:spLocks noGrp="1"/>
+          </p:cNvSpPr>
+          <p:nvPr>
+            <p:ph idx="1"/>
+          </p:nvPr>
+        </p:nvSpPr>
+        <p:spPr>
+          <a:xfrm>
+            <a:off x="627142" y="1574314"/>
+            <a:ext cx="10427223" cy="3149057"/>
+          </a:xfrm>
+        </p:spPr>
+        <p:txBody>
+          <a:bodyPr>
+            <a:noAutofit/>
+          </a:bodyPr>
+          <a:lstStyle/>
+          <a:p>
+            <a:pPr marL="0" indent="0" algn="ctr">
+              <a:buNone/>
+            </a:pPr>
+            <a:r>
+              <a:rPr lang="pt-BR" sz="2400" b="1" dirty="0"/>
+              <a:t>A cláusula LEFT JOIN ou LEFT OUTER JOIN permite obter não apenas os dados relacionados de duas tabelas, mas também os dados não relacionados encontrados na tabela à esquerda da cláusula </a:t>
+            </a:r>
+            <a:r>
+              <a:rPr lang="pt-BR" sz="2400" b="1" dirty="0" err="1"/>
+              <a:t>JOIN.Caso</a:t>
+            </a:r>
+            <a:r>
+              <a:rPr lang="pt-BR" sz="2400" b="1" dirty="0"/>
+              <a:t> não existam dados relacionados entre as tabelas à esquerda e a direita do JOIN, os valores resultantes de todas as colunas da lista de seleção da tabela à direita serão nulos</a:t>
+            </a:r>
+            <a:endParaRPr lang="pt-BR" sz="2400" b="1" dirty="0"/>
+          </a:p>
+        </p:txBody>
+      </p:sp>
+      <p:sp>
+        <p:nvSpPr>
+          <p:cNvPr id="5" name="Retângulo 4"/>
+          <p:cNvSpPr/>
+          <p:nvPr/>
+        </p:nvSpPr>
+        <p:spPr>
+          <a:xfrm>
+            <a:off x="9832806" y="230678"/>
+            <a:ext cx="2108269" cy="369332"/>
+          </a:xfrm>
+          <a:prstGeom prst="rect">
+            <a:avLst/>
+          </a:prstGeom>
+        </p:spPr>
+        <p:txBody>
+          <a:bodyPr wrap="none">
+            <a:spAutoFit/>
+          </a:bodyPr>
+          <a:lstStyle/>
+          <a:p>
+            <a:r>
+              <a:rPr lang="pt-BR" dirty="0">
+                <a:latin typeface="Algerian" panose="04020705040A02060702" pitchFamily="82" charset="0"/>
+              </a:rPr>
+              <a:t>banco de dados </a:t>
+            </a:r>
+            <a:endParaRPr lang="pt-BR" dirty="0"/>
+          </a:p>
+        </p:txBody>
+      </p:sp>
+      <p:sp>
+        <p:nvSpPr>
+          <p:cNvPr id="7" name="Título 1"/>
+          <p:cNvSpPr txBox="1">
+            <a:spLocks/>
+          </p:cNvSpPr>
+          <p:nvPr/>
+        </p:nvSpPr>
+        <p:spPr>
+          <a:xfrm>
+            <a:off x="532510" y="3496787"/>
+            <a:ext cx="7456868" cy="880932"/>
+          </a:xfrm>
+          <a:prstGeom prst="rect">
+            <a:avLst/>
+          </a:prstGeom>
+          <a:effectLst/>
+        </p:spPr>
+        <p:txBody>
+          <a:bodyPr vert="horz" lIns="91440" tIns="45720" rIns="91440" bIns="45720" rtlCol="0" anchor="ctr">
+            <a:normAutofit/>
+          </a:bodyPr>
+          <a:lstStyle>
+            <a:lvl1pPr algn="l" defTabSz="457200" rtl="0" eaLnBrk="1" latinLnBrk="0" hangingPunct="1">
+              <a:spcBef>
+                <a:spcPct val="0"/>
+              </a:spcBef>
+              <a:buNone/>
+              <a:defRPr sz="3600" kern="1200" cap="all">
+                <a:ln w="3175" cmpd="sng">
+                  <a:noFill/>
+                </a:ln>
+                <a:solidFill>
+                  <a:schemeClr val="tx1"/>
+                </a:solidFill>
+                <a:effectLst/>
+                <a:latin typeface="+mj-lt"/>
+                <a:ea typeface="+mj-ea"/>
+                <a:cs typeface="+mj-cs"/>
+              </a:defRPr>
+            </a:lvl1pPr>
+            <a:lvl2pPr eaLnBrk="1" hangingPunct="1">
+              <a:defRPr>
+                <a:solidFill>
+                  <a:schemeClr val="tx2"/>
+                </a:solidFill>
+              </a:defRPr>
+            </a:lvl2pPr>
+            <a:lvl3pPr eaLnBrk="1" hangingPunct="1">
+              <a:defRPr>
+                <a:solidFill>
+                  <a:schemeClr val="tx2"/>
+                </a:solidFill>
+              </a:defRPr>
+            </a:lvl3pPr>
+            <a:lvl4pPr eaLnBrk="1" hangingPunct="1">
+              <a:defRPr>
+                <a:solidFill>
+                  <a:schemeClr val="tx2"/>
+                </a:solidFill>
+              </a:defRPr>
+            </a:lvl4pPr>
+            <a:lvl5pPr eaLnBrk="1" hangingPunct="1">
+              <a:defRPr>
+                <a:solidFill>
+                  <a:schemeClr val="tx2"/>
+                </a:solidFill>
+              </a:defRPr>
+            </a:lvl5pPr>
+            <a:lvl6pPr eaLnBrk="1" hangingPunct="1">
+              <a:defRPr>
+                <a:solidFill>
+                  <a:schemeClr val="tx2"/>
+                </a:solidFill>
+              </a:defRPr>
+            </a:lvl6pPr>
+            <a:lvl7pPr eaLnBrk="1" hangingPunct="1">
+              <a:defRPr>
+                <a:solidFill>
+                  <a:schemeClr val="tx2"/>
+                </a:solidFill>
+              </a:defRPr>
+            </a:lvl7pPr>
+            <a:lvl8pPr eaLnBrk="1" hangingPunct="1">
+              <a:defRPr>
+                <a:solidFill>
+                  <a:schemeClr val="tx2"/>
+                </a:solidFill>
+              </a:defRPr>
+            </a:lvl8pPr>
+            <a:lvl9pPr eaLnBrk="1" hangingPunct="1">
+              <a:defRPr>
+                <a:solidFill>
+                  <a:schemeClr val="tx2"/>
+                </a:solidFill>
+              </a:defRPr>
+            </a:lvl9pPr>
+          </a:lstStyle>
+          <a:p>
+            <a:pPr algn="ctr"/>
+            <a:endParaRPr lang="pt-BR" sz="3200" b="1" dirty="0">
+              <a:latin typeface="Algerian" panose="04020705040A02060702" pitchFamily="82" charset="0"/>
+            </a:endParaRPr>
+          </a:p>
+        </p:txBody>
+      </p:sp>
+    </p:spTree>
+    <p:extLst>
+      <p:ext uri="{BB962C8B-B14F-4D97-AF65-F5344CB8AC3E}">
+        <p14:creationId xmlns:p14="http://schemas.microsoft.com/office/powerpoint/2010/main" val="1889921293"/>
+      </p:ext>
+    </p:extLst>
+  </p:cSld>
+  <p:clrMapOvr>
+    <a:masterClrMapping/>
+  </p:clrMapOvr>
+  <p:timing>
+    <p:tnLst>
+      <p:par>
+        <p:cTn id="1" dur="indefinite" restart="never" nodeType="tmRoot"/>
+      </p:par>
+    </p:tnLst>
+  </p:timing>
+</p:sld>
+</file>
+
+<file path=ppt/slides/slide13.xml><?xml version="1.0" encoding="utf-8"?>
+<p:sld xmlns:a="http://schemas.openxmlformats.org/drawingml/2006/main" xmlns:r="http://schemas.openxmlformats.org/officeDocument/2006/relationships" xmlns:p="http://schemas.openxmlformats.org/presentationml/2006/main">
+  <p:cSld>
+    <p:spTree>
+      <p:nvGrpSpPr>
+        <p:cNvPr id="1" name=""/>
+        <p:cNvGrpSpPr/>
+        <p:nvPr/>
+      </p:nvGrpSpPr>
+      <p:grpSpPr>
+        <a:xfrm>
+          <a:off x="0" y="0"/>
+          <a:ext cx="0" cy="0"/>
+          <a:chOff x="0" y="0"/>
+          <a:chExt cx="0" cy="0"/>
+        </a:xfrm>
+      </p:grpSpPr>
+      <p:sp>
+        <p:nvSpPr>
+          <p:cNvPr id="2" name="Título 1"/>
+          <p:cNvSpPr>
+            <a:spLocks noGrp="1"/>
+          </p:cNvSpPr>
+          <p:nvPr>
+            <p:ph type="title"/>
+          </p:nvPr>
+        </p:nvSpPr>
+        <p:spPr>
+          <a:xfrm>
+            <a:off x="1815921" y="693382"/>
+            <a:ext cx="7493873" cy="880932"/>
+          </a:xfrm>
+        </p:spPr>
+        <p:txBody>
+          <a:bodyPr>
+            <a:normAutofit/>
+          </a:bodyPr>
+          <a:lstStyle/>
+          <a:p>
+            <a:pPr algn="ctr"/>
+            <a:r>
+              <a:rPr lang="pt-BR" sz="4800" b="1" dirty="0" smtClean="0">
+                <a:latin typeface="Algerian" panose="04020705040A02060702" pitchFamily="82" charset="0"/>
+              </a:rPr>
+              <a:t>RIGHT JOIN</a:t>
+            </a:r>
+            <a:endParaRPr lang="pt-BR" sz="4800" b="1" dirty="0">
+              <a:latin typeface="Algerian" panose="04020705040A02060702" pitchFamily="82" charset="0"/>
+            </a:endParaRPr>
+          </a:p>
+        </p:txBody>
+      </p:sp>
+      <p:sp>
+        <p:nvSpPr>
+          <p:cNvPr id="3" name="Espaço Reservado para Conteúdo 2"/>
+          <p:cNvSpPr>
+            <a:spLocks noGrp="1"/>
+          </p:cNvSpPr>
+          <p:nvPr>
+            <p:ph idx="1"/>
+          </p:nvPr>
+        </p:nvSpPr>
+        <p:spPr>
+          <a:xfrm>
+            <a:off x="627142" y="1574314"/>
+            <a:ext cx="10427223" cy="3149057"/>
+          </a:xfrm>
+        </p:spPr>
+        <p:txBody>
+          <a:bodyPr>
+            <a:noAutofit/>
+          </a:bodyPr>
+          <a:lstStyle/>
+          <a:p>
+            <a:pPr marL="0" indent="0" algn="ctr">
+              <a:buNone/>
+            </a:pPr>
+            <a:r>
+              <a:rPr lang="pt-BR" sz="2400" b="1" dirty="0"/>
+              <a:t>Ao contrário do LEFT JOIN, a cláusula RIGHT JOIN ou RIGHT OUTER JOIN retorna todos os dados encontrados na tabela à direita de JOIN. Caso não existam dados associados entre as tabelas à esquerda e à direita de JOIN, serão retornados valores nulos.</a:t>
+            </a:r>
+            <a:endParaRPr lang="pt-BR" sz="2400" b="1" dirty="0"/>
+          </a:p>
+        </p:txBody>
+      </p:sp>
+      <p:sp>
+        <p:nvSpPr>
+          <p:cNvPr id="5" name="Retângulo 4"/>
+          <p:cNvSpPr/>
+          <p:nvPr/>
+        </p:nvSpPr>
+        <p:spPr>
+          <a:xfrm>
+            <a:off x="9832806" y="230678"/>
+            <a:ext cx="2108269" cy="369332"/>
+          </a:xfrm>
+          <a:prstGeom prst="rect">
+            <a:avLst/>
+          </a:prstGeom>
+        </p:spPr>
+        <p:txBody>
+          <a:bodyPr wrap="none">
+            <a:spAutoFit/>
+          </a:bodyPr>
+          <a:lstStyle/>
+          <a:p>
+            <a:r>
+              <a:rPr lang="pt-BR" dirty="0">
+                <a:latin typeface="Algerian" panose="04020705040A02060702" pitchFamily="82" charset="0"/>
+              </a:rPr>
+              <a:t>banco de dados </a:t>
+            </a:r>
+            <a:endParaRPr lang="pt-BR" dirty="0"/>
+          </a:p>
+        </p:txBody>
+      </p:sp>
+      <p:sp>
+        <p:nvSpPr>
+          <p:cNvPr id="7" name="Título 1"/>
+          <p:cNvSpPr txBox="1">
+            <a:spLocks/>
+          </p:cNvSpPr>
+          <p:nvPr/>
+        </p:nvSpPr>
+        <p:spPr>
+          <a:xfrm>
+            <a:off x="532510" y="3496787"/>
+            <a:ext cx="7456868" cy="880932"/>
+          </a:xfrm>
+          <a:prstGeom prst="rect">
+            <a:avLst/>
+          </a:prstGeom>
+          <a:effectLst/>
+        </p:spPr>
+        <p:txBody>
+          <a:bodyPr vert="horz" lIns="91440" tIns="45720" rIns="91440" bIns="45720" rtlCol="0" anchor="ctr">
+            <a:normAutofit/>
+          </a:bodyPr>
+          <a:lstStyle>
+            <a:lvl1pPr algn="l" defTabSz="457200" rtl="0" eaLnBrk="1" latinLnBrk="0" hangingPunct="1">
+              <a:spcBef>
+                <a:spcPct val="0"/>
+              </a:spcBef>
+              <a:buNone/>
+              <a:defRPr sz="3600" kern="1200" cap="all">
+                <a:ln w="3175" cmpd="sng">
+                  <a:noFill/>
+                </a:ln>
+                <a:solidFill>
+                  <a:schemeClr val="tx1"/>
+                </a:solidFill>
+                <a:effectLst/>
+                <a:latin typeface="+mj-lt"/>
+                <a:ea typeface="+mj-ea"/>
+                <a:cs typeface="+mj-cs"/>
+              </a:defRPr>
+            </a:lvl1pPr>
+            <a:lvl2pPr eaLnBrk="1" hangingPunct="1">
+              <a:defRPr>
+                <a:solidFill>
+                  <a:schemeClr val="tx2"/>
+                </a:solidFill>
+              </a:defRPr>
+            </a:lvl2pPr>
+            <a:lvl3pPr eaLnBrk="1" hangingPunct="1">
+              <a:defRPr>
+                <a:solidFill>
+                  <a:schemeClr val="tx2"/>
+                </a:solidFill>
+              </a:defRPr>
+            </a:lvl3pPr>
+            <a:lvl4pPr eaLnBrk="1" hangingPunct="1">
+              <a:defRPr>
+                <a:solidFill>
+                  <a:schemeClr val="tx2"/>
+                </a:solidFill>
+              </a:defRPr>
+            </a:lvl4pPr>
+            <a:lvl5pPr eaLnBrk="1" hangingPunct="1">
+              <a:defRPr>
+                <a:solidFill>
+                  <a:schemeClr val="tx2"/>
+                </a:solidFill>
+              </a:defRPr>
+            </a:lvl5pPr>
+            <a:lvl6pPr eaLnBrk="1" hangingPunct="1">
+              <a:defRPr>
+                <a:solidFill>
+                  <a:schemeClr val="tx2"/>
+                </a:solidFill>
+              </a:defRPr>
+            </a:lvl6pPr>
+            <a:lvl7pPr eaLnBrk="1" hangingPunct="1">
+              <a:defRPr>
+                <a:solidFill>
+                  <a:schemeClr val="tx2"/>
+                </a:solidFill>
+              </a:defRPr>
+            </a:lvl7pPr>
+            <a:lvl8pPr eaLnBrk="1" hangingPunct="1">
+              <a:defRPr>
+                <a:solidFill>
+                  <a:schemeClr val="tx2"/>
+                </a:solidFill>
+              </a:defRPr>
+            </a:lvl8pPr>
+            <a:lvl9pPr eaLnBrk="1" hangingPunct="1">
+              <a:defRPr>
+                <a:solidFill>
+                  <a:schemeClr val="tx2"/>
+                </a:solidFill>
+              </a:defRPr>
+            </a:lvl9pPr>
+          </a:lstStyle>
+          <a:p>
+            <a:pPr algn="ctr"/>
+            <a:endParaRPr lang="pt-BR" sz="3200" b="1" dirty="0">
+              <a:latin typeface="Algerian" panose="04020705040A02060702" pitchFamily="82" charset="0"/>
+            </a:endParaRPr>
+          </a:p>
+        </p:txBody>
+      </p:sp>
+    </p:spTree>
+    <p:extLst>
+      <p:ext uri="{BB962C8B-B14F-4D97-AF65-F5344CB8AC3E}">
+        <p14:creationId xmlns:p14="http://schemas.microsoft.com/office/powerpoint/2010/main" val="4218902573"/>
       </p:ext>
     </p:extLst>
   </p:cSld>
@@ -5678,19 +6722,7 @@
               <a:rPr lang="pt-BR" dirty="0" smtClean="0">
                 <a:latin typeface="Algerian" panose="04020705040A02060702" pitchFamily="82" charset="0"/>
               </a:rPr>
-              <a:t>tipos </a:t>
-            </a:r>
-            <a:r>
-              <a:rPr lang="pt-BR" dirty="0" smtClean="0">
-                <a:latin typeface="Algerian" panose="04020705040A02060702" pitchFamily="82" charset="0"/>
-              </a:rPr>
-              <a:t>de </a:t>
-            </a:r>
-            <a:r>
-              <a:rPr lang="pt-BR" dirty="0" smtClean="0">
-                <a:latin typeface="Algerian" panose="04020705040A02060702" pitchFamily="82" charset="0"/>
-              </a:rPr>
-              <a:t>dados </a:t>
+              <a:t>tipos de dados </a:t>
             </a:r>
             <a:r>
               <a:rPr lang="pt-BR" dirty="0" err="1" smtClean="0">
@@ -5877,19 +6909,7 @@
               <a:rPr lang="pt-BR" dirty="0" smtClean="0">
                 <a:latin typeface="Algerian" panose="04020705040A02060702" pitchFamily="82" charset="0"/>
               </a:rPr>
-              <a:t>tipos </a:t>
-            </a:r>
-            <a:r>
-              <a:rPr lang="pt-BR" dirty="0" smtClean="0">
-                <a:latin typeface="Algerian" panose="04020705040A02060702" pitchFamily="82" charset="0"/>
-              </a:rPr>
-              <a:t>de </a:t>
-            </a:r>
-            <a:r>
-              <a:rPr lang="pt-BR" dirty="0" smtClean="0">
-                <a:latin typeface="Algerian" panose="04020705040A02060702" pitchFamily="82" charset="0"/>
-              </a:rPr>
-              <a:t>dados numéricos</a:t>
+              <a:t>tipos de dados numéricos</a:t>
             </a:r>
             <a:endParaRPr lang="pt-BR" dirty="0">
               <a:latin typeface="Algerian" panose="04020705040A02060702" pitchFamily="82" charset="0"/>
@@ -6583,7 +7603,6 @@
               <a:rPr lang="pt-BR" sz="2400" b="1" dirty="0"/>
               <a:t>dá a identidade para a linha, é por ela que você pode confiar que sempre será usada para acesso direto à linha desejada. É comum que seja usado um identificador numérico sequencial para isso</a:t>
             </a:r>
-            <a:endParaRPr lang="pt-BR" sz="2400" b="1" dirty="0"/>
           </a:p>
         </p:txBody>
       </p:sp>
@@ -6939,7 +7958,6 @@
               <a:rPr lang="pt-BR" sz="2400" b="1" dirty="0"/>
               <a:t>: É permitido somente um campo IDENTITY por tabela.</a:t>
             </a:r>
-            <a:endParaRPr lang="pt-BR" sz="2400" b="1" dirty="0"/>
           </a:p>
         </p:txBody>
       </p:sp>
